--- a/Group10-Hack-IoT 2019.pptx
+++ b/Group10-Hack-IoT 2019.pptx
@@ -2,13 +2,16 @@
 <file path=ppt/presentation.xml><?xml version="1.0" encoding="utf-8"?>
 <p:presentation xmlns:a="http://schemas.openxmlformats.org/drawingml/2006/main" xmlns:r="http://schemas.openxmlformats.org/officeDocument/2006/relationships" xmlns:p="http://schemas.openxmlformats.org/presentationml/2006/main" saveSubsetFonts="1">
   <p:sldMasterIdLst>
-    <p:sldMasterId id="2147483648" r:id="rId1"/>
+    <p:sldMasterId id="2147483701" r:id="rId1"/>
   </p:sldMasterIdLst>
   <p:sldIdLst>
     <p:sldId id="256" r:id="rId2"/>
     <p:sldId id="257" r:id="rId3"/>
     <p:sldId id="258" r:id="rId4"/>
-    <p:sldId id="259" r:id="rId5"/>
+    <p:sldId id="260" r:id="rId5"/>
+    <p:sldId id="262" r:id="rId6"/>
+    <p:sldId id="261" r:id="rId7"/>
+    <p:sldId id="259" r:id="rId8"/>
   </p:sldIdLst>
   <p:sldSz cx="12192000" cy="6858000"/>
   <p:notesSz cx="6858000" cy="9144000"/>
@@ -16,7 +19,7 @@
     <a:defPPr>
       <a:defRPr lang="en-US"/>
     </a:defPPr>
-    <a:lvl1pPr marL="0" algn="l" defTabSz="914400" rtl="0" eaLnBrk="1" latinLnBrk="0" hangingPunct="1">
+    <a:lvl1pPr marL="0" algn="l" defTabSz="457200" rtl="0" eaLnBrk="1" latinLnBrk="0" hangingPunct="1">
       <a:defRPr sz="1800" kern="1200">
         <a:solidFill>
           <a:schemeClr val="tx1"/>
@@ -26,7 +29,7 @@
         <a:cs typeface="+mn-cs"/>
       </a:defRPr>
     </a:lvl1pPr>
-    <a:lvl2pPr marL="457200" algn="l" defTabSz="914400" rtl="0" eaLnBrk="1" latinLnBrk="0" hangingPunct="1">
+    <a:lvl2pPr marL="457200" algn="l" defTabSz="457200" rtl="0" eaLnBrk="1" latinLnBrk="0" hangingPunct="1">
       <a:defRPr sz="1800" kern="1200">
         <a:solidFill>
           <a:schemeClr val="tx1"/>
@@ -36,7 +39,7 @@
         <a:cs typeface="+mn-cs"/>
       </a:defRPr>
     </a:lvl2pPr>
-    <a:lvl3pPr marL="914400" algn="l" defTabSz="914400" rtl="0" eaLnBrk="1" latinLnBrk="0" hangingPunct="1">
+    <a:lvl3pPr marL="914400" algn="l" defTabSz="457200" rtl="0" eaLnBrk="1" latinLnBrk="0" hangingPunct="1">
       <a:defRPr sz="1800" kern="1200">
         <a:solidFill>
           <a:schemeClr val="tx1"/>
@@ -46,7 +49,7 @@
         <a:cs typeface="+mn-cs"/>
       </a:defRPr>
     </a:lvl3pPr>
-    <a:lvl4pPr marL="1371600" algn="l" defTabSz="914400" rtl="0" eaLnBrk="1" latinLnBrk="0" hangingPunct="1">
+    <a:lvl4pPr marL="1371600" algn="l" defTabSz="457200" rtl="0" eaLnBrk="1" latinLnBrk="0" hangingPunct="1">
       <a:defRPr sz="1800" kern="1200">
         <a:solidFill>
           <a:schemeClr val="tx1"/>
@@ -56,7 +59,7 @@
         <a:cs typeface="+mn-cs"/>
       </a:defRPr>
     </a:lvl4pPr>
-    <a:lvl5pPr marL="1828800" algn="l" defTabSz="914400" rtl="0" eaLnBrk="1" latinLnBrk="0" hangingPunct="1">
+    <a:lvl5pPr marL="1828800" algn="l" defTabSz="457200" rtl="0" eaLnBrk="1" latinLnBrk="0" hangingPunct="1">
       <a:defRPr sz="1800" kern="1200">
         <a:solidFill>
           <a:schemeClr val="tx1"/>
@@ -66,7 +69,7 @@
         <a:cs typeface="+mn-cs"/>
       </a:defRPr>
     </a:lvl5pPr>
-    <a:lvl6pPr marL="2286000" algn="l" defTabSz="914400" rtl="0" eaLnBrk="1" latinLnBrk="0" hangingPunct="1">
+    <a:lvl6pPr marL="2286000" algn="l" defTabSz="457200" rtl="0" eaLnBrk="1" latinLnBrk="0" hangingPunct="1">
       <a:defRPr sz="1800" kern="1200">
         <a:solidFill>
           <a:schemeClr val="tx1"/>
@@ -76,7 +79,7 @@
         <a:cs typeface="+mn-cs"/>
       </a:defRPr>
     </a:lvl6pPr>
-    <a:lvl7pPr marL="2743200" algn="l" defTabSz="914400" rtl="0" eaLnBrk="1" latinLnBrk="0" hangingPunct="1">
+    <a:lvl7pPr marL="2743200" algn="l" defTabSz="457200" rtl="0" eaLnBrk="1" latinLnBrk="0" hangingPunct="1">
       <a:defRPr sz="1800" kern="1200">
         <a:solidFill>
           <a:schemeClr val="tx1"/>
@@ -86,7 +89,7 @@
         <a:cs typeface="+mn-cs"/>
       </a:defRPr>
     </a:lvl7pPr>
-    <a:lvl8pPr marL="3200400" algn="l" defTabSz="914400" rtl="0" eaLnBrk="1" latinLnBrk="0" hangingPunct="1">
+    <a:lvl8pPr marL="3200400" algn="l" defTabSz="457200" rtl="0" eaLnBrk="1" latinLnBrk="0" hangingPunct="1">
       <a:defRPr sz="1800" kern="1200">
         <a:solidFill>
           <a:schemeClr val="tx1"/>
@@ -96,7 +99,7 @@
         <a:cs typeface="+mn-cs"/>
       </a:defRPr>
     </a:lvl8pPr>
-    <a:lvl9pPr marL="3657600" algn="l" defTabSz="914400" rtl="0" eaLnBrk="1" latinLnBrk="0" hangingPunct="1">
+    <a:lvl9pPr marL="3657600" algn="l" defTabSz="457200" rtl="0" eaLnBrk="1" latinLnBrk="0" hangingPunct="1">
       <a:defRPr sz="1800" kern="1200">
         <a:solidFill>
           <a:schemeClr val="tx1"/>
@@ -107,6 +110,11 @@
       </a:defRPr>
     </a:lvl9pPr>
   </p:defaultTextStyle>
+  <p:extLst>
+    <p:ext uri="{EFAFB233-063F-42B5-8137-9DF3F51BA10A}">
+      <p15:sldGuideLst xmlns:p15="http://schemas.microsoft.com/office/powerpoint/2012/main"/>
+    </p:ext>
+  </p:extLst>
 </p:presentation>
 </file>
 
@@ -127,15 +135,39 @@
           <a:chExt cx="0" cy="0"/>
         </a:xfrm>
       </p:grpSpPr>
-      <p:sp>
-        <p:nvSpPr>
-          <p:cNvPr id="2" name="Title 1">
+      <p:pic>
+        <p:nvPicPr>
+          <p:cNvPr id="7" name="Picture 6" descr="C0-HD-BTM.png"/>
+          <p:cNvPicPr>
+            <a:picLocks noChangeAspect="1"/>
+          </p:cNvPicPr>
+          <p:nvPr/>
+        </p:nvPicPr>
+        <p:blipFill>
+          <a:blip r:embed="rId2">
             <a:extLst>
-              <a:ext uri="{FF2B5EF4-FFF2-40B4-BE49-F238E27FC236}">
-                <a16:creationId xmlns:a16="http://schemas.microsoft.com/office/drawing/2014/main" id="{64641051-FAC5-4CAC-BEE0-D04E0E32317D}"/>
+              <a:ext uri="{28A0092B-C50C-407E-A947-70E740481C1C}">
+                <a14:useLocalDpi xmlns:a14="http://schemas.microsoft.com/office/drawing/2010/main" val="0"/>
               </a:ext>
             </a:extLst>
-          </p:cNvPr>
+          </a:blip>
+          <a:stretch>
+            <a:fillRect/>
+          </a:stretch>
+        </p:blipFill>
+        <p:spPr>
+          <a:xfrm>
+            <a:off x="0" y="4375150"/>
+            <a:ext cx="12192000" cy="2482850"/>
+          </a:xfrm>
+          <a:prstGeom prst="rect">
+            <a:avLst/>
+          </a:prstGeom>
+        </p:spPr>
+      </p:pic>
+      <p:sp>
+        <p:nvSpPr>
+          <p:cNvPr id="2" name="Title 1"/>
           <p:cNvSpPr>
             <a:spLocks noGrp="1"/>
           </p:cNvSpPr>
@@ -145,14 +177,16 @@
         </p:nvSpPr>
         <p:spPr>
           <a:xfrm>
-            <a:off x="1524000" y="1122363"/>
-            <a:ext cx="9144000" cy="2387600"/>
-          </a:xfrm>
-        </p:spPr>
-        <p:txBody>
-          <a:bodyPr anchor="b"/>
+            <a:off x="1371600" y="1803405"/>
+            <a:ext cx="9448800" cy="1825096"/>
+          </a:xfrm>
+        </p:spPr>
+        <p:txBody>
+          <a:bodyPr anchor="b">
+            <a:normAutofit/>
+          </a:bodyPr>
           <a:lstStyle>
-            <a:lvl1pPr algn="ctr">
+            <a:lvl1pPr algn="l">
               <a:defRPr sz="6000"/>
             </a:lvl1pPr>
           </a:lstStyle>
@@ -161,18 +195,13 @@
               <a:rPr lang="en-US"/>
               <a:t>Click to edit Master title style</a:t>
             </a:r>
-          </a:p>
-        </p:txBody>
-      </p:sp>
-      <p:sp>
-        <p:nvSpPr>
-          <p:cNvPr id="3" name="Subtitle 2">
-            <a:extLst>
-              <a:ext uri="{FF2B5EF4-FFF2-40B4-BE49-F238E27FC236}">
-                <a16:creationId xmlns:a16="http://schemas.microsoft.com/office/drawing/2014/main" id="{BCB57E0B-9F12-42A3-90DE-E5DC6A86F450}"/>
-              </a:ext>
-            </a:extLst>
-          </p:cNvPr>
+            <a:endParaRPr lang="en-US" dirty="0"/>
+          </a:p>
+        </p:txBody>
+      </p:sp>
+      <p:sp>
+        <p:nvSpPr>
+          <p:cNvPr id="3" name="Subtitle 2"/>
           <p:cNvSpPr>
             <a:spLocks noGrp="1"/>
           </p:cNvSpPr>
@@ -182,16 +211,18 @@
         </p:nvSpPr>
         <p:spPr>
           <a:xfrm>
-            <a:off x="1524000" y="3602038"/>
-            <a:ext cx="9144000" cy="1655762"/>
-          </a:xfrm>
-        </p:spPr>
-        <p:txBody>
-          <a:bodyPr/>
+            <a:off x="1371600" y="3632201"/>
+            <a:ext cx="9448800" cy="685800"/>
+          </a:xfrm>
+        </p:spPr>
+        <p:txBody>
+          <a:bodyPr>
+            <a:normAutofit/>
+          </a:bodyPr>
           <a:lstStyle>
-            <a:lvl1pPr marL="0" indent="0" algn="ctr">
-              <a:buNone/>
-              <a:defRPr sz="2400"/>
+            <a:lvl1pPr marL="0" indent="0" algn="l">
+              <a:buNone/>
+              <a:defRPr sz="2000"/>
             </a:lvl1pPr>
             <a:lvl2pPr marL="457200" indent="0" algn="ctr">
               <a:buNone/>
@@ -231,18 +262,13 @@
               <a:rPr lang="en-US"/>
               <a:t>Click to edit Master subtitle style</a:t>
             </a:r>
-          </a:p>
-        </p:txBody>
-      </p:sp>
-      <p:sp>
-        <p:nvSpPr>
-          <p:cNvPr id="4" name="Date Placeholder 3">
-            <a:extLst>
-              <a:ext uri="{FF2B5EF4-FFF2-40B4-BE49-F238E27FC236}">
-                <a16:creationId xmlns:a16="http://schemas.microsoft.com/office/drawing/2014/main" id="{4790F522-E609-4093-8AA3-2DDD5096C932}"/>
-              </a:ext>
-            </a:extLst>
-          </p:cNvPr>
+            <a:endParaRPr lang="en-US" dirty="0"/>
+          </a:p>
+        </p:txBody>
+      </p:sp>
+      <p:sp>
+        <p:nvSpPr>
+          <p:cNvPr id="4" name="Date Placeholder 3"/>
           <p:cNvSpPr>
             <a:spLocks noGrp="1"/>
           </p:cNvSpPr>
@@ -250,7 +276,12 @@
             <p:ph type="dt" sz="half" idx="10"/>
           </p:nvPr>
         </p:nvSpPr>
-        <p:spPr/>
+        <p:spPr>
+          <a:xfrm>
+            <a:off x="7909561" y="4314328"/>
+            <a:ext cx="2910840" cy="374642"/>
+          </a:xfrm>
+        </p:spPr>
         <p:txBody>
           <a:bodyPr/>
           <a:lstStyle/>
@@ -265,13 +296,7 @@
       </p:sp>
       <p:sp>
         <p:nvSpPr>
-          <p:cNvPr id="5" name="Footer Placeholder 4">
-            <a:extLst>
-              <a:ext uri="{FF2B5EF4-FFF2-40B4-BE49-F238E27FC236}">
-                <a16:creationId xmlns:a16="http://schemas.microsoft.com/office/drawing/2014/main" id="{D2122114-A694-4559-84FC-84244819E6E4}"/>
-              </a:ext>
-            </a:extLst>
-          </p:cNvPr>
+          <p:cNvPr id="5" name="Footer Placeholder 4"/>
           <p:cNvSpPr>
             <a:spLocks noGrp="1"/>
           </p:cNvSpPr>
@@ -279,7 +304,12 @@
             <p:ph type="ftr" sz="quarter" idx="11"/>
           </p:nvPr>
         </p:nvSpPr>
-        <p:spPr/>
+        <p:spPr>
+          <a:xfrm>
+            <a:off x="1371600" y="4323845"/>
+            <a:ext cx="6400800" cy="365125"/>
+          </a:xfrm>
+        </p:spPr>
         <p:txBody>
           <a:bodyPr/>
           <a:lstStyle/>
@@ -290,13 +320,7 @@
       </p:sp>
       <p:sp>
         <p:nvSpPr>
-          <p:cNvPr id="6" name="Slide Number Placeholder 5">
-            <a:extLst>
-              <a:ext uri="{FF2B5EF4-FFF2-40B4-BE49-F238E27FC236}">
-                <a16:creationId xmlns:a16="http://schemas.microsoft.com/office/drawing/2014/main" id="{F1A31E05-3A77-43AD-AE05-B0A286396C7B}"/>
-              </a:ext>
-            </a:extLst>
-          </p:cNvPr>
+          <p:cNvPr id="6" name="Slide Number Placeholder 5"/>
           <p:cNvSpPr>
             <a:spLocks noGrp="1"/>
           </p:cNvSpPr>
@@ -304,7 +328,12 @@
             <p:ph type="sldNum" sz="quarter" idx="12"/>
           </p:nvPr>
         </p:nvSpPr>
-        <p:spPr/>
+        <p:spPr>
+          <a:xfrm>
+            <a:off x="8077200" y="1430866"/>
+            <a:ext cx="2743200" cy="365125"/>
+          </a:xfrm>
+        </p:spPr>
         <p:txBody>
           <a:bodyPr/>
           <a:lstStyle/>
@@ -320,7 +349,7 @@
     </p:spTree>
     <p:extLst>
       <p:ext uri="{BB962C8B-B14F-4D97-AF65-F5344CB8AC3E}">
-        <p14:creationId xmlns:p14="http://schemas.microsoft.com/office/powerpoint/2010/main" val="1099580318"/>
+        <p14:creationId xmlns:p14="http://schemas.microsoft.com/office/powerpoint/2010/main" val="1527405953"/>
       </p:ext>
     </p:extLst>
   </p:cSld>
@@ -331,6 +360,2598 @@
 </file>
 
 <file path=ppt/slideLayouts/slideLayout10.xml><?xml version="1.0" encoding="utf-8"?>
+<p:sldLayout xmlns:a="http://schemas.openxmlformats.org/drawingml/2006/main" xmlns:r="http://schemas.openxmlformats.org/officeDocument/2006/relationships" xmlns:p="http://schemas.openxmlformats.org/presentationml/2006/main" preserve="1">
+  <p:cSld name="Panoramic Picture with Caption">
+    <p:spTree>
+      <p:nvGrpSpPr>
+        <p:cNvPr id="1" name=""/>
+        <p:cNvGrpSpPr/>
+        <p:nvPr/>
+      </p:nvGrpSpPr>
+      <p:grpSpPr>
+        <a:xfrm>
+          <a:off x="0" y="0"/>
+          <a:ext cx="0" cy="0"/>
+          <a:chOff x="0" y="0"/>
+          <a:chExt cx="0" cy="0"/>
+        </a:xfrm>
+      </p:grpSpPr>
+      <p:sp>
+        <p:nvSpPr>
+          <p:cNvPr id="2" name="Title 1"/>
+          <p:cNvSpPr>
+            <a:spLocks noGrp="1"/>
+          </p:cNvSpPr>
+          <p:nvPr>
+            <p:ph type="title"/>
+          </p:nvPr>
+        </p:nvSpPr>
+        <p:spPr>
+          <a:xfrm>
+            <a:off x="685777" y="4697360"/>
+            <a:ext cx="10822034" cy="819355"/>
+          </a:xfrm>
+        </p:spPr>
+        <p:txBody>
+          <a:bodyPr anchor="b"/>
+          <a:lstStyle>
+            <a:lvl1pPr algn="l">
+              <a:defRPr sz="3200"/>
+            </a:lvl1pPr>
+          </a:lstStyle>
+          <a:p>
+            <a:r>
+              <a:rPr lang="en-US"/>
+              <a:t>Click to edit Master title style</a:t>
+            </a:r>
+            <a:endParaRPr lang="en-US" dirty="0"/>
+          </a:p>
+        </p:txBody>
+      </p:sp>
+      <p:sp>
+        <p:nvSpPr>
+          <p:cNvPr id="3" name="Picture Placeholder 2"/>
+          <p:cNvSpPr>
+            <a:spLocks noGrp="1" noChangeAspect="1"/>
+          </p:cNvSpPr>
+          <p:nvPr>
+            <p:ph type="pic" idx="1"/>
+          </p:nvPr>
+        </p:nvSpPr>
+        <p:spPr>
+          <a:xfrm>
+            <a:off x="681727" y="941439"/>
+            <a:ext cx="10821840" cy="3478161"/>
+          </a:xfrm>
+        </p:spPr>
+        <p:txBody>
+          <a:bodyPr anchor="t"/>
+          <a:lstStyle>
+            <a:lvl1pPr marL="0" indent="0">
+              <a:buNone/>
+              <a:defRPr sz="3200"/>
+            </a:lvl1pPr>
+            <a:lvl2pPr marL="457200" indent="0">
+              <a:buNone/>
+              <a:defRPr sz="2800"/>
+            </a:lvl2pPr>
+            <a:lvl3pPr marL="914400" indent="0">
+              <a:buNone/>
+              <a:defRPr sz="2400"/>
+            </a:lvl3pPr>
+            <a:lvl4pPr marL="1371600" indent="0">
+              <a:buNone/>
+              <a:defRPr sz="2000"/>
+            </a:lvl4pPr>
+            <a:lvl5pPr marL="1828800" indent="0">
+              <a:buNone/>
+              <a:defRPr sz="2000"/>
+            </a:lvl5pPr>
+            <a:lvl6pPr marL="2286000" indent="0">
+              <a:buNone/>
+              <a:defRPr sz="2000"/>
+            </a:lvl6pPr>
+            <a:lvl7pPr marL="2743200" indent="0">
+              <a:buNone/>
+              <a:defRPr sz="2000"/>
+            </a:lvl7pPr>
+            <a:lvl8pPr marL="3200400" indent="0">
+              <a:buNone/>
+              <a:defRPr sz="2000"/>
+            </a:lvl8pPr>
+            <a:lvl9pPr marL="3657600" indent="0">
+              <a:buNone/>
+              <a:defRPr sz="2000"/>
+            </a:lvl9pPr>
+          </a:lstStyle>
+          <a:p>
+            <a:r>
+              <a:rPr lang="en-US"/>
+              <a:t>Click icon to add picture</a:t>
+            </a:r>
+            <a:endParaRPr lang="en-US" dirty="0"/>
+          </a:p>
+        </p:txBody>
+      </p:sp>
+      <p:sp>
+        <p:nvSpPr>
+          <p:cNvPr id="4" name="Text Placeholder 3"/>
+          <p:cNvSpPr>
+            <a:spLocks noGrp="1"/>
+          </p:cNvSpPr>
+          <p:nvPr>
+            <p:ph type="body" sz="half" idx="2"/>
+          </p:nvPr>
+        </p:nvSpPr>
+        <p:spPr>
+          <a:xfrm>
+            <a:off x="685800" y="5516715"/>
+            <a:ext cx="10820400" cy="701969"/>
+          </a:xfrm>
+        </p:spPr>
+        <p:txBody>
+          <a:bodyPr/>
+          <a:lstStyle>
+            <a:lvl1pPr marL="0" indent="0" algn="l">
+              <a:buNone/>
+              <a:defRPr sz="1600"/>
+            </a:lvl1pPr>
+            <a:lvl2pPr marL="457200" indent="0">
+              <a:buNone/>
+              <a:defRPr sz="1400"/>
+            </a:lvl2pPr>
+            <a:lvl3pPr marL="914400" indent="0">
+              <a:buNone/>
+              <a:defRPr sz="1200"/>
+            </a:lvl3pPr>
+            <a:lvl4pPr marL="1371600" indent="0">
+              <a:buNone/>
+              <a:defRPr sz="1000"/>
+            </a:lvl4pPr>
+            <a:lvl5pPr marL="1828800" indent="0">
+              <a:buNone/>
+              <a:defRPr sz="1000"/>
+            </a:lvl5pPr>
+            <a:lvl6pPr marL="2286000" indent="0">
+              <a:buNone/>
+              <a:defRPr sz="1000"/>
+            </a:lvl6pPr>
+            <a:lvl7pPr marL="2743200" indent="0">
+              <a:buNone/>
+              <a:defRPr sz="1000"/>
+            </a:lvl7pPr>
+            <a:lvl8pPr marL="3200400" indent="0">
+              <a:buNone/>
+              <a:defRPr sz="1000"/>
+            </a:lvl8pPr>
+            <a:lvl9pPr marL="3657600" indent="0">
+              <a:buNone/>
+              <a:defRPr sz="1000"/>
+            </a:lvl9pPr>
+          </a:lstStyle>
+          <a:p>
+            <a:pPr lvl="0"/>
+            <a:r>
+              <a:rPr lang="en-US"/>
+              <a:t>Edit Master text styles</a:t>
+            </a:r>
+          </a:p>
+        </p:txBody>
+      </p:sp>
+      <p:sp>
+        <p:nvSpPr>
+          <p:cNvPr id="5" name="Date Placeholder 4"/>
+          <p:cNvSpPr>
+            <a:spLocks noGrp="1"/>
+          </p:cNvSpPr>
+          <p:nvPr>
+            <p:ph type="dt" sz="half" idx="10"/>
+          </p:nvPr>
+        </p:nvSpPr>
+        <p:spPr/>
+        <p:txBody>
+          <a:bodyPr/>
+          <a:lstStyle/>
+          <a:p>
+            <a:fld id="{553551EB-DD49-45C1-979F-B89F2B3F3E67}" type="datetimeFigureOut">
+              <a:rPr lang="en-US" smtClean="0"/>
+              <a:t>3/24/2019</a:t>
+            </a:fld>
+            <a:endParaRPr lang="en-US"/>
+          </a:p>
+        </p:txBody>
+      </p:sp>
+      <p:sp>
+        <p:nvSpPr>
+          <p:cNvPr id="6" name="Footer Placeholder 5"/>
+          <p:cNvSpPr>
+            <a:spLocks noGrp="1"/>
+          </p:cNvSpPr>
+          <p:nvPr>
+            <p:ph type="ftr" sz="quarter" idx="11"/>
+          </p:nvPr>
+        </p:nvSpPr>
+        <p:spPr/>
+        <p:txBody>
+          <a:bodyPr/>
+          <a:lstStyle/>
+          <a:p>
+            <a:endParaRPr lang="en-US"/>
+          </a:p>
+        </p:txBody>
+      </p:sp>
+      <p:sp>
+        <p:nvSpPr>
+          <p:cNvPr id="7" name="Slide Number Placeholder 6"/>
+          <p:cNvSpPr>
+            <a:spLocks noGrp="1"/>
+          </p:cNvSpPr>
+          <p:nvPr>
+            <p:ph type="sldNum" sz="quarter" idx="12"/>
+          </p:nvPr>
+        </p:nvSpPr>
+        <p:spPr/>
+        <p:txBody>
+          <a:bodyPr/>
+          <a:lstStyle/>
+          <a:p>
+            <a:fld id="{895A00B5-B758-42C6-8BFF-8D358CD37D7F}" type="slidenum">
+              <a:rPr lang="en-US" smtClean="0"/>
+              <a:t>‹#›</a:t>
+            </a:fld>
+            <a:endParaRPr lang="en-US"/>
+          </a:p>
+        </p:txBody>
+      </p:sp>
+    </p:spTree>
+    <p:extLst>
+      <p:ext uri="{BB962C8B-B14F-4D97-AF65-F5344CB8AC3E}">
+        <p14:creationId xmlns:p14="http://schemas.microsoft.com/office/powerpoint/2010/main" val="4152119842"/>
+      </p:ext>
+    </p:extLst>
+  </p:cSld>
+  <p:clrMapOvr>
+    <a:masterClrMapping/>
+  </p:clrMapOvr>
+</p:sldLayout>
+</file>
+
+<file path=ppt/slideLayouts/slideLayout11.xml><?xml version="1.0" encoding="utf-8"?>
+<p:sldLayout xmlns:a="http://schemas.openxmlformats.org/drawingml/2006/main" xmlns:r="http://schemas.openxmlformats.org/officeDocument/2006/relationships" xmlns:p="http://schemas.openxmlformats.org/presentationml/2006/main" showMasterSp="0" preserve="1">
+  <p:cSld name="Title and Caption">
+    <p:spTree>
+      <p:nvGrpSpPr>
+        <p:cNvPr id="1" name=""/>
+        <p:cNvGrpSpPr/>
+        <p:nvPr/>
+      </p:nvGrpSpPr>
+      <p:grpSpPr>
+        <a:xfrm>
+          <a:off x="0" y="0"/>
+          <a:ext cx="0" cy="0"/>
+          <a:chOff x="0" y="0"/>
+          <a:chExt cx="0" cy="0"/>
+        </a:xfrm>
+      </p:grpSpPr>
+      <p:pic>
+        <p:nvPicPr>
+          <p:cNvPr id="8" name="Picture 7" descr="C0-HD-BTM.png"/>
+          <p:cNvPicPr>
+            <a:picLocks noChangeAspect="1"/>
+          </p:cNvPicPr>
+          <p:nvPr/>
+        </p:nvPicPr>
+        <p:blipFill>
+          <a:blip r:embed="rId2">
+            <a:extLst>
+              <a:ext uri="{28A0092B-C50C-407E-A947-70E740481C1C}">
+                <a14:useLocalDpi xmlns:a14="http://schemas.microsoft.com/office/drawing/2010/main" val="0"/>
+              </a:ext>
+            </a:extLst>
+          </a:blip>
+          <a:stretch>
+            <a:fillRect/>
+          </a:stretch>
+        </p:blipFill>
+        <p:spPr>
+          <a:xfrm>
+            <a:off x="0" y="4375150"/>
+            <a:ext cx="12192000" cy="2482850"/>
+          </a:xfrm>
+          <a:prstGeom prst="rect">
+            <a:avLst/>
+          </a:prstGeom>
+        </p:spPr>
+      </p:pic>
+      <p:sp>
+        <p:nvSpPr>
+          <p:cNvPr id="2" name="Title 1"/>
+          <p:cNvSpPr>
+            <a:spLocks noGrp="1"/>
+          </p:cNvSpPr>
+          <p:nvPr>
+            <p:ph type="title"/>
+          </p:nvPr>
+        </p:nvSpPr>
+        <p:spPr>
+          <a:xfrm>
+            <a:off x="685800" y="753532"/>
+            <a:ext cx="10820400" cy="2802467"/>
+          </a:xfrm>
+        </p:spPr>
+        <p:txBody>
+          <a:bodyPr anchor="ctr"/>
+          <a:lstStyle>
+            <a:lvl1pPr algn="l">
+              <a:defRPr sz="3200"/>
+            </a:lvl1pPr>
+          </a:lstStyle>
+          <a:p>
+            <a:r>
+              <a:rPr lang="en-US"/>
+              <a:t>Click to edit Master title style</a:t>
+            </a:r>
+            <a:endParaRPr lang="en-US" dirty="0"/>
+          </a:p>
+        </p:txBody>
+      </p:sp>
+      <p:sp>
+        <p:nvSpPr>
+          <p:cNvPr id="4" name="Text Placeholder 3"/>
+          <p:cNvSpPr>
+            <a:spLocks noGrp="1"/>
+          </p:cNvSpPr>
+          <p:nvPr>
+            <p:ph type="body" sz="half" idx="2"/>
+          </p:nvPr>
+        </p:nvSpPr>
+        <p:spPr>
+          <a:xfrm>
+            <a:off x="1024467" y="3649133"/>
+            <a:ext cx="10130516" cy="999067"/>
+          </a:xfrm>
+        </p:spPr>
+        <p:txBody>
+          <a:bodyPr anchor="ctr"/>
+          <a:lstStyle>
+            <a:lvl1pPr marL="0" indent="0">
+              <a:buNone/>
+              <a:defRPr sz="1600"/>
+            </a:lvl1pPr>
+            <a:lvl2pPr marL="457200" indent="0">
+              <a:buNone/>
+              <a:defRPr sz="1400"/>
+            </a:lvl2pPr>
+            <a:lvl3pPr marL="914400" indent="0">
+              <a:buNone/>
+              <a:defRPr sz="1200"/>
+            </a:lvl3pPr>
+            <a:lvl4pPr marL="1371600" indent="0">
+              <a:buNone/>
+              <a:defRPr sz="1000"/>
+            </a:lvl4pPr>
+            <a:lvl5pPr marL="1828800" indent="0">
+              <a:buNone/>
+              <a:defRPr sz="1000"/>
+            </a:lvl5pPr>
+            <a:lvl6pPr marL="2286000" indent="0">
+              <a:buNone/>
+              <a:defRPr sz="1000"/>
+            </a:lvl6pPr>
+            <a:lvl7pPr marL="2743200" indent="0">
+              <a:buNone/>
+              <a:defRPr sz="1000"/>
+            </a:lvl7pPr>
+            <a:lvl8pPr marL="3200400" indent="0">
+              <a:buNone/>
+              <a:defRPr sz="1000"/>
+            </a:lvl8pPr>
+            <a:lvl9pPr marL="3657600" indent="0">
+              <a:buNone/>
+              <a:defRPr sz="1000"/>
+            </a:lvl9pPr>
+          </a:lstStyle>
+          <a:p>
+            <a:pPr lvl="0"/>
+            <a:r>
+              <a:rPr lang="en-US"/>
+              <a:t>Edit Master text styles</a:t>
+            </a:r>
+          </a:p>
+        </p:txBody>
+      </p:sp>
+      <p:sp>
+        <p:nvSpPr>
+          <p:cNvPr id="5" name="Date Placeholder 4"/>
+          <p:cNvSpPr>
+            <a:spLocks noGrp="1"/>
+          </p:cNvSpPr>
+          <p:nvPr>
+            <p:ph type="dt" sz="half" idx="10"/>
+          </p:nvPr>
+        </p:nvSpPr>
+        <p:spPr>
+          <a:xfrm>
+            <a:off x="7814452" y="381000"/>
+            <a:ext cx="2910840" cy="365125"/>
+          </a:xfrm>
+        </p:spPr>
+        <p:txBody>
+          <a:bodyPr/>
+          <a:lstStyle>
+            <a:lvl1pPr algn="r">
+              <a:defRPr/>
+            </a:lvl1pPr>
+          </a:lstStyle>
+          <a:p>
+            <a:fld id="{553551EB-DD49-45C1-979F-B89F2B3F3E67}" type="datetimeFigureOut">
+              <a:rPr lang="en-US" smtClean="0"/>
+              <a:t>3/24/2019</a:t>
+            </a:fld>
+            <a:endParaRPr lang="en-US"/>
+          </a:p>
+        </p:txBody>
+      </p:sp>
+      <p:sp>
+        <p:nvSpPr>
+          <p:cNvPr id="6" name="Footer Placeholder 5"/>
+          <p:cNvSpPr>
+            <a:spLocks noGrp="1"/>
+          </p:cNvSpPr>
+          <p:nvPr>
+            <p:ph type="ftr" sz="quarter" idx="11"/>
+          </p:nvPr>
+        </p:nvSpPr>
+        <p:spPr>
+          <a:xfrm>
+            <a:off x="685800" y="379941"/>
+            <a:ext cx="6991492" cy="365125"/>
+          </a:xfrm>
+        </p:spPr>
+        <p:txBody>
+          <a:bodyPr/>
+          <a:lstStyle/>
+          <a:p>
+            <a:endParaRPr lang="en-US"/>
+          </a:p>
+        </p:txBody>
+      </p:sp>
+      <p:sp>
+        <p:nvSpPr>
+          <p:cNvPr id="7" name="Slide Number Placeholder 6"/>
+          <p:cNvSpPr>
+            <a:spLocks noGrp="1"/>
+          </p:cNvSpPr>
+          <p:nvPr>
+            <p:ph type="sldNum" sz="quarter" idx="12"/>
+          </p:nvPr>
+        </p:nvSpPr>
+        <p:spPr>
+          <a:xfrm>
+            <a:off x="10862452" y="381000"/>
+            <a:ext cx="643748" cy="365125"/>
+          </a:xfrm>
+        </p:spPr>
+        <p:txBody>
+          <a:bodyPr/>
+          <a:lstStyle/>
+          <a:p>
+            <a:fld id="{895A00B5-B758-42C6-8BFF-8D358CD37D7F}" type="slidenum">
+              <a:rPr lang="en-US" smtClean="0"/>
+              <a:t>‹#›</a:t>
+            </a:fld>
+            <a:endParaRPr lang="en-US"/>
+          </a:p>
+        </p:txBody>
+      </p:sp>
+    </p:spTree>
+    <p:extLst>
+      <p:ext uri="{BB962C8B-B14F-4D97-AF65-F5344CB8AC3E}">
+        <p14:creationId xmlns:p14="http://schemas.microsoft.com/office/powerpoint/2010/main" val="2958564604"/>
+      </p:ext>
+    </p:extLst>
+  </p:cSld>
+  <p:clrMapOvr>
+    <a:masterClrMapping/>
+  </p:clrMapOvr>
+</p:sldLayout>
+</file>
+
+<file path=ppt/slideLayouts/slideLayout12.xml><?xml version="1.0" encoding="utf-8"?>
+<p:sldLayout xmlns:a="http://schemas.openxmlformats.org/drawingml/2006/main" xmlns:r="http://schemas.openxmlformats.org/officeDocument/2006/relationships" xmlns:p="http://schemas.openxmlformats.org/presentationml/2006/main" showMasterSp="0" preserve="1">
+  <p:cSld name="Quote with Caption">
+    <p:spTree>
+      <p:nvGrpSpPr>
+        <p:cNvPr id="1" name=""/>
+        <p:cNvGrpSpPr/>
+        <p:nvPr/>
+      </p:nvGrpSpPr>
+      <p:grpSpPr>
+        <a:xfrm>
+          <a:off x="0" y="0"/>
+          <a:ext cx="0" cy="0"/>
+          <a:chOff x="0" y="0"/>
+          <a:chExt cx="0" cy="0"/>
+        </a:xfrm>
+      </p:grpSpPr>
+      <p:pic>
+        <p:nvPicPr>
+          <p:cNvPr id="13" name="Picture 12" descr="C0-HD-BTM.png"/>
+          <p:cNvPicPr>
+            <a:picLocks noChangeAspect="1"/>
+          </p:cNvPicPr>
+          <p:nvPr/>
+        </p:nvPicPr>
+        <p:blipFill>
+          <a:blip r:embed="rId2">
+            <a:extLst>
+              <a:ext uri="{28A0092B-C50C-407E-A947-70E740481C1C}">
+                <a14:useLocalDpi xmlns:a14="http://schemas.microsoft.com/office/drawing/2010/main" val="0"/>
+              </a:ext>
+            </a:extLst>
+          </a:blip>
+          <a:stretch>
+            <a:fillRect/>
+          </a:stretch>
+        </p:blipFill>
+        <p:spPr>
+          <a:xfrm>
+            <a:off x="0" y="4375150"/>
+            <a:ext cx="12192000" cy="2482850"/>
+          </a:xfrm>
+          <a:prstGeom prst="rect">
+            <a:avLst/>
+          </a:prstGeom>
+        </p:spPr>
+      </p:pic>
+      <p:sp>
+        <p:nvSpPr>
+          <p:cNvPr id="2" name="Title 1"/>
+          <p:cNvSpPr>
+            <a:spLocks noGrp="1"/>
+          </p:cNvSpPr>
+          <p:nvPr>
+            <p:ph type="title"/>
+          </p:nvPr>
+        </p:nvSpPr>
+        <p:spPr>
+          <a:xfrm>
+            <a:off x="1024467" y="753533"/>
+            <a:ext cx="10151533" cy="2604495"/>
+          </a:xfrm>
+        </p:spPr>
+        <p:txBody>
+          <a:bodyPr anchor="ctr"/>
+          <a:lstStyle>
+            <a:lvl1pPr algn="l">
+              <a:defRPr sz="3200"/>
+            </a:lvl1pPr>
+          </a:lstStyle>
+          <a:p>
+            <a:r>
+              <a:rPr lang="en-US"/>
+              <a:t>Click to edit Master title style</a:t>
+            </a:r>
+            <a:endParaRPr lang="en-US" dirty="0"/>
+          </a:p>
+        </p:txBody>
+      </p:sp>
+      <p:sp>
+        <p:nvSpPr>
+          <p:cNvPr id="12" name="Text Placeholder 3"/>
+          <p:cNvSpPr>
+            <a:spLocks noGrp="1"/>
+          </p:cNvSpPr>
+          <p:nvPr>
+            <p:ph type="body" sz="half" idx="13"/>
+          </p:nvPr>
+        </p:nvSpPr>
+        <p:spPr>
+          <a:xfrm>
+            <a:off x="1303865" y="3365556"/>
+            <a:ext cx="9592736" cy="444443"/>
+          </a:xfrm>
+        </p:spPr>
+        <p:txBody>
+          <a:bodyPr anchor="t">
+            <a:normAutofit/>
+          </a:bodyPr>
+          <a:lstStyle>
+            <a:lvl1pPr marL="0" indent="0">
+              <a:buNone/>
+              <a:defRPr sz="1400"/>
+            </a:lvl1pPr>
+            <a:lvl2pPr marL="457200" indent="0">
+              <a:buNone/>
+              <a:defRPr sz="1400"/>
+            </a:lvl2pPr>
+            <a:lvl3pPr marL="914400" indent="0">
+              <a:buNone/>
+              <a:defRPr sz="1200"/>
+            </a:lvl3pPr>
+            <a:lvl4pPr marL="1371600" indent="0">
+              <a:buNone/>
+              <a:defRPr sz="1000"/>
+            </a:lvl4pPr>
+            <a:lvl5pPr marL="1828800" indent="0">
+              <a:buNone/>
+              <a:defRPr sz="1000"/>
+            </a:lvl5pPr>
+            <a:lvl6pPr marL="2286000" indent="0">
+              <a:buNone/>
+              <a:defRPr sz="1000"/>
+            </a:lvl6pPr>
+            <a:lvl7pPr marL="2743200" indent="0">
+              <a:buNone/>
+              <a:defRPr sz="1000"/>
+            </a:lvl7pPr>
+            <a:lvl8pPr marL="3200400" indent="0">
+              <a:buNone/>
+              <a:defRPr sz="1000"/>
+            </a:lvl8pPr>
+            <a:lvl9pPr marL="3657600" indent="0">
+              <a:buNone/>
+              <a:defRPr sz="1000"/>
+            </a:lvl9pPr>
+          </a:lstStyle>
+          <a:p>
+            <a:pPr lvl="0"/>
+            <a:r>
+              <a:rPr lang="en-US"/>
+              <a:t>Edit Master text styles</a:t>
+            </a:r>
+          </a:p>
+        </p:txBody>
+      </p:sp>
+      <p:sp>
+        <p:nvSpPr>
+          <p:cNvPr id="4" name="Text Placeholder 3"/>
+          <p:cNvSpPr>
+            <a:spLocks noGrp="1"/>
+          </p:cNvSpPr>
+          <p:nvPr>
+            <p:ph type="body" sz="half" idx="2"/>
+          </p:nvPr>
+        </p:nvSpPr>
+        <p:spPr>
+          <a:xfrm>
+            <a:off x="1024467" y="3959862"/>
+            <a:ext cx="10151533" cy="679871"/>
+          </a:xfrm>
+        </p:spPr>
+        <p:txBody>
+          <a:bodyPr anchor="ctr">
+            <a:normAutofit/>
+          </a:bodyPr>
+          <a:lstStyle>
+            <a:lvl1pPr marL="0" indent="0">
+              <a:buNone/>
+              <a:defRPr sz="1600"/>
+            </a:lvl1pPr>
+            <a:lvl2pPr marL="457200" indent="0">
+              <a:buNone/>
+              <a:defRPr sz="1400"/>
+            </a:lvl2pPr>
+            <a:lvl3pPr marL="914400" indent="0">
+              <a:buNone/>
+              <a:defRPr sz="1200"/>
+            </a:lvl3pPr>
+            <a:lvl4pPr marL="1371600" indent="0">
+              <a:buNone/>
+              <a:defRPr sz="1000"/>
+            </a:lvl4pPr>
+            <a:lvl5pPr marL="1828800" indent="0">
+              <a:buNone/>
+              <a:defRPr sz="1000"/>
+            </a:lvl5pPr>
+            <a:lvl6pPr marL="2286000" indent="0">
+              <a:buNone/>
+              <a:defRPr sz="1000"/>
+            </a:lvl6pPr>
+            <a:lvl7pPr marL="2743200" indent="0">
+              <a:buNone/>
+              <a:defRPr sz="1000"/>
+            </a:lvl7pPr>
+            <a:lvl8pPr marL="3200400" indent="0">
+              <a:buNone/>
+              <a:defRPr sz="1000"/>
+            </a:lvl8pPr>
+            <a:lvl9pPr marL="3657600" indent="0">
+              <a:buNone/>
+              <a:defRPr sz="1000"/>
+            </a:lvl9pPr>
+          </a:lstStyle>
+          <a:p>
+            <a:pPr lvl="0"/>
+            <a:r>
+              <a:rPr lang="en-US"/>
+              <a:t>Edit Master text styles</a:t>
+            </a:r>
+          </a:p>
+        </p:txBody>
+      </p:sp>
+      <p:sp>
+        <p:nvSpPr>
+          <p:cNvPr id="5" name="Date Placeholder 4"/>
+          <p:cNvSpPr>
+            <a:spLocks noGrp="1"/>
+          </p:cNvSpPr>
+          <p:nvPr>
+            <p:ph type="dt" sz="half" idx="10"/>
+          </p:nvPr>
+        </p:nvSpPr>
+        <p:spPr>
+          <a:xfrm>
+            <a:off x="7814452" y="381000"/>
+            <a:ext cx="2910840" cy="365125"/>
+          </a:xfrm>
+        </p:spPr>
+        <p:txBody>
+          <a:bodyPr/>
+          <a:lstStyle>
+            <a:lvl1pPr algn="r">
+              <a:defRPr/>
+            </a:lvl1pPr>
+          </a:lstStyle>
+          <a:p>
+            <a:fld id="{553551EB-DD49-45C1-979F-B89F2B3F3E67}" type="datetimeFigureOut">
+              <a:rPr lang="en-US" smtClean="0"/>
+              <a:t>3/24/2019</a:t>
+            </a:fld>
+            <a:endParaRPr lang="en-US"/>
+          </a:p>
+        </p:txBody>
+      </p:sp>
+      <p:sp>
+        <p:nvSpPr>
+          <p:cNvPr id="6" name="Footer Placeholder 5"/>
+          <p:cNvSpPr>
+            <a:spLocks noGrp="1"/>
+          </p:cNvSpPr>
+          <p:nvPr>
+            <p:ph type="ftr" sz="quarter" idx="11"/>
+          </p:nvPr>
+        </p:nvSpPr>
+        <p:spPr>
+          <a:xfrm>
+            <a:off x="685800" y="379941"/>
+            <a:ext cx="6991492" cy="365125"/>
+          </a:xfrm>
+        </p:spPr>
+        <p:txBody>
+          <a:bodyPr/>
+          <a:lstStyle/>
+          <a:p>
+            <a:endParaRPr lang="en-US"/>
+          </a:p>
+        </p:txBody>
+      </p:sp>
+      <p:sp>
+        <p:nvSpPr>
+          <p:cNvPr id="7" name="Slide Number Placeholder 6"/>
+          <p:cNvSpPr>
+            <a:spLocks noGrp="1"/>
+          </p:cNvSpPr>
+          <p:nvPr>
+            <p:ph type="sldNum" sz="quarter" idx="12"/>
+          </p:nvPr>
+        </p:nvSpPr>
+        <p:spPr>
+          <a:xfrm>
+            <a:off x="10862452" y="381000"/>
+            <a:ext cx="643748" cy="365125"/>
+          </a:xfrm>
+        </p:spPr>
+        <p:txBody>
+          <a:bodyPr/>
+          <a:lstStyle/>
+          <a:p>
+            <a:fld id="{895A00B5-B758-42C6-8BFF-8D358CD37D7F}" type="slidenum">
+              <a:rPr lang="en-US" smtClean="0"/>
+              <a:t>‹#›</a:t>
+            </a:fld>
+            <a:endParaRPr lang="en-US"/>
+          </a:p>
+        </p:txBody>
+      </p:sp>
+      <p:sp>
+        <p:nvSpPr>
+          <p:cNvPr id="9" name="TextBox 8"/>
+          <p:cNvSpPr txBox="1"/>
+          <p:nvPr/>
+        </p:nvSpPr>
+        <p:spPr>
+          <a:xfrm>
+            <a:off x="476250" y="933450"/>
+            <a:ext cx="609600" cy="584776"/>
+          </a:xfrm>
+          <a:prstGeom prst="rect">
+            <a:avLst/>
+          </a:prstGeom>
+        </p:spPr>
+        <p:txBody>
+          <a:bodyPr vert="horz" lIns="91440" tIns="45720" rIns="91440" bIns="45720" rtlCol="0" anchor="ctr">
+            <a:noAutofit/>
+          </a:bodyPr>
+          <a:lstStyle>
+            <a:lvl1pPr>
+              <a:spcBef>
+                <a:spcPct val="0"/>
+              </a:spcBef>
+              <a:buNone/>
+              <a:defRPr sz="3200" b="0" cap="all">
+                <a:ln w="3175" cmpd="sng">
+                  <a:noFill/>
+                </a:ln>
+                <a:effectLst>
+                  <a:glow rad="38100">
+                    <a:schemeClr val="bg1">
+                      <a:lumMod val="65000"/>
+                      <a:lumOff val="35000"/>
+                      <a:alpha val="40000"/>
+                    </a:schemeClr>
+                  </a:glow>
+                  <a:outerShdw blurRad="28575" dist="38100" dir="14040000" algn="tl" rotWithShape="0">
+                    <a:srgbClr val="000000">
+                      <a:alpha val="25000"/>
+                    </a:srgbClr>
+                  </a:outerShdw>
+                </a:effectLst>
+              </a:defRPr>
+            </a:lvl1pPr>
+            <a:lvl2pPr>
+              <a:defRPr>
+                <a:solidFill>
+                  <a:schemeClr val="tx2"/>
+                </a:solidFill>
+              </a:defRPr>
+            </a:lvl2pPr>
+            <a:lvl3pPr>
+              <a:defRPr>
+                <a:solidFill>
+                  <a:schemeClr val="tx2"/>
+                </a:solidFill>
+              </a:defRPr>
+            </a:lvl3pPr>
+            <a:lvl4pPr>
+              <a:defRPr>
+                <a:solidFill>
+                  <a:schemeClr val="tx2"/>
+                </a:solidFill>
+              </a:defRPr>
+            </a:lvl4pPr>
+            <a:lvl5pPr>
+              <a:defRPr>
+                <a:solidFill>
+                  <a:schemeClr val="tx2"/>
+                </a:solidFill>
+              </a:defRPr>
+            </a:lvl5pPr>
+            <a:lvl6pPr>
+              <a:defRPr>
+                <a:solidFill>
+                  <a:schemeClr val="tx2"/>
+                </a:solidFill>
+              </a:defRPr>
+            </a:lvl6pPr>
+            <a:lvl7pPr>
+              <a:defRPr>
+                <a:solidFill>
+                  <a:schemeClr val="tx2"/>
+                </a:solidFill>
+              </a:defRPr>
+            </a:lvl7pPr>
+            <a:lvl8pPr>
+              <a:defRPr>
+                <a:solidFill>
+                  <a:schemeClr val="tx2"/>
+                </a:solidFill>
+              </a:defRPr>
+            </a:lvl8pPr>
+            <a:lvl9pPr>
+              <a:defRPr>
+                <a:solidFill>
+                  <a:schemeClr val="tx2"/>
+                </a:solidFill>
+              </a:defRPr>
+            </a:lvl9pPr>
+          </a:lstStyle>
+          <a:p>
+            <a:pPr lvl="0"/>
+            <a:r>
+              <a:rPr lang="en-US" sz="8000" dirty="0">
+                <a:solidFill>
+                  <a:schemeClr val="tx1"/>
+                </a:solidFill>
+                <a:effectLst/>
+              </a:rPr>
+              <a:t>“</a:t>
+            </a:r>
+          </a:p>
+        </p:txBody>
+      </p:sp>
+      <p:sp>
+        <p:nvSpPr>
+          <p:cNvPr id="10" name="TextBox 9"/>
+          <p:cNvSpPr txBox="1"/>
+          <p:nvPr/>
+        </p:nvSpPr>
+        <p:spPr>
+          <a:xfrm>
+            <a:off x="10984230" y="2701290"/>
+            <a:ext cx="609600" cy="584776"/>
+          </a:xfrm>
+          <a:prstGeom prst="rect">
+            <a:avLst/>
+          </a:prstGeom>
+        </p:spPr>
+        <p:txBody>
+          <a:bodyPr vert="horz" lIns="91440" tIns="45720" rIns="91440" bIns="45720" rtlCol="0" anchor="ctr">
+            <a:noAutofit/>
+          </a:bodyPr>
+          <a:lstStyle>
+            <a:lvl1pPr>
+              <a:spcBef>
+                <a:spcPct val="0"/>
+              </a:spcBef>
+              <a:buNone/>
+              <a:defRPr sz="3200" b="0" cap="all">
+                <a:ln w="3175" cmpd="sng">
+                  <a:noFill/>
+                </a:ln>
+                <a:effectLst>
+                  <a:glow rad="38100">
+                    <a:schemeClr val="bg1">
+                      <a:lumMod val="65000"/>
+                      <a:lumOff val="35000"/>
+                      <a:alpha val="40000"/>
+                    </a:schemeClr>
+                  </a:glow>
+                  <a:outerShdw blurRad="28575" dist="38100" dir="14040000" algn="tl" rotWithShape="0">
+                    <a:srgbClr val="000000">
+                      <a:alpha val="25000"/>
+                    </a:srgbClr>
+                  </a:outerShdw>
+                </a:effectLst>
+              </a:defRPr>
+            </a:lvl1pPr>
+            <a:lvl2pPr>
+              <a:defRPr>
+                <a:solidFill>
+                  <a:schemeClr val="tx2"/>
+                </a:solidFill>
+              </a:defRPr>
+            </a:lvl2pPr>
+            <a:lvl3pPr>
+              <a:defRPr>
+                <a:solidFill>
+                  <a:schemeClr val="tx2"/>
+                </a:solidFill>
+              </a:defRPr>
+            </a:lvl3pPr>
+            <a:lvl4pPr>
+              <a:defRPr>
+                <a:solidFill>
+                  <a:schemeClr val="tx2"/>
+                </a:solidFill>
+              </a:defRPr>
+            </a:lvl4pPr>
+            <a:lvl5pPr>
+              <a:defRPr>
+                <a:solidFill>
+                  <a:schemeClr val="tx2"/>
+                </a:solidFill>
+              </a:defRPr>
+            </a:lvl5pPr>
+            <a:lvl6pPr>
+              <a:defRPr>
+                <a:solidFill>
+                  <a:schemeClr val="tx2"/>
+                </a:solidFill>
+              </a:defRPr>
+            </a:lvl6pPr>
+            <a:lvl7pPr>
+              <a:defRPr>
+                <a:solidFill>
+                  <a:schemeClr val="tx2"/>
+                </a:solidFill>
+              </a:defRPr>
+            </a:lvl7pPr>
+            <a:lvl8pPr>
+              <a:defRPr>
+                <a:solidFill>
+                  <a:schemeClr val="tx2"/>
+                </a:solidFill>
+              </a:defRPr>
+            </a:lvl8pPr>
+            <a:lvl9pPr>
+              <a:defRPr>
+                <a:solidFill>
+                  <a:schemeClr val="tx2"/>
+                </a:solidFill>
+              </a:defRPr>
+            </a:lvl9pPr>
+          </a:lstStyle>
+          <a:p>
+            <a:pPr lvl="0" algn="r"/>
+            <a:r>
+              <a:rPr lang="en-US" sz="8000" dirty="0">
+                <a:solidFill>
+                  <a:schemeClr val="tx1"/>
+                </a:solidFill>
+                <a:effectLst/>
+              </a:rPr>
+              <a:t>”</a:t>
+            </a:r>
+          </a:p>
+        </p:txBody>
+      </p:sp>
+    </p:spTree>
+    <p:extLst>
+      <p:ext uri="{BB962C8B-B14F-4D97-AF65-F5344CB8AC3E}">
+        <p14:creationId xmlns:p14="http://schemas.microsoft.com/office/powerpoint/2010/main" val="512878615"/>
+      </p:ext>
+    </p:extLst>
+  </p:cSld>
+  <p:clrMapOvr>
+    <a:masterClrMapping/>
+  </p:clrMapOvr>
+</p:sldLayout>
+</file>
+
+<file path=ppt/slideLayouts/slideLayout13.xml><?xml version="1.0" encoding="utf-8"?>
+<p:sldLayout xmlns:a="http://schemas.openxmlformats.org/drawingml/2006/main" xmlns:r="http://schemas.openxmlformats.org/officeDocument/2006/relationships" xmlns:p="http://schemas.openxmlformats.org/presentationml/2006/main" showMasterSp="0" preserve="1">
+  <p:cSld name="Name Card">
+    <p:spTree>
+      <p:nvGrpSpPr>
+        <p:cNvPr id="1" name=""/>
+        <p:cNvGrpSpPr/>
+        <p:nvPr/>
+      </p:nvGrpSpPr>
+      <p:grpSpPr>
+        <a:xfrm>
+          <a:off x="0" y="0"/>
+          <a:ext cx="0" cy="0"/>
+          <a:chOff x="0" y="0"/>
+          <a:chExt cx="0" cy="0"/>
+        </a:xfrm>
+      </p:grpSpPr>
+      <p:pic>
+        <p:nvPicPr>
+          <p:cNvPr id="9" name="Picture 8" descr="C0-HD-BTM.png"/>
+          <p:cNvPicPr>
+            <a:picLocks noChangeAspect="1"/>
+          </p:cNvPicPr>
+          <p:nvPr/>
+        </p:nvPicPr>
+        <p:blipFill>
+          <a:blip r:embed="rId2">
+            <a:extLst>
+              <a:ext uri="{28A0092B-C50C-407E-A947-70E740481C1C}">
+                <a14:useLocalDpi xmlns:a14="http://schemas.microsoft.com/office/drawing/2010/main" val="0"/>
+              </a:ext>
+            </a:extLst>
+          </a:blip>
+          <a:stretch>
+            <a:fillRect/>
+          </a:stretch>
+        </p:blipFill>
+        <p:spPr>
+          <a:xfrm>
+            <a:off x="0" y="4375150"/>
+            <a:ext cx="12192000" cy="2482850"/>
+          </a:xfrm>
+          <a:prstGeom prst="rect">
+            <a:avLst/>
+          </a:prstGeom>
+        </p:spPr>
+      </p:pic>
+      <p:sp>
+        <p:nvSpPr>
+          <p:cNvPr id="2" name="Title 1"/>
+          <p:cNvSpPr>
+            <a:spLocks noGrp="1"/>
+          </p:cNvSpPr>
+          <p:nvPr>
+            <p:ph type="title"/>
+          </p:nvPr>
+        </p:nvSpPr>
+        <p:spPr>
+          <a:xfrm>
+            <a:off x="1024495" y="1124701"/>
+            <a:ext cx="10146186" cy="2511835"/>
+          </a:xfrm>
+        </p:spPr>
+        <p:txBody>
+          <a:bodyPr anchor="b"/>
+          <a:lstStyle>
+            <a:lvl1pPr algn="l">
+              <a:defRPr sz="3200"/>
+            </a:lvl1pPr>
+          </a:lstStyle>
+          <a:p>
+            <a:r>
+              <a:rPr lang="en-US"/>
+              <a:t>Click to edit Master title style</a:t>
+            </a:r>
+            <a:endParaRPr lang="en-US" dirty="0"/>
+          </a:p>
+        </p:txBody>
+      </p:sp>
+      <p:sp>
+        <p:nvSpPr>
+          <p:cNvPr id="4" name="Text Placeholder 3"/>
+          <p:cNvSpPr>
+            <a:spLocks noGrp="1"/>
+          </p:cNvSpPr>
+          <p:nvPr>
+            <p:ph type="body" sz="half" idx="2"/>
+          </p:nvPr>
+        </p:nvSpPr>
+        <p:spPr>
+          <a:xfrm>
+            <a:off x="1024467" y="3648315"/>
+            <a:ext cx="10144654" cy="999885"/>
+          </a:xfrm>
+        </p:spPr>
+        <p:txBody>
+          <a:bodyPr anchor="t"/>
+          <a:lstStyle>
+            <a:lvl1pPr marL="0" indent="0">
+              <a:buNone/>
+              <a:defRPr sz="1600"/>
+            </a:lvl1pPr>
+            <a:lvl2pPr marL="457200" indent="0">
+              <a:buNone/>
+              <a:defRPr sz="1400"/>
+            </a:lvl2pPr>
+            <a:lvl3pPr marL="914400" indent="0">
+              <a:buNone/>
+              <a:defRPr sz="1200"/>
+            </a:lvl3pPr>
+            <a:lvl4pPr marL="1371600" indent="0">
+              <a:buNone/>
+              <a:defRPr sz="1000"/>
+            </a:lvl4pPr>
+            <a:lvl5pPr marL="1828800" indent="0">
+              <a:buNone/>
+              <a:defRPr sz="1000"/>
+            </a:lvl5pPr>
+            <a:lvl6pPr marL="2286000" indent="0">
+              <a:buNone/>
+              <a:defRPr sz="1000"/>
+            </a:lvl6pPr>
+            <a:lvl7pPr marL="2743200" indent="0">
+              <a:buNone/>
+              <a:defRPr sz="1000"/>
+            </a:lvl7pPr>
+            <a:lvl8pPr marL="3200400" indent="0">
+              <a:buNone/>
+              <a:defRPr sz="1000"/>
+            </a:lvl8pPr>
+            <a:lvl9pPr marL="3657600" indent="0">
+              <a:buNone/>
+              <a:defRPr sz="1000"/>
+            </a:lvl9pPr>
+          </a:lstStyle>
+          <a:p>
+            <a:pPr lvl="0"/>
+            <a:r>
+              <a:rPr lang="en-US"/>
+              <a:t>Edit Master text styles</a:t>
+            </a:r>
+          </a:p>
+        </p:txBody>
+      </p:sp>
+      <p:sp>
+        <p:nvSpPr>
+          <p:cNvPr id="5" name="Date Placeholder 4"/>
+          <p:cNvSpPr>
+            <a:spLocks noGrp="1"/>
+          </p:cNvSpPr>
+          <p:nvPr>
+            <p:ph type="dt" sz="half" idx="10"/>
+          </p:nvPr>
+        </p:nvSpPr>
+        <p:spPr>
+          <a:xfrm>
+            <a:off x="7814452" y="378883"/>
+            <a:ext cx="2910840" cy="365125"/>
+          </a:xfrm>
+        </p:spPr>
+        <p:txBody>
+          <a:bodyPr/>
+          <a:lstStyle>
+            <a:lvl1pPr algn="r">
+              <a:defRPr/>
+            </a:lvl1pPr>
+          </a:lstStyle>
+          <a:p>
+            <a:fld id="{553551EB-DD49-45C1-979F-B89F2B3F3E67}" type="datetimeFigureOut">
+              <a:rPr lang="en-US" smtClean="0"/>
+              <a:t>3/24/2019</a:t>
+            </a:fld>
+            <a:endParaRPr lang="en-US"/>
+          </a:p>
+        </p:txBody>
+      </p:sp>
+      <p:sp>
+        <p:nvSpPr>
+          <p:cNvPr id="6" name="Footer Placeholder 5"/>
+          <p:cNvSpPr>
+            <a:spLocks noGrp="1"/>
+          </p:cNvSpPr>
+          <p:nvPr>
+            <p:ph type="ftr" sz="quarter" idx="11"/>
+          </p:nvPr>
+        </p:nvSpPr>
+        <p:spPr>
+          <a:xfrm>
+            <a:off x="685800" y="378883"/>
+            <a:ext cx="6991492" cy="365125"/>
+          </a:xfrm>
+        </p:spPr>
+        <p:txBody>
+          <a:bodyPr/>
+          <a:lstStyle/>
+          <a:p>
+            <a:endParaRPr lang="en-US"/>
+          </a:p>
+        </p:txBody>
+      </p:sp>
+      <p:sp>
+        <p:nvSpPr>
+          <p:cNvPr id="7" name="Slide Number Placeholder 6"/>
+          <p:cNvSpPr>
+            <a:spLocks noGrp="1"/>
+          </p:cNvSpPr>
+          <p:nvPr>
+            <p:ph type="sldNum" sz="quarter" idx="12"/>
+          </p:nvPr>
+        </p:nvSpPr>
+        <p:spPr>
+          <a:xfrm>
+            <a:off x="10862452" y="381000"/>
+            <a:ext cx="643748" cy="365125"/>
+          </a:xfrm>
+        </p:spPr>
+        <p:txBody>
+          <a:bodyPr/>
+          <a:lstStyle/>
+          <a:p>
+            <a:fld id="{895A00B5-B758-42C6-8BFF-8D358CD37D7F}" type="slidenum">
+              <a:rPr lang="en-US" smtClean="0"/>
+              <a:t>‹#›</a:t>
+            </a:fld>
+            <a:endParaRPr lang="en-US"/>
+          </a:p>
+        </p:txBody>
+      </p:sp>
+    </p:spTree>
+    <p:extLst>
+      <p:ext uri="{BB962C8B-B14F-4D97-AF65-F5344CB8AC3E}">
+        <p14:creationId xmlns:p14="http://schemas.microsoft.com/office/powerpoint/2010/main" val="1298034746"/>
+      </p:ext>
+    </p:extLst>
+  </p:cSld>
+  <p:clrMapOvr>
+    <a:masterClrMapping/>
+  </p:clrMapOvr>
+</p:sldLayout>
+</file>
+
+<file path=ppt/slideLayouts/slideLayout14.xml><?xml version="1.0" encoding="utf-8"?>
+<p:sldLayout xmlns:a="http://schemas.openxmlformats.org/drawingml/2006/main" xmlns:r="http://schemas.openxmlformats.org/officeDocument/2006/relationships" xmlns:p="http://schemas.openxmlformats.org/presentationml/2006/main" preserve="1">
+  <p:cSld name="3 Column">
+    <p:spTree>
+      <p:nvGrpSpPr>
+        <p:cNvPr id="1" name=""/>
+        <p:cNvGrpSpPr/>
+        <p:nvPr/>
+      </p:nvGrpSpPr>
+      <p:grpSpPr>
+        <a:xfrm>
+          <a:off x="0" y="0"/>
+          <a:ext cx="0" cy="0"/>
+          <a:chOff x="0" y="0"/>
+          <a:chExt cx="0" cy="0"/>
+        </a:xfrm>
+      </p:grpSpPr>
+      <p:sp>
+        <p:nvSpPr>
+          <p:cNvPr id="15" name="Title 1"/>
+          <p:cNvSpPr>
+            <a:spLocks noGrp="1"/>
+          </p:cNvSpPr>
+          <p:nvPr>
+            <p:ph type="title"/>
+          </p:nvPr>
+        </p:nvSpPr>
+        <p:spPr>
+          <a:xfrm>
+            <a:off x="2895600" y="761999"/>
+            <a:ext cx="8610599" cy="1303867"/>
+          </a:xfrm>
+        </p:spPr>
+        <p:txBody>
+          <a:bodyPr/>
+          <a:lstStyle/>
+          <a:p>
+            <a:r>
+              <a:rPr lang="en-US"/>
+              <a:t>Click to edit Master title style</a:t>
+            </a:r>
+            <a:endParaRPr lang="en-US" dirty="0"/>
+          </a:p>
+        </p:txBody>
+      </p:sp>
+      <p:sp>
+        <p:nvSpPr>
+          <p:cNvPr id="7" name="Text Placeholder 2"/>
+          <p:cNvSpPr>
+            <a:spLocks noGrp="1"/>
+          </p:cNvSpPr>
+          <p:nvPr>
+            <p:ph type="body" idx="1"/>
+          </p:nvPr>
+        </p:nvSpPr>
+        <p:spPr>
+          <a:xfrm>
+            <a:off x="685800" y="2202080"/>
+            <a:ext cx="3456432" cy="617320"/>
+          </a:xfrm>
+        </p:spPr>
+        <p:txBody>
+          <a:bodyPr anchor="b">
+            <a:noAutofit/>
+          </a:bodyPr>
+          <a:lstStyle>
+            <a:lvl1pPr marL="0" indent="0">
+              <a:buNone/>
+              <a:defRPr sz="2400" b="0">
+                <a:solidFill>
+                  <a:schemeClr val="tx1"/>
+                </a:solidFill>
+              </a:defRPr>
+            </a:lvl1pPr>
+            <a:lvl2pPr marL="457200" indent="0">
+              <a:buNone/>
+              <a:defRPr sz="2000" b="1"/>
+            </a:lvl2pPr>
+            <a:lvl3pPr marL="914400" indent="0">
+              <a:buNone/>
+              <a:defRPr sz="1800" b="1"/>
+            </a:lvl3pPr>
+            <a:lvl4pPr marL="1371600" indent="0">
+              <a:buNone/>
+              <a:defRPr sz="1600" b="1"/>
+            </a:lvl4pPr>
+            <a:lvl5pPr marL="1828800" indent="0">
+              <a:buNone/>
+              <a:defRPr sz="1600" b="1"/>
+            </a:lvl5pPr>
+            <a:lvl6pPr marL="2286000" indent="0">
+              <a:buNone/>
+              <a:defRPr sz="1600" b="1"/>
+            </a:lvl6pPr>
+            <a:lvl7pPr marL="2743200" indent="0">
+              <a:buNone/>
+              <a:defRPr sz="1600" b="1"/>
+            </a:lvl7pPr>
+            <a:lvl8pPr marL="3200400" indent="0">
+              <a:buNone/>
+              <a:defRPr sz="1600" b="1"/>
+            </a:lvl8pPr>
+            <a:lvl9pPr marL="3657600" indent="0">
+              <a:buNone/>
+              <a:defRPr sz="1600" b="1"/>
+            </a:lvl9pPr>
+          </a:lstStyle>
+          <a:p>
+            <a:pPr lvl="0"/>
+            <a:r>
+              <a:rPr lang="en-US"/>
+              <a:t>Edit Master text styles</a:t>
+            </a:r>
+          </a:p>
+        </p:txBody>
+      </p:sp>
+      <p:sp>
+        <p:nvSpPr>
+          <p:cNvPr id="8" name="Text Placeholder 3"/>
+          <p:cNvSpPr>
+            <a:spLocks noGrp="1"/>
+          </p:cNvSpPr>
+          <p:nvPr>
+            <p:ph type="body" sz="half" idx="15"/>
+          </p:nvPr>
+        </p:nvSpPr>
+        <p:spPr>
+          <a:xfrm>
+            <a:off x="685799" y="2904565"/>
+            <a:ext cx="3456432" cy="3314132"/>
+          </a:xfrm>
+        </p:spPr>
+        <p:txBody>
+          <a:bodyPr anchor="t">
+            <a:normAutofit/>
+          </a:bodyPr>
+          <a:lstStyle>
+            <a:lvl1pPr marL="0" indent="0">
+              <a:buNone/>
+              <a:defRPr sz="1400"/>
+            </a:lvl1pPr>
+            <a:lvl2pPr marL="457200" indent="0">
+              <a:buNone/>
+              <a:defRPr sz="1200"/>
+            </a:lvl2pPr>
+            <a:lvl3pPr marL="914400" indent="0">
+              <a:buNone/>
+              <a:defRPr sz="1000"/>
+            </a:lvl3pPr>
+            <a:lvl4pPr marL="1371600" indent="0">
+              <a:buNone/>
+              <a:defRPr sz="900"/>
+            </a:lvl4pPr>
+            <a:lvl5pPr marL="1828800" indent="0">
+              <a:buNone/>
+              <a:defRPr sz="900"/>
+            </a:lvl5pPr>
+            <a:lvl6pPr marL="2286000" indent="0">
+              <a:buNone/>
+              <a:defRPr sz="900"/>
+            </a:lvl6pPr>
+            <a:lvl7pPr marL="2743200" indent="0">
+              <a:buNone/>
+              <a:defRPr sz="900"/>
+            </a:lvl7pPr>
+            <a:lvl8pPr marL="3200400" indent="0">
+              <a:buNone/>
+              <a:defRPr sz="900"/>
+            </a:lvl8pPr>
+            <a:lvl9pPr marL="3657600" indent="0">
+              <a:buNone/>
+              <a:defRPr sz="900"/>
+            </a:lvl9pPr>
+          </a:lstStyle>
+          <a:p>
+            <a:pPr lvl="0"/>
+            <a:r>
+              <a:rPr lang="en-US"/>
+              <a:t>Edit Master text styles</a:t>
+            </a:r>
+          </a:p>
+        </p:txBody>
+      </p:sp>
+      <p:sp>
+        <p:nvSpPr>
+          <p:cNvPr id="9" name="Text Placeholder 4"/>
+          <p:cNvSpPr>
+            <a:spLocks noGrp="1"/>
+          </p:cNvSpPr>
+          <p:nvPr>
+            <p:ph type="body" sz="quarter" idx="3"/>
+          </p:nvPr>
+        </p:nvSpPr>
+        <p:spPr>
+          <a:xfrm>
+            <a:off x="4368800" y="2201333"/>
+            <a:ext cx="3456432" cy="626534"/>
+          </a:xfrm>
+        </p:spPr>
+        <p:txBody>
+          <a:bodyPr anchor="b">
+            <a:noAutofit/>
+          </a:bodyPr>
+          <a:lstStyle>
+            <a:lvl1pPr marL="0" indent="0">
+              <a:buNone/>
+              <a:defRPr sz="2400" b="0">
+                <a:solidFill>
+                  <a:schemeClr val="tx1"/>
+                </a:solidFill>
+              </a:defRPr>
+            </a:lvl1pPr>
+            <a:lvl2pPr marL="457200" indent="0">
+              <a:buNone/>
+              <a:defRPr sz="2000" b="1"/>
+            </a:lvl2pPr>
+            <a:lvl3pPr marL="914400" indent="0">
+              <a:buNone/>
+              <a:defRPr sz="1800" b="1"/>
+            </a:lvl3pPr>
+            <a:lvl4pPr marL="1371600" indent="0">
+              <a:buNone/>
+              <a:defRPr sz="1600" b="1"/>
+            </a:lvl4pPr>
+            <a:lvl5pPr marL="1828800" indent="0">
+              <a:buNone/>
+              <a:defRPr sz="1600" b="1"/>
+            </a:lvl5pPr>
+            <a:lvl6pPr marL="2286000" indent="0">
+              <a:buNone/>
+              <a:defRPr sz="1600" b="1"/>
+            </a:lvl6pPr>
+            <a:lvl7pPr marL="2743200" indent="0">
+              <a:buNone/>
+              <a:defRPr sz="1600" b="1"/>
+            </a:lvl7pPr>
+            <a:lvl8pPr marL="3200400" indent="0">
+              <a:buNone/>
+              <a:defRPr sz="1600" b="1"/>
+            </a:lvl8pPr>
+            <a:lvl9pPr marL="3657600" indent="0">
+              <a:buNone/>
+              <a:defRPr sz="1600" b="1"/>
+            </a:lvl9pPr>
+          </a:lstStyle>
+          <a:p>
+            <a:pPr lvl="0"/>
+            <a:r>
+              <a:rPr lang="en-US"/>
+              <a:t>Edit Master text styles</a:t>
+            </a:r>
+          </a:p>
+        </p:txBody>
+      </p:sp>
+      <p:sp>
+        <p:nvSpPr>
+          <p:cNvPr id="10" name="Text Placeholder 3"/>
+          <p:cNvSpPr>
+            <a:spLocks noGrp="1"/>
+          </p:cNvSpPr>
+          <p:nvPr>
+            <p:ph type="body" sz="half" idx="16"/>
+          </p:nvPr>
+        </p:nvSpPr>
+        <p:spPr>
+          <a:xfrm>
+            <a:off x="4366858" y="2904067"/>
+            <a:ext cx="3456432" cy="3314618"/>
+          </a:xfrm>
+        </p:spPr>
+        <p:txBody>
+          <a:bodyPr anchor="t">
+            <a:normAutofit/>
+          </a:bodyPr>
+          <a:lstStyle>
+            <a:lvl1pPr marL="0" indent="0">
+              <a:buNone/>
+              <a:defRPr sz="1400"/>
+            </a:lvl1pPr>
+            <a:lvl2pPr marL="457200" indent="0">
+              <a:buNone/>
+              <a:defRPr sz="1200"/>
+            </a:lvl2pPr>
+            <a:lvl3pPr marL="914400" indent="0">
+              <a:buNone/>
+              <a:defRPr sz="1000"/>
+            </a:lvl3pPr>
+            <a:lvl4pPr marL="1371600" indent="0">
+              <a:buNone/>
+              <a:defRPr sz="900"/>
+            </a:lvl4pPr>
+            <a:lvl5pPr marL="1828800" indent="0">
+              <a:buNone/>
+              <a:defRPr sz="900"/>
+            </a:lvl5pPr>
+            <a:lvl6pPr marL="2286000" indent="0">
+              <a:buNone/>
+              <a:defRPr sz="900"/>
+            </a:lvl6pPr>
+            <a:lvl7pPr marL="2743200" indent="0">
+              <a:buNone/>
+              <a:defRPr sz="900"/>
+            </a:lvl7pPr>
+            <a:lvl8pPr marL="3200400" indent="0">
+              <a:buNone/>
+              <a:defRPr sz="900"/>
+            </a:lvl8pPr>
+            <a:lvl9pPr marL="3657600" indent="0">
+              <a:buNone/>
+              <a:defRPr sz="900"/>
+            </a:lvl9pPr>
+          </a:lstStyle>
+          <a:p>
+            <a:pPr lvl="0"/>
+            <a:r>
+              <a:rPr lang="en-US"/>
+              <a:t>Edit Master text styles</a:t>
+            </a:r>
+          </a:p>
+        </p:txBody>
+      </p:sp>
+      <p:sp>
+        <p:nvSpPr>
+          <p:cNvPr id="11" name="Text Placeholder 4"/>
+          <p:cNvSpPr>
+            <a:spLocks noGrp="1"/>
+          </p:cNvSpPr>
+          <p:nvPr>
+            <p:ph type="body" sz="quarter" idx="13"/>
+          </p:nvPr>
+        </p:nvSpPr>
+        <p:spPr>
+          <a:xfrm>
+            <a:off x="8051800" y="2192866"/>
+            <a:ext cx="3456432" cy="626534"/>
+          </a:xfrm>
+        </p:spPr>
+        <p:txBody>
+          <a:bodyPr anchor="b">
+            <a:noAutofit/>
+          </a:bodyPr>
+          <a:lstStyle>
+            <a:lvl1pPr marL="0" indent="0">
+              <a:buNone/>
+              <a:defRPr sz="2400" b="0">
+                <a:solidFill>
+                  <a:schemeClr val="tx1"/>
+                </a:solidFill>
+              </a:defRPr>
+            </a:lvl1pPr>
+            <a:lvl2pPr marL="457200" indent="0">
+              <a:buNone/>
+              <a:defRPr sz="2000" b="1"/>
+            </a:lvl2pPr>
+            <a:lvl3pPr marL="914400" indent="0">
+              <a:buNone/>
+              <a:defRPr sz="1800" b="1"/>
+            </a:lvl3pPr>
+            <a:lvl4pPr marL="1371600" indent="0">
+              <a:buNone/>
+              <a:defRPr sz="1600" b="1"/>
+            </a:lvl4pPr>
+            <a:lvl5pPr marL="1828800" indent="0">
+              <a:buNone/>
+              <a:defRPr sz="1600" b="1"/>
+            </a:lvl5pPr>
+            <a:lvl6pPr marL="2286000" indent="0">
+              <a:buNone/>
+              <a:defRPr sz="1600" b="1"/>
+            </a:lvl6pPr>
+            <a:lvl7pPr marL="2743200" indent="0">
+              <a:buNone/>
+              <a:defRPr sz="1600" b="1"/>
+            </a:lvl7pPr>
+            <a:lvl8pPr marL="3200400" indent="0">
+              <a:buNone/>
+              <a:defRPr sz="1600" b="1"/>
+            </a:lvl8pPr>
+            <a:lvl9pPr marL="3657600" indent="0">
+              <a:buNone/>
+              <a:defRPr sz="1600" b="1"/>
+            </a:lvl9pPr>
+          </a:lstStyle>
+          <a:p>
+            <a:pPr lvl="0"/>
+            <a:r>
+              <a:rPr lang="en-US"/>
+              <a:t>Edit Master text styles</a:t>
+            </a:r>
+          </a:p>
+        </p:txBody>
+      </p:sp>
+      <p:sp>
+        <p:nvSpPr>
+          <p:cNvPr id="12" name="Text Placeholder 3"/>
+          <p:cNvSpPr>
+            <a:spLocks noGrp="1"/>
+          </p:cNvSpPr>
+          <p:nvPr>
+            <p:ph type="body" sz="half" idx="17"/>
+          </p:nvPr>
+        </p:nvSpPr>
+        <p:spPr>
+          <a:xfrm>
+            <a:off x="8051801" y="2904565"/>
+            <a:ext cx="3456432" cy="3314132"/>
+          </a:xfrm>
+        </p:spPr>
+        <p:txBody>
+          <a:bodyPr anchor="t">
+            <a:normAutofit/>
+          </a:bodyPr>
+          <a:lstStyle>
+            <a:lvl1pPr marL="0" indent="0">
+              <a:buNone/>
+              <a:defRPr sz="1400"/>
+            </a:lvl1pPr>
+            <a:lvl2pPr marL="457200" indent="0">
+              <a:buNone/>
+              <a:defRPr sz="1200"/>
+            </a:lvl2pPr>
+            <a:lvl3pPr marL="914400" indent="0">
+              <a:buNone/>
+              <a:defRPr sz="1000"/>
+            </a:lvl3pPr>
+            <a:lvl4pPr marL="1371600" indent="0">
+              <a:buNone/>
+              <a:defRPr sz="900"/>
+            </a:lvl4pPr>
+            <a:lvl5pPr marL="1828800" indent="0">
+              <a:buNone/>
+              <a:defRPr sz="900"/>
+            </a:lvl5pPr>
+            <a:lvl6pPr marL="2286000" indent="0">
+              <a:buNone/>
+              <a:defRPr sz="900"/>
+            </a:lvl6pPr>
+            <a:lvl7pPr marL="2743200" indent="0">
+              <a:buNone/>
+              <a:defRPr sz="900"/>
+            </a:lvl7pPr>
+            <a:lvl8pPr marL="3200400" indent="0">
+              <a:buNone/>
+              <a:defRPr sz="900"/>
+            </a:lvl8pPr>
+            <a:lvl9pPr marL="3657600" indent="0">
+              <a:buNone/>
+              <a:defRPr sz="900"/>
+            </a:lvl9pPr>
+          </a:lstStyle>
+          <a:p>
+            <a:pPr lvl="0"/>
+            <a:r>
+              <a:rPr lang="en-US"/>
+              <a:t>Edit Master text styles</a:t>
+            </a:r>
+          </a:p>
+        </p:txBody>
+      </p:sp>
+      <p:sp>
+        <p:nvSpPr>
+          <p:cNvPr id="3" name="Date Placeholder 2"/>
+          <p:cNvSpPr>
+            <a:spLocks noGrp="1"/>
+          </p:cNvSpPr>
+          <p:nvPr>
+            <p:ph type="dt" sz="half" idx="10"/>
+          </p:nvPr>
+        </p:nvSpPr>
+        <p:spPr/>
+        <p:txBody>
+          <a:bodyPr/>
+          <a:lstStyle/>
+          <a:p>
+            <a:fld id="{553551EB-DD49-45C1-979F-B89F2B3F3E67}" type="datetimeFigureOut">
+              <a:rPr lang="en-US" smtClean="0"/>
+              <a:t>3/24/2019</a:t>
+            </a:fld>
+            <a:endParaRPr lang="en-US"/>
+          </a:p>
+        </p:txBody>
+      </p:sp>
+      <p:sp>
+        <p:nvSpPr>
+          <p:cNvPr id="4" name="Footer Placeholder 3"/>
+          <p:cNvSpPr>
+            <a:spLocks noGrp="1"/>
+          </p:cNvSpPr>
+          <p:nvPr>
+            <p:ph type="ftr" sz="quarter" idx="11"/>
+          </p:nvPr>
+        </p:nvSpPr>
+        <p:spPr/>
+        <p:txBody>
+          <a:bodyPr/>
+          <a:lstStyle/>
+          <a:p>
+            <a:endParaRPr lang="en-US"/>
+          </a:p>
+        </p:txBody>
+      </p:sp>
+      <p:sp>
+        <p:nvSpPr>
+          <p:cNvPr id="5" name="Slide Number Placeholder 4"/>
+          <p:cNvSpPr>
+            <a:spLocks noGrp="1"/>
+          </p:cNvSpPr>
+          <p:nvPr>
+            <p:ph type="sldNum" sz="quarter" idx="12"/>
+          </p:nvPr>
+        </p:nvSpPr>
+        <p:spPr/>
+        <p:txBody>
+          <a:bodyPr/>
+          <a:lstStyle/>
+          <a:p>
+            <a:fld id="{895A00B5-B758-42C6-8BFF-8D358CD37D7F}" type="slidenum">
+              <a:rPr lang="en-US" smtClean="0"/>
+              <a:t>‹#›</a:t>
+            </a:fld>
+            <a:endParaRPr lang="en-US"/>
+          </a:p>
+        </p:txBody>
+      </p:sp>
+    </p:spTree>
+    <p:extLst>
+      <p:ext uri="{BB962C8B-B14F-4D97-AF65-F5344CB8AC3E}">
+        <p14:creationId xmlns:p14="http://schemas.microsoft.com/office/powerpoint/2010/main" val="1992841898"/>
+      </p:ext>
+    </p:extLst>
+  </p:cSld>
+  <p:clrMapOvr>
+    <a:masterClrMapping/>
+  </p:clrMapOvr>
+</p:sldLayout>
+</file>
+
+<file path=ppt/slideLayouts/slideLayout15.xml><?xml version="1.0" encoding="utf-8"?>
+<p:sldLayout xmlns:a="http://schemas.openxmlformats.org/drawingml/2006/main" xmlns:r="http://schemas.openxmlformats.org/officeDocument/2006/relationships" xmlns:p="http://schemas.openxmlformats.org/presentationml/2006/main" preserve="1">
+  <p:cSld name="3 Picture Column">
+    <p:spTree>
+      <p:nvGrpSpPr>
+        <p:cNvPr id="1" name=""/>
+        <p:cNvGrpSpPr/>
+        <p:nvPr/>
+      </p:nvGrpSpPr>
+      <p:grpSpPr>
+        <a:xfrm>
+          <a:off x="0" y="0"/>
+          <a:ext cx="0" cy="0"/>
+          <a:chOff x="0" y="0"/>
+          <a:chExt cx="0" cy="0"/>
+        </a:xfrm>
+      </p:grpSpPr>
+      <p:sp>
+        <p:nvSpPr>
+          <p:cNvPr id="30" name="Title 1"/>
+          <p:cNvSpPr>
+            <a:spLocks noGrp="1"/>
+          </p:cNvSpPr>
+          <p:nvPr>
+            <p:ph type="title"/>
+          </p:nvPr>
+        </p:nvSpPr>
+        <p:spPr>
+          <a:xfrm>
+            <a:off x="2895600" y="762000"/>
+            <a:ext cx="8610599" cy="1295400"/>
+          </a:xfrm>
+        </p:spPr>
+        <p:txBody>
+          <a:bodyPr/>
+          <a:lstStyle/>
+          <a:p>
+            <a:r>
+              <a:rPr lang="en-US"/>
+              <a:t>Click to edit Master title style</a:t>
+            </a:r>
+            <a:endParaRPr lang="en-US" dirty="0"/>
+          </a:p>
+        </p:txBody>
+      </p:sp>
+      <p:sp>
+        <p:nvSpPr>
+          <p:cNvPr id="19" name="Text Placeholder 2"/>
+          <p:cNvSpPr>
+            <a:spLocks noGrp="1"/>
+          </p:cNvSpPr>
+          <p:nvPr>
+            <p:ph type="body" idx="1"/>
+          </p:nvPr>
+        </p:nvSpPr>
+        <p:spPr>
+          <a:xfrm>
+            <a:off x="688618" y="4191000"/>
+            <a:ext cx="3451582" cy="682765"/>
+          </a:xfrm>
+        </p:spPr>
+        <p:txBody>
+          <a:bodyPr anchor="b">
+            <a:noAutofit/>
+          </a:bodyPr>
+          <a:lstStyle>
+            <a:lvl1pPr marL="0" indent="0">
+              <a:buNone/>
+              <a:defRPr sz="2400" b="0">
+                <a:solidFill>
+                  <a:schemeClr val="tx1"/>
+                </a:solidFill>
+              </a:defRPr>
+            </a:lvl1pPr>
+            <a:lvl2pPr marL="457200" indent="0">
+              <a:buNone/>
+              <a:defRPr sz="2000" b="1"/>
+            </a:lvl2pPr>
+            <a:lvl3pPr marL="914400" indent="0">
+              <a:buNone/>
+              <a:defRPr sz="1800" b="1"/>
+            </a:lvl3pPr>
+            <a:lvl4pPr marL="1371600" indent="0">
+              <a:buNone/>
+              <a:defRPr sz="1600" b="1"/>
+            </a:lvl4pPr>
+            <a:lvl5pPr marL="1828800" indent="0">
+              <a:buNone/>
+              <a:defRPr sz="1600" b="1"/>
+            </a:lvl5pPr>
+            <a:lvl6pPr marL="2286000" indent="0">
+              <a:buNone/>
+              <a:defRPr sz="1600" b="1"/>
+            </a:lvl6pPr>
+            <a:lvl7pPr marL="2743200" indent="0">
+              <a:buNone/>
+              <a:defRPr sz="1600" b="1"/>
+            </a:lvl7pPr>
+            <a:lvl8pPr marL="3200400" indent="0">
+              <a:buNone/>
+              <a:defRPr sz="1600" b="1"/>
+            </a:lvl8pPr>
+            <a:lvl9pPr marL="3657600" indent="0">
+              <a:buNone/>
+              <a:defRPr sz="1600" b="1"/>
+            </a:lvl9pPr>
+          </a:lstStyle>
+          <a:p>
+            <a:pPr lvl="0"/>
+            <a:r>
+              <a:rPr lang="en-US"/>
+              <a:t>Edit Master text styles</a:t>
+            </a:r>
+          </a:p>
+        </p:txBody>
+      </p:sp>
+      <p:sp>
+        <p:nvSpPr>
+          <p:cNvPr id="20" name="Picture Placeholder 2"/>
+          <p:cNvSpPr>
+            <a:spLocks noGrp="1" noChangeAspect="1"/>
+          </p:cNvSpPr>
+          <p:nvPr>
+            <p:ph type="pic" idx="15"/>
+          </p:nvPr>
+        </p:nvSpPr>
+        <p:spPr>
+          <a:xfrm>
+            <a:off x="688618" y="2362200"/>
+            <a:ext cx="3451582" cy="1524000"/>
+          </a:xfrm>
+          <a:prstGeom prst="roundRect">
+            <a:avLst>
+              <a:gd name="adj" fmla="val 0"/>
+            </a:avLst>
+          </a:prstGeom>
+          <a:effectLst>
+            <a:outerShdw blurRad="50800" dist="50800" dir="5400000" algn="tl" rotWithShape="0">
+              <a:srgbClr val="000000">
+                <a:alpha val="43000"/>
+              </a:srgbClr>
+            </a:outerShdw>
+          </a:effectLst>
+        </p:spPr>
+        <p:txBody>
+          <a:bodyPr anchor="t">
+            <a:normAutofit/>
+          </a:bodyPr>
+          <a:lstStyle>
+            <a:lvl1pPr marL="0" indent="0" algn="ctr">
+              <a:buNone/>
+              <a:defRPr sz="1600"/>
+            </a:lvl1pPr>
+            <a:lvl2pPr marL="457200" indent="0">
+              <a:buNone/>
+              <a:defRPr sz="1600"/>
+            </a:lvl2pPr>
+            <a:lvl3pPr marL="914400" indent="0">
+              <a:buNone/>
+              <a:defRPr sz="1600"/>
+            </a:lvl3pPr>
+            <a:lvl4pPr marL="1371600" indent="0">
+              <a:buNone/>
+              <a:defRPr sz="1600"/>
+            </a:lvl4pPr>
+            <a:lvl5pPr marL="1828800" indent="0">
+              <a:buNone/>
+              <a:defRPr sz="1600"/>
+            </a:lvl5pPr>
+            <a:lvl6pPr marL="2286000" indent="0">
+              <a:buNone/>
+              <a:defRPr sz="1600"/>
+            </a:lvl6pPr>
+            <a:lvl7pPr marL="2743200" indent="0">
+              <a:buNone/>
+              <a:defRPr sz="1600"/>
+            </a:lvl7pPr>
+            <a:lvl8pPr marL="3200400" indent="0">
+              <a:buNone/>
+              <a:defRPr sz="1600"/>
+            </a:lvl8pPr>
+            <a:lvl9pPr marL="3657600" indent="0">
+              <a:buNone/>
+              <a:defRPr sz="1600"/>
+            </a:lvl9pPr>
+          </a:lstStyle>
+          <a:p>
+            <a:r>
+              <a:rPr lang="en-US"/>
+              <a:t>Click icon to add picture</a:t>
+            </a:r>
+            <a:endParaRPr lang="en-US" dirty="0"/>
+          </a:p>
+        </p:txBody>
+      </p:sp>
+      <p:sp>
+        <p:nvSpPr>
+          <p:cNvPr id="21" name="Text Placeholder 3"/>
+          <p:cNvSpPr>
+            <a:spLocks noGrp="1"/>
+          </p:cNvSpPr>
+          <p:nvPr>
+            <p:ph type="body" sz="half" idx="18"/>
+          </p:nvPr>
+        </p:nvSpPr>
+        <p:spPr>
+          <a:xfrm>
+            <a:off x="688618" y="4873764"/>
+            <a:ext cx="3451582" cy="1344921"/>
+          </a:xfrm>
+        </p:spPr>
+        <p:txBody>
+          <a:bodyPr anchor="t">
+            <a:normAutofit/>
+          </a:bodyPr>
+          <a:lstStyle>
+            <a:lvl1pPr marL="0" indent="0">
+              <a:buNone/>
+              <a:defRPr sz="1400"/>
+            </a:lvl1pPr>
+            <a:lvl2pPr marL="457200" indent="0">
+              <a:buNone/>
+              <a:defRPr sz="1200"/>
+            </a:lvl2pPr>
+            <a:lvl3pPr marL="914400" indent="0">
+              <a:buNone/>
+              <a:defRPr sz="1000"/>
+            </a:lvl3pPr>
+            <a:lvl4pPr marL="1371600" indent="0">
+              <a:buNone/>
+              <a:defRPr sz="900"/>
+            </a:lvl4pPr>
+            <a:lvl5pPr marL="1828800" indent="0">
+              <a:buNone/>
+              <a:defRPr sz="900"/>
+            </a:lvl5pPr>
+            <a:lvl6pPr marL="2286000" indent="0">
+              <a:buNone/>
+              <a:defRPr sz="900"/>
+            </a:lvl6pPr>
+            <a:lvl7pPr marL="2743200" indent="0">
+              <a:buNone/>
+              <a:defRPr sz="900"/>
+            </a:lvl7pPr>
+            <a:lvl8pPr marL="3200400" indent="0">
+              <a:buNone/>
+              <a:defRPr sz="900"/>
+            </a:lvl8pPr>
+            <a:lvl9pPr marL="3657600" indent="0">
+              <a:buNone/>
+              <a:defRPr sz="900"/>
+            </a:lvl9pPr>
+          </a:lstStyle>
+          <a:p>
+            <a:pPr lvl="0"/>
+            <a:r>
+              <a:rPr lang="en-US"/>
+              <a:t>Edit Master text styles</a:t>
+            </a:r>
+          </a:p>
+        </p:txBody>
+      </p:sp>
+      <p:sp>
+        <p:nvSpPr>
+          <p:cNvPr id="22" name="Text Placeholder 4"/>
+          <p:cNvSpPr>
+            <a:spLocks noGrp="1"/>
+          </p:cNvSpPr>
+          <p:nvPr>
+            <p:ph type="body" sz="quarter" idx="3"/>
+          </p:nvPr>
+        </p:nvSpPr>
+        <p:spPr>
+          <a:xfrm>
+            <a:off x="4374263" y="4191000"/>
+            <a:ext cx="3448935" cy="682765"/>
+          </a:xfrm>
+        </p:spPr>
+        <p:txBody>
+          <a:bodyPr anchor="b">
+            <a:noAutofit/>
+          </a:bodyPr>
+          <a:lstStyle>
+            <a:lvl1pPr marL="0" indent="0">
+              <a:buNone/>
+              <a:defRPr sz="2400" b="0">
+                <a:solidFill>
+                  <a:schemeClr val="tx1"/>
+                </a:solidFill>
+              </a:defRPr>
+            </a:lvl1pPr>
+            <a:lvl2pPr marL="457200" indent="0">
+              <a:buNone/>
+              <a:defRPr sz="2000" b="1"/>
+            </a:lvl2pPr>
+            <a:lvl3pPr marL="914400" indent="0">
+              <a:buNone/>
+              <a:defRPr sz="1800" b="1"/>
+            </a:lvl3pPr>
+            <a:lvl4pPr marL="1371600" indent="0">
+              <a:buNone/>
+              <a:defRPr sz="1600" b="1"/>
+            </a:lvl4pPr>
+            <a:lvl5pPr marL="1828800" indent="0">
+              <a:buNone/>
+              <a:defRPr sz="1600" b="1"/>
+            </a:lvl5pPr>
+            <a:lvl6pPr marL="2286000" indent="0">
+              <a:buNone/>
+              <a:defRPr sz="1600" b="1"/>
+            </a:lvl6pPr>
+            <a:lvl7pPr marL="2743200" indent="0">
+              <a:buNone/>
+              <a:defRPr sz="1600" b="1"/>
+            </a:lvl7pPr>
+            <a:lvl8pPr marL="3200400" indent="0">
+              <a:buNone/>
+              <a:defRPr sz="1600" b="1"/>
+            </a:lvl8pPr>
+            <a:lvl9pPr marL="3657600" indent="0">
+              <a:buNone/>
+              <a:defRPr sz="1600" b="1"/>
+            </a:lvl9pPr>
+          </a:lstStyle>
+          <a:p>
+            <a:pPr lvl="0"/>
+            <a:r>
+              <a:rPr lang="en-US"/>
+              <a:t>Edit Master text styles</a:t>
+            </a:r>
+          </a:p>
+        </p:txBody>
+      </p:sp>
+      <p:sp>
+        <p:nvSpPr>
+          <p:cNvPr id="23" name="Picture Placeholder 2"/>
+          <p:cNvSpPr>
+            <a:spLocks noGrp="1" noChangeAspect="1"/>
+          </p:cNvSpPr>
+          <p:nvPr>
+            <p:ph type="pic" idx="21"/>
+          </p:nvPr>
+        </p:nvSpPr>
+        <p:spPr>
+          <a:xfrm>
+            <a:off x="4374263" y="2362200"/>
+            <a:ext cx="3448936" cy="1524000"/>
+          </a:xfrm>
+          <a:prstGeom prst="roundRect">
+            <a:avLst>
+              <a:gd name="adj" fmla="val 0"/>
+            </a:avLst>
+          </a:prstGeom>
+          <a:effectLst>
+            <a:outerShdw blurRad="50800" dist="50800" dir="5400000" algn="tl" rotWithShape="0">
+              <a:srgbClr val="000000">
+                <a:alpha val="43000"/>
+              </a:srgbClr>
+            </a:outerShdw>
+          </a:effectLst>
+        </p:spPr>
+        <p:txBody>
+          <a:bodyPr anchor="t">
+            <a:normAutofit/>
+          </a:bodyPr>
+          <a:lstStyle>
+            <a:lvl1pPr marL="0" indent="0" algn="ctr">
+              <a:buNone/>
+              <a:defRPr sz="1600"/>
+            </a:lvl1pPr>
+            <a:lvl2pPr marL="457200" indent="0">
+              <a:buNone/>
+              <a:defRPr sz="1600"/>
+            </a:lvl2pPr>
+            <a:lvl3pPr marL="914400" indent="0">
+              <a:buNone/>
+              <a:defRPr sz="1600"/>
+            </a:lvl3pPr>
+            <a:lvl4pPr marL="1371600" indent="0">
+              <a:buNone/>
+              <a:defRPr sz="1600"/>
+            </a:lvl4pPr>
+            <a:lvl5pPr marL="1828800" indent="0">
+              <a:buNone/>
+              <a:defRPr sz="1600"/>
+            </a:lvl5pPr>
+            <a:lvl6pPr marL="2286000" indent="0">
+              <a:buNone/>
+              <a:defRPr sz="1600"/>
+            </a:lvl6pPr>
+            <a:lvl7pPr marL="2743200" indent="0">
+              <a:buNone/>
+              <a:defRPr sz="1600"/>
+            </a:lvl7pPr>
+            <a:lvl8pPr marL="3200400" indent="0">
+              <a:buNone/>
+              <a:defRPr sz="1600"/>
+            </a:lvl8pPr>
+            <a:lvl9pPr marL="3657600" indent="0">
+              <a:buNone/>
+              <a:defRPr sz="1600"/>
+            </a:lvl9pPr>
+          </a:lstStyle>
+          <a:p>
+            <a:r>
+              <a:rPr lang="en-US"/>
+              <a:t>Click icon to add picture</a:t>
+            </a:r>
+            <a:endParaRPr lang="en-US" dirty="0"/>
+          </a:p>
+        </p:txBody>
+      </p:sp>
+      <p:sp>
+        <p:nvSpPr>
+          <p:cNvPr id="24" name="Text Placeholder 3"/>
+          <p:cNvSpPr>
+            <a:spLocks noGrp="1"/>
+          </p:cNvSpPr>
+          <p:nvPr>
+            <p:ph type="body" sz="half" idx="19"/>
+          </p:nvPr>
+        </p:nvSpPr>
+        <p:spPr>
+          <a:xfrm>
+            <a:off x="4374264" y="4873763"/>
+            <a:ext cx="3448935" cy="1344921"/>
+          </a:xfrm>
+        </p:spPr>
+        <p:txBody>
+          <a:bodyPr anchor="t">
+            <a:normAutofit/>
+          </a:bodyPr>
+          <a:lstStyle>
+            <a:lvl1pPr marL="0" indent="0">
+              <a:buNone/>
+              <a:defRPr sz="1400"/>
+            </a:lvl1pPr>
+            <a:lvl2pPr marL="457200" indent="0">
+              <a:buNone/>
+              <a:defRPr sz="1200"/>
+            </a:lvl2pPr>
+            <a:lvl3pPr marL="914400" indent="0">
+              <a:buNone/>
+              <a:defRPr sz="1000"/>
+            </a:lvl3pPr>
+            <a:lvl4pPr marL="1371600" indent="0">
+              <a:buNone/>
+              <a:defRPr sz="900"/>
+            </a:lvl4pPr>
+            <a:lvl5pPr marL="1828800" indent="0">
+              <a:buNone/>
+              <a:defRPr sz="900"/>
+            </a:lvl5pPr>
+            <a:lvl6pPr marL="2286000" indent="0">
+              <a:buNone/>
+              <a:defRPr sz="900"/>
+            </a:lvl6pPr>
+            <a:lvl7pPr marL="2743200" indent="0">
+              <a:buNone/>
+              <a:defRPr sz="900"/>
+            </a:lvl7pPr>
+            <a:lvl8pPr marL="3200400" indent="0">
+              <a:buNone/>
+              <a:defRPr sz="900"/>
+            </a:lvl8pPr>
+            <a:lvl9pPr marL="3657600" indent="0">
+              <a:buNone/>
+              <a:defRPr sz="900"/>
+            </a:lvl9pPr>
+          </a:lstStyle>
+          <a:p>
+            <a:pPr lvl="0"/>
+            <a:r>
+              <a:rPr lang="en-US"/>
+              <a:t>Edit Master text styles</a:t>
+            </a:r>
+          </a:p>
+        </p:txBody>
+      </p:sp>
+      <p:sp>
+        <p:nvSpPr>
+          <p:cNvPr id="25" name="Text Placeholder 4"/>
+          <p:cNvSpPr>
+            <a:spLocks noGrp="1"/>
+          </p:cNvSpPr>
+          <p:nvPr>
+            <p:ph type="body" sz="quarter" idx="13"/>
+          </p:nvPr>
+        </p:nvSpPr>
+        <p:spPr>
+          <a:xfrm>
+            <a:off x="8049731" y="4191000"/>
+            <a:ext cx="3456469" cy="682765"/>
+          </a:xfrm>
+        </p:spPr>
+        <p:txBody>
+          <a:bodyPr anchor="b">
+            <a:noAutofit/>
+          </a:bodyPr>
+          <a:lstStyle>
+            <a:lvl1pPr marL="0" indent="0">
+              <a:buNone/>
+              <a:defRPr sz="2400" b="0">
+                <a:solidFill>
+                  <a:schemeClr val="tx1"/>
+                </a:solidFill>
+              </a:defRPr>
+            </a:lvl1pPr>
+            <a:lvl2pPr marL="457200" indent="0">
+              <a:buNone/>
+              <a:defRPr sz="2000" b="1"/>
+            </a:lvl2pPr>
+            <a:lvl3pPr marL="914400" indent="0">
+              <a:buNone/>
+              <a:defRPr sz="1800" b="1"/>
+            </a:lvl3pPr>
+            <a:lvl4pPr marL="1371600" indent="0">
+              <a:buNone/>
+              <a:defRPr sz="1600" b="1"/>
+            </a:lvl4pPr>
+            <a:lvl5pPr marL="1828800" indent="0">
+              <a:buNone/>
+              <a:defRPr sz="1600" b="1"/>
+            </a:lvl5pPr>
+            <a:lvl6pPr marL="2286000" indent="0">
+              <a:buNone/>
+              <a:defRPr sz="1600" b="1"/>
+            </a:lvl6pPr>
+            <a:lvl7pPr marL="2743200" indent="0">
+              <a:buNone/>
+              <a:defRPr sz="1600" b="1"/>
+            </a:lvl7pPr>
+            <a:lvl8pPr marL="3200400" indent="0">
+              <a:buNone/>
+              <a:defRPr sz="1600" b="1"/>
+            </a:lvl8pPr>
+            <a:lvl9pPr marL="3657600" indent="0">
+              <a:buNone/>
+              <a:defRPr sz="1600" b="1"/>
+            </a:lvl9pPr>
+          </a:lstStyle>
+          <a:p>
+            <a:pPr lvl="0"/>
+            <a:r>
+              <a:rPr lang="en-US"/>
+              <a:t>Edit Master text styles</a:t>
+            </a:r>
+          </a:p>
+        </p:txBody>
+      </p:sp>
+      <p:sp>
+        <p:nvSpPr>
+          <p:cNvPr id="26" name="Picture Placeholder 2"/>
+          <p:cNvSpPr>
+            <a:spLocks noGrp="1" noChangeAspect="1"/>
+          </p:cNvSpPr>
+          <p:nvPr>
+            <p:ph type="pic" idx="22"/>
+          </p:nvPr>
+        </p:nvSpPr>
+        <p:spPr>
+          <a:xfrm>
+            <a:off x="8049855" y="2362200"/>
+            <a:ext cx="3447878" cy="1524000"/>
+          </a:xfrm>
+          <a:prstGeom prst="roundRect">
+            <a:avLst>
+              <a:gd name="adj" fmla="val 0"/>
+            </a:avLst>
+          </a:prstGeom>
+          <a:effectLst>
+            <a:outerShdw blurRad="50800" dist="50800" dir="5400000" algn="tl" rotWithShape="0">
+              <a:srgbClr val="000000">
+                <a:alpha val="43000"/>
+              </a:srgbClr>
+            </a:outerShdw>
+          </a:effectLst>
+        </p:spPr>
+        <p:txBody>
+          <a:bodyPr anchor="t">
+            <a:normAutofit/>
+          </a:bodyPr>
+          <a:lstStyle>
+            <a:lvl1pPr marL="0" indent="0" algn="ctr">
+              <a:buNone/>
+              <a:defRPr sz="1600"/>
+            </a:lvl1pPr>
+            <a:lvl2pPr marL="457200" indent="0">
+              <a:buNone/>
+              <a:defRPr sz="1600"/>
+            </a:lvl2pPr>
+            <a:lvl3pPr marL="914400" indent="0">
+              <a:buNone/>
+              <a:defRPr sz="1600"/>
+            </a:lvl3pPr>
+            <a:lvl4pPr marL="1371600" indent="0">
+              <a:buNone/>
+              <a:defRPr sz="1600"/>
+            </a:lvl4pPr>
+            <a:lvl5pPr marL="1828800" indent="0">
+              <a:buNone/>
+              <a:defRPr sz="1600"/>
+            </a:lvl5pPr>
+            <a:lvl6pPr marL="2286000" indent="0">
+              <a:buNone/>
+              <a:defRPr sz="1600"/>
+            </a:lvl6pPr>
+            <a:lvl7pPr marL="2743200" indent="0">
+              <a:buNone/>
+              <a:defRPr sz="1600"/>
+            </a:lvl7pPr>
+            <a:lvl8pPr marL="3200400" indent="0">
+              <a:buNone/>
+              <a:defRPr sz="1600"/>
+            </a:lvl8pPr>
+            <a:lvl9pPr marL="3657600" indent="0">
+              <a:buNone/>
+              <a:defRPr sz="1600"/>
+            </a:lvl9pPr>
+          </a:lstStyle>
+          <a:p>
+            <a:r>
+              <a:rPr lang="en-US"/>
+              <a:t>Click icon to add picture</a:t>
+            </a:r>
+            <a:endParaRPr lang="en-US" dirty="0"/>
+          </a:p>
+        </p:txBody>
+      </p:sp>
+      <p:sp>
+        <p:nvSpPr>
+          <p:cNvPr id="27" name="Text Placeholder 3"/>
+          <p:cNvSpPr>
+            <a:spLocks noGrp="1"/>
+          </p:cNvSpPr>
+          <p:nvPr>
+            <p:ph type="body" sz="half" idx="20"/>
+          </p:nvPr>
+        </p:nvSpPr>
+        <p:spPr>
+          <a:xfrm>
+            <a:off x="8049731" y="4873761"/>
+            <a:ext cx="3452445" cy="1344921"/>
+          </a:xfrm>
+        </p:spPr>
+        <p:txBody>
+          <a:bodyPr anchor="t">
+            <a:normAutofit/>
+          </a:bodyPr>
+          <a:lstStyle>
+            <a:lvl1pPr marL="0" indent="0">
+              <a:buNone/>
+              <a:defRPr sz="1400"/>
+            </a:lvl1pPr>
+            <a:lvl2pPr marL="457200" indent="0">
+              <a:buNone/>
+              <a:defRPr sz="1200"/>
+            </a:lvl2pPr>
+            <a:lvl3pPr marL="914400" indent="0">
+              <a:buNone/>
+              <a:defRPr sz="1000"/>
+            </a:lvl3pPr>
+            <a:lvl4pPr marL="1371600" indent="0">
+              <a:buNone/>
+              <a:defRPr sz="900"/>
+            </a:lvl4pPr>
+            <a:lvl5pPr marL="1828800" indent="0">
+              <a:buNone/>
+              <a:defRPr sz="900"/>
+            </a:lvl5pPr>
+            <a:lvl6pPr marL="2286000" indent="0">
+              <a:buNone/>
+              <a:defRPr sz="900"/>
+            </a:lvl6pPr>
+            <a:lvl7pPr marL="2743200" indent="0">
+              <a:buNone/>
+              <a:defRPr sz="900"/>
+            </a:lvl7pPr>
+            <a:lvl8pPr marL="3200400" indent="0">
+              <a:buNone/>
+              <a:defRPr sz="900"/>
+            </a:lvl8pPr>
+            <a:lvl9pPr marL="3657600" indent="0">
+              <a:buNone/>
+              <a:defRPr sz="900"/>
+            </a:lvl9pPr>
+          </a:lstStyle>
+          <a:p>
+            <a:pPr lvl="0"/>
+            <a:r>
+              <a:rPr lang="en-US"/>
+              <a:t>Edit Master text styles</a:t>
+            </a:r>
+          </a:p>
+        </p:txBody>
+      </p:sp>
+      <p:sp>
+        <p:nvSpPr>
+          <p:cNvPr id="3" name="Date Placeholder 2"/>
+          <p:cNvSpPr>
+            <a:spLocks noGrp="1"/>
+          </p:cNvSpPr>
+          <p:nvPr>
+            <p:ph type="dt" sz="half" idx="10"/>
+          </p:nvPr>
+        </p:nvSpPr>
+        <p:spPr/>
+        <p:txBody>
+          <a:bodyPr/>
+          <a:lstStyle/>
+          <a:p>
+            <a:fld id="{553551EB-DD49-45C1-979F-B89F2B3F3E67}" type="datetimeFigureOut">
+              <a:rPr lang="en-US" smtClean="0"/>
+              <a:t>3/24/2019</a:t>
+            </a:fld>
+            <a:endParaRPr lang="en-US"/>
+          </a:p>
+        </p:txBody>
+      </p:sp>
+      <p:sp>
+        <p:nvSpPr>
+          <p:cNvPr id="4" name="Footer Placeholder 3"/>
+          <p:cNvSpPr>
+            <a:spLocks noGrp="1"/>
+          </p:cNvSpPr>
+          <p:nvPr>
+            <p:ph type="ftr" sz="quarter" idx="11"/>
+          </p:nvPr>
+        </p:nvSpPr>
+        <p:spPr/>
+        <p:txBody>
+          <a:bodyPr/>
+          <a:lstStyle/>
+          <a:p>
+            <a:endParaRPr lang="en-US"/>
+          </a:p>
+        </p:txBody>
+      </p:sp>
+      <p:sp>
+        <p:nvSpPr>
+          <p:cNvPr id="5" name="Slide Number Placeholder 4"/>
+          <p:cNvSpPr>
+            <a:spLocks noGrp="1"/>
+          </p:cNvSpPr>
+          <p:nvPr>
+            <p:ph type="sldNum" sz="quarter" idx="12"/>
+          </p:nvPr>
+        </p:nvSpPr>
+        <p:spPr/>
+        <p:txBody>
+          <a:bodyPr/>
+          <a:lstStyle/>
+          <a:p>
+            <a:fld id="{895A00B5-B758-42C6-8BFF-8D358CD37D7F}" type="slidenum">
+              <a:rPr lang="en-US" smtClean="0"/>
+              <a:t>‹#›</a:t>
+            </a:fld>
+            <a:endParaRPr lang="en-US"/>
+          </a:p>
+        </p:txBody>
+      </p:sp>
+    </p:spTree>
+    <p:extLst>
+      <p:ext uri="{BB962C8B-B14F-4D97-AF65-F5344CB8AC3E}">
+        <p14:creationId xmlns:p14="http://schemas.microsoft.com/office/powerpoint/2010/main" val="3643521804"/>
+      </p:ext>
+    </p:extLst>
+  </p:cSld>
+  <p:clrMapOvr>
+    <a:masterClrMapping/>
+  </p:clrMapOvr>
+</p:sldLayout>
+</file>
+
+<file path=ppt/slideLayouts/slideLayout16.xml><?xml version="1.0" encoding="utf-8"?>
 <p:sldLayout xmlns:a="http://schemas.openxmlformats.org/drawingml/2006/main" xmlns:r="http://schemas.openxmlformats.org/officeDocument/2006/relationships" xmlns:p="http://schemas.openxmlformats.org/presentationml/2006/main" type="vertTx" preserve="1">
   <p:cSld name="Title and Vertical Text">
     <p:spTree>
@@ -349,13 +2970,7 @@
       </p:grpSpPr>
       <p:sp>
         <p:nvSpPr>
-          <p:cNvPr id="2" name="Title 1">
-            <a:extLst>
-              <a:ext uri="{FF2B5EF4-FFF2-40B4-BE49-F238E27FC236}">
-                <a16:creationId xmlns:a16="http://schemas.microsoft.com/office/drawing/2014/main" id="{EF67A599-B13F-47D8-9C82-261B4B7A6E1C}"/>
-              </a:ext>
-            </a:extLst>
-          </p:cNvPr>
+          <p:cNvPr id="2" name="Title 1"/>
           <p:cNvSpPr>
             <a:spLocks noGrp="1"/>
           </p:cNvSpPr>
@@ -372,18 +2987,13 @@
               <a:rPr lang="en-US"/>
               <a:t>Click to edit Master title style</a:t>
             </a:r>
-          </a:p>
-        </p:txBody>
-      </p:sp>
-      <p:sp>
-        <p:nvSpPr>
-          <p:cNvPr id="3" name="Vertical Text Placeholder 2">
-            <a:extLst>
-              <a:ext uri="{FF2B5EF4-FFF2-40B4-BE49-F238E27FC236}">
-                <a16:creationId xmlns:a16="http://schemas.microsoft.com/office/drawing/2014/main" id="{97AAF59B-6804-49C5-9837-EEB3005B6F40}"/>
-              </a:ext>
-            </a:extLst>
-          </p:cNvPr>
+            <a:endParaRPr lang="en-US" dirty="0"/>
+          </a:p>
+        </p:txBody>
+      </p:sp>
+      <p:sp>
+        <p:nvSpPr>
+          <p:cNvPr id="3" name="Vertical Text Placeholder 2"/>
           <p:cNvSpPr>
             <a:spLocks noGrp="1"/>
           </p:cNvSpPr>
@@ -391,7 +3001,12 @@
             <p:ph type="body" orient="vert" idx="1"/>
           </p:nvPr>
         </p:nvSpPr>
-        <p:spPr/>
+        <p:spPr>
+          <a:xfrm>
+            <a:off x="685800" y="2194559"/>
+            <a:ext cx="10820400" cy="4024125"/>
+          </a:xfrm>
+        </p:spPr>
         <p:txBody>
           <a:bodyPr vert="eaVert"/>
           <a:lstStyle/>
@@ -429,18 +3044,13 @@
               <a:rPr lang="en-US"/>
               <a:t>Fifth level</a:t>
             </a:r>
-          </a:p>
-        </p:txBody>
-      </p:sp>
-      <p:sp>
-        <p:nvSpPr>
-          <p:cNvPr id="4" name="Date Placeholder 3">
-            <a:extLst>
-              <a:ext uri="{FF2B5EF4-FFF2-40B4-BE49-F238E27FC236}">
-                <a16:creationId xmlns:a16="http://schemas.microsoft.com/office/drawing/2014/main" id="{4A695DB5-6CA2-421B-A20D-15AA12C134D0}"/>
-              </a:ext>
-            </a:extLst>
-          </p:cNvPr>
+            <a:endParaRPr lang="en-US" dirty="0"/>
+          </a:p>
+        </p:txBody>
+      </p:sp>
+      <p:sp>
+        <p:nvSpPr>
+          <p:cNvPr id="4" name="Date Placeholder 3"/>
           <p:cNvSpPr>
             <a:spLocks noGrp="1"/>
           </p:cNvSpPr>
@@ -463,13 +3073,7 @@
       </p:sp>
       <p:sp>
         <p:nvSpPr>
-          <p:cNvPr id="5" name="Footer Placeholder 4">
-            <a:extLst>
-              <a:ext uri="{FF2B5EF4-FFF2-40B4-BE49-F238E27FC236}">
-                <a16:creationId xmlns:a16="http://schemas.microsoft.com/office/drawing/2014/main" id="{AA2F0F78-977C-48C4-914B-07B214D014DD}"/>
-              </a:ext>
-            </a:extLst>
-          </p:cNvPr>
+          <p:cNvPr id="5" name="Footer Placeholder 4"/>
           <p:cNvSpPr>
             <a:spLocks noGrp="1"/>
           </p:cNvSpPr>
@@ -488,13 +3092,7 @@
       </p:sp>
       <p:sp>
         <p:nvSpPr>
-          <p:cNvPr id="6" name="Slide Number Placeholder 5">
-            <a:extLst>
-              <a:ext uri="{FF2B5EF4-FFF2-40B4-BE49-F238E27FC236}">
-                <a16:creationId xmlns:a16="http://schemas.microsoft.com/office/drawing/2014/main" id="{AB056148-ED6A-4822-A289-4F4E51B3E740}"/>
-              </a:ext>
-            </a:extLst>
-          </p:cNvPr>
+          <p:cNvPr id="6" name="Slide Number Placeholder 5"/>
           <p:cNvSpPr>
             <a:spLocks noGrp="1"/>
           </p:cNvSpPr>
@@ -518,7 +3116,7 @@
     </p:spTree>
     <p:extLst>
       <p:ext uri="{BB962C8B-B14F-4D97-AF65-F5344CB8AC3E}">
-        <p14:creationId xmlns:p14="http://schemas.microsoft.com/office/powerpoint/2010/main" val="1617276287"/>
+        <p14:creationId xmlns:p14="http://schemas.microsoft.com/office/powerpoint/2010/main" val="3446364651"/>
       </p:ext>
     </p:extLst>
   </p:cSld>
@@ -528,8 +3126,8 @@
 </p:sldLayout>
 </file>
 
-<file path=ppt/slideLayouts/slideLayout11.xml><?xml version="1.0" encoding="utf-8"?>
-<p:sldLayout xmlns:a="http://schemas.openxmlformats.org/drawingml/2006/main" xmlns:r="http://schemas.openxmlformats.org/officeDocument/2006/relationships" xmlns:p="http://schemas.openxmlformats.org/presentationml/2006/main" type="vertTitleAndTx" preserve="1">
+<file path=ppt/slideLayouts/slideLayout17.xml><?xml version="1.0" encoding="utf-8"?>
+<p:sldLayout xmlns:a="http://schemas.openxmlformats.org/drawingml/2006/main" xmlns:r="http://schemas.openxmlformats.org/officeDocument/2006/relationships" xmlns:p="http://schemas.openxmlformats.org/presentationml/2006/main" showMasterSp="0" type="vertTitleAndTx" preserve="1">
   <p:cSld name="Vertical Title and Text">
     <p:spTree>
       <p:nvGrpSpPr>
@@ -545,15 +3143,39 @@
           <a:chExt cx="0" cy="0"/>
         </a:xfrm>
       </p:grpSpPr>
-      <p:sp>
-        <p:nvSpPr>
-          <p:cNvPr id="2" name="Vertical Title 1">
+      <p:pic>
+        <p:nvPicPr>
+          <p:cNvPr id="8" name="Picture 7" descr="C0-HD-BTM.png"/>
+          <p:cNvPicPr>
+            <a:picLocks noChangeAspect="1"/>
+          </p:cNvPicPr>
+          <p:nvPr/>
+        </p:nvPicPr>
+        <p:blipFill>
+          <a:blip r:embed="rId2">
             <a:extLst>
-              <a:ext uri="{FF2B5EF4-FFF2-40B4-BE49-F238E27FC236}">
-                <a16:creationId xmlns:a16="http://schemas.microsoft.com/office/drawing/2014/main" id="{062D523C-2F23-4C21-8DC9-DC248AF7EA68}"/>
+              <a:ext uri="{28A0092B-C50C-407E-A947-70E740481C1C}">
+                <a14:useLocalDpi xmlns:a14="http://schemas.microsoft.com/office/drawing/2010/main" val="0"/>
               </a:ext>
             </a:extLst>
-          </p:cNvPr>
+          </a:blip>
+          <a:stretch>
+            <a:fillRect/>
+          </a:stretch>
+        </p:blipFill>
+        <p:spPr>
+          <a:xfrm>
+            <a:off x="0" y="4375150"/>
+            <a:ext cx="12192000" cy="2482850"/>
+          </a:xfrm>
+          <a:prstGeom prst="rect">
+            <a:avLst/>
+          </a:prstGeom>
+        </p:spPr>
+      </p:pic>
+      <p:sp>
+        <p:nvSpPr>
+          <p:cNvPr id="2" name="Vertical Title 1"/>
           <p:cNvSpPr>
             <a:spLocks noGrp="1"/>
           </p:cNvSpPr>
@@ -563,30 +3185,29 @@
         </p:nvSpPr>
         <p:spPr>
           <a:xfrm>
-            <a:off x="8724900" y="365125"/>
-            <a:ext cx="2628900" cy="5811838"/>
+            <a:off x="9448800" y="745066"/>
+            <a:ext cx="2057400" cy="3903133"/>
           </a:xfrm>
         </p:spPr>
         <p:txBody>
           <a:bodyPr vert="eaVert"/>
-          <a:lstStyle/>
+          <a:lstStyle>
+            <a:lvl1pPr algn="l">
+              <a:defRPr/>
+            </a:lvl1pPr>
+          </a:lstStyle>
           <a:p>
             <a:r>
               <a:rPr lang="en-US"/>
               <a:t>Click to edit Master title style</a:t>
             </a:r>
-          </a:p>
-        </p:txBody>
-      </p:sp>
-      <p:sp>
-        <p:nvSpPr>
-          <p:cNvPr id="3" name="Vertical Text Placeholder 2">
-            <a:extLst>
-              <a:ext uri="{FF2B5EF4-FFF2-40B4-BE49-F238E27FC236}">
-                <a16:creationId xmlns:a16="http://schemas.microsoft.com/office/drawing/2014/main" id="{C88C1218-BC96-4069-920C-64EDA64C7DAE}"/>
-              </a:ext>
-            </a:extLst>
-          </p:cNvPr>
+            <a:endParaRPr lang="en-US" dirty="0"/>
+          </a:p>
+        </p:txBody>
+      </p:sp>
+      <p:sp>
+        <p:nvSpPr>
+          <p:cNvPr id="3" name="Vertical Text Placeholder 2"/>
           <p:cNvSpPr>
             <a:spLocks noGrp="1"/>
           </p:cNvSpPr>
@@ -596,8 +3217,8 @@
         </p:nvSpPr>
         <p:spPr>
           <a:xfrm>
-            <a:off x="838200" y="365125"/>
-            <a:ext cx="7734300" cy="5811838"/>
+            <a:off x="1024466" y="745067"/>
+            <a:ext cx="8204201" cy="3903133"/>
           </a:xfrm>
         </p:spPr>
         <p:txBody>
@@ -637,18 +3258,13 @@
               <a:rPr lang="en-US"/>
               <a:t>Fifth level</a:t>
             </a:r>
-          </a:p>
-        </p:txBody>
-      </p:sp>
-      <p:sp>
-        <p:nvSpPr>
-          <p:cNvPr id="4" name="Date Placeholder 3">
-            <a:extLst>
-              <a:ext uri="{FF2B5EF4-FFF2-40B4-BE49-F238E27FC236}">
-                <a16:creationId xmlns:a16="http://schemas.microsoft.com/office/drawing/2014/main" id="{1AB628AC-49D7-498E-9870-C8DEB457F909}"/>
-              </a:ext>
-            </a:extLst>
-          </p:cNvPr>
+            <a:endParaRPr lang="en-US" dirty="0"/>
+          </a:p>
+        </p:txBody>
+      </p:sp>
+      <p:sp>
+        <p:nvSpPr>
+          <p:cNvPr id="4" name="Date Placeholder 3"/>
           <p:cNvSpPr>
             <a:spLocks noGrp="1"/>
           </p:cNvSpPr>
@@ -656,10 +3272,19 @@
             <p:ph type="dt" sz="half" idx="10"/>
           </p:nvPr>
         </p:nvSpPr>
-        <p:spPr/>
-        <p:txBody>
-          <a:bodyPr/>
-          <a:lstStyle/>
+        <p:spPr>
+          <a:xfrm>
+            <a:off x="7814452" y="379941"/>
+            <a:ext cx="2910840" cy="365125"/>
+          </a:xfrm>
+        </p:spPr>
+        <p:txBody>
+          <a:bodyPr/>
+          <a:lstStyle>
+            <a:lvl1pPr algn="r">
+              <a:defRPr/>
+            </a:lvl1pPr>
+          </a:lstStyle>
           <a:p>
             <a:fld id="{553551EB-DD49-45C1-979F-B89F2B3F3E67}" type="datetimeFigureOut">
               <a:rPr lang="en-US" smtClean="0"/>
@@ -671,13 +3296,7 @@
       </p:sp>
       <p:sp>
         <p:nvSpPr>
-          <p:cNvPr id="5" name="Footer Placeholder 4">
-            <a:extLst>
-              <a:ext uri="{FF2B5EF4-FFF2-40B4-BE49-F238E27FC236}">
-                <a16:creationId xmlns:a16="http://schemas.microsoft.com/office/drawing/2014/main" id="{E524BC0F-2297-41F5-A1F2-639BCE8D4D55}"/>
-              </a:ext>
-            </a:extLst>
-          </p:cNvPr>
+          <p:cNvPr id="5" name="Footer Placeholder 4"/>
           <p:cNvSpPr>
             <a:spLocks noGrp="1"/>
           </p:cNvSpPr>
@@ -685,7 +3304,12 @@
             <p:ph type="ftr" sz="quarter" idx="11"/>
           </p:nvPr>
         </p:nvSpPr>
-        <p:spPr/>
+        <p:spPr>
+          <a:xfrm>
+            <a:off x="685800" y="381000"/>
+            <a:ext cx="6991492" cy="365125"/>
+          </a:xfrm>
+        </p:spPr>
         <p:txBody>
           <a:bodyPr/>
           <a:lstStyle/>
@@ -696,13 +3320,7 @@
       </p:sp>
       <p:sp>
         <p:nvSpPr>
-          <p:cNvPr id="6" name="Slide Number Placeholder 5">
-            <a:extLst>
-              <a:ext uri="{FF2B5EF4-FFF2-40B4-BE49-F238E27FC236}">
-                <a16:creationId xmlns:a16="http://schemas.microsoft.com/office/drawing/2014/main" id="{271148AC-41F4-4E64-9615-5FC0484120B7}"/>
-              </a:ext>
-            </a:extLst>
-          </p:cNvPr>
+          <p:cNvPr id="6" name="Slide Number Placeholder 5"/>
           <p:cNvSpPr>
             <a:spLocks noGrp="1"/>
           </p:cNvSpPr>
@@ -710,7 +3328,12 @@
             <p:ph type="sldNum" sz="quarter" idx="12"/>
           </p:nvPr>
         </p:nvSpPr>
-        <p:spPr/>
+        <p:spPr>
+          <a:xfrm>
+            <a:off x="10862452" y="381000"/>
+            <a:ext cx="643748" cy="365125"/>
+          </a:xfrm>
+        </p:spPr>
         <p:txBody>
           <a:bodyPr/>
           <a:lstStyle/>
@@ -726,7 +3349,7 @@
     </p:spTree>
     <p:extLst>
       <p:ext uri="{BB962C8B-B14F-4D97-AF65-F5344CB8AC3E}">
-        <p14:creationId xmlns:p14="http://schemas.microsoft.com/office/powerpoint/2010/main" val="3909576279"/>
+        <p14:creationId xmlns:p14="http://schemas.microsoft.com/office/powerpoint/2010/main" val="1196505950"/>
       </p:ext>
     </p:extLst>
   </p:cSld>
@@ -755,13 +3378,7 @@
       </p:grpSpPr>
       <p:sp>
         <p:nvSpPr>
-          <p:cNvPr id="2" name="Title 1">
-            <a:extLst>
-              <a:ext uri="{FF2B5EF4-FFF2-40B4-BE49-F238E27FC236}">
-                <a16:creationId xmlns:a16="http://schemas.microsoft.com/office/drawing/2014/main" id="{457EC45D-C625-4277-A8CA-30416822E729}"/>
-              </a:ext>
-            </a:extLst>
-          </p:cNvPr>
+          <p:cNvPr id="2" name="Title 1"/>
           <p:cNvSpPr>
             <a:spLocks noGrp="1"/>
           </p:cNvSpPr>
@@ -778,18 +3395,13 @@
               <a:rPr lang="en-US"/>
               <a:t>Click to edit Master title style</a:t>
             </a:r>
-          </a:p>
-        </p:txBody>
-      </p:sp>
-      <p:sp>
-        <p:nvSpPr>
-          <p:cNvPr id="3" name="Content Placeholder 2">
-            <a:extLst>
-              <a:ext uri="{FF2B5EF4-FFF2-40B4-BE49-F238E27FC236}">
-                <a16:creationId xmlns:a16="http://schemas.microsoft.com/office/drawing/2014/main" id="{9E285BF3-0A54-4C60-AD86-CEC477815417}"/>
-              </a:ext>
-            </a:extLst>
-          </p:cNvPr>
+            <a:endParaRPr lang="en-US" dirty="0"/>
+          </a:p>
+        </p:txBody>
+      </p:sp>
+      <p:sp>
+        <p:nvSpPr>
+          <p:cNvPr id="3" name="Content Placeholder 2"/>
           <p:cNvSpPr>
             <a:spLocks noGrp="1"/>
           </p:cNvSpPr>
@@ -835,18 +3447,13 @@
               <a:rPr lang="en-US"/>
               <a:t>Fifth level</a:t>
             </a:r>
-          </a:p>
-        </p:txBody>
-      </p:sp>
-      <p:sp>
-        <p:nvSpPr>
-          <p:cNvPr id="4" name="Date Placeholder 3">
-            <a:extLst>
-              <a:ext uri="{FF2B5EF4-FFF2-40B4-BE49-F238E27FC236}">
-                <a16:creationId xmlns:a16="http://schemas.microsoft.com/office/drawing/2014/main" id="{EE9E388D-03C2-4B24-BA2F-2449DC19CA09}"/>
-              </a:ext>
-            </a:extLst>
-          </p:cNvPr>
+            <a:endParaRPr lang="en-US" dirty="0"/>
+          </a:p>
+        </p:txBody>
+      </p:sp>
+      <p:sp>
+        <p:nvSpPr>
+          <p:cNvPr id="4" name="Date Placeholder 3"/>
           <p:cNvSpPr>
             <a:spLocks noGrp="1"/>
           </p:cNvSpPr>
@@ -869,13 +3476,7 @@
       </p:sp>
       <p:sp>
         <p:nvSpPr>
-          <p:cNvPr id="5" name="Footer Placeholder 4">
-            <a:extLst>
-              <a:ext uri="{FF2B5EF4-FFF2-40B4-BE49-F238E27FC236}">
-                <a16:creationId xmlns:a16="http://schemas.microsoft.com/office/drawing/2014/main" id="{35C8A98C-F151-4856-B8C2-94D48524F17C}"/>
-              </a:ext>
-            </a:extLst>
-          </p:cNvPr>
+          <p:cNvPr id="5" name="Footer Placeholder 4"/>
           <p:cNvSpPr>
             <a:spLocks noGrp="1"/>
           </p:cNvSpPr>
@@ -894,13 +3495,7 @@
       </p:sp>
       <p:sp>
         <p:nvSpPr>
-          <p:cNvPr id="6" name="Slide Number Placeholder 5">
-            <a:extLst>
-              <a:ext uri="{FF2B5EF4-FFF2-40B4-BE49-F238E27FC236}">
-                <a16:creationId xmlns:a16="http://schemas.microsoft.com/office/drawing/2014/main" id="{77E9D877-544D-4E21-A0E7-08A9ECCAAB65}"/>
-              </a:ext>
-            </a:extLst>
-          </p:cNvPr>
+          <p:cNvPr id="6" name="Slide Number Placeholder 5"/>
           <p:cNvSpPr>
             <a:spLocks noGrp="1"/>
           </p:cNvSpPr>
@@ -924,7 +3519,7 @@
     </p:spTree>
     <p:extLst>
       <p:ext uri="{BB962C8B-B14F-4D97-AF65-F5344CB8AC3E}">
-        <p14:creationId xmlns:p14="http://schemas.microsoft.com/office/powerpoint/2010/main" val="190006028"/>
+        <p14:creationId xmlns:p14="http://schemas.microsoft.com/office/powerpoint/2010/main" val="1041492360"/>
       </p:ext>
     </p:extLst>
   </p:cSld>
@@ -935,7 +3530,7 @@
 </file>
 
 <file path=ppt/slideLayouts/slideLayout3.xml><?xml version="1.0" encoding="utf-8"?>
-<p:sldLayout xmlns:a="http://schemas.openxmlformats.org/drawingml/2006/main" xmlns:r="http://schemas.openxmlformats.org/officeDocument/2006/relationships" xmlns:p="http://schemas.openxmlformats.org/presentationml/2006/main" type="secHead" preserve="1">
+<p:sldLayout xmlns:a="http://schemas.openxmlformats.org/drawingml/2006/main" xmlns:r="http://schemas.openxmlformats.org/officeDocument/2006/relationships" xmlns:p="http://schemas.openxmlformats.org/presentationml/2006/main" showMasterSp="0" type="secHead" preserve="1">
   <p:cSld name="Section Header">
     <p:spTree>
       <p:nvGrpSpPr>
@@ -951,15 +3546,39 @@
           <a:chExt cx="0" cy="0"/>
         </a:xfrm>
       </p:grpSpPr>
-      <p:sp>
-        <p:nvSpPr>
-          <p:cNvPr id="2" name="Title 1">
+      <p:pic>
+        <p:nvPicPr>
+          <p:cNvPr id="9" name="Picture 8" descr="C0-HD-BTM.png"/>
+          <p:cNvPicPr>
+            <a:picLocks noChangeAspect="1"/>
+          </p:cNvPicPr>
+          <p:nvPr/>
+        </p:nvPicPr>
+        <p:blipFill>
+          <a:blip r:embed="rId2">
             <a:extLst>
-              <a:ext uri="{FF2B5EF4-FFF2-40B4-BE49-F238E27FC236}">
-                <a16:creationId xmlns:a16="http://schemas.microsoft.com/office/drawing/2014/main" id="{98D7B457-FA77-4164-B0BB-D7FD1F3CB950}"/>
+              <a:ext uri="{28A0092B-C50C-407E-A947-70E740481C1C}">
+                <a14:useLocalDpi xmlns:a14="http://schemas.microsoft.com/office/drawing/2010/main" val="0"/>
               </a:ext>
             </a:extLst>
-          </p:cNvPr>
+          </a:blip>
+          <a:stretch>
+            <a:fillRect/>
+          </a:stretch>
+        </p:blipFill>
+        <p:spPr>
+          <a:xfrm>
+            <a:off x="0" y="4375150"/>
+            <a:ext cx="12192000" cy="2482850"/>
+          </a:xfrm>
+          <a:prstGeom prst="rect">
+            <a:avLst/>
+          </a:prstGeom>
+        </p:spPr>
+      </p:pic>
+      <p:sp>
+        <p:nvSpPr>
+          <p:cNvPr id="2" name="Title 1"/>
           <p:cNvSpPr>
             <a:spLocks noGrp="1"/>
           </p:cNvSpPr>
@@ -969,15 +3588,17 @@
         </p:nvSpPr>
         <p:spPr>
           <a:xfrm>
-            <a:off x="831850" y="1709738"/>
-            <a:ext cx="10515600" cy="2852737"/>
-          </a:xfrm>
-        </p:spPr>
-        <p:txBody>
-          <a:bodyPr anchor="b"/>
+            <a:off x="685800" y="753533"/>
+            <a:ext cx="10820399" cy="2801935"/>
+          </a:xfrm>
+        </p:spPr>
+        <p:txBody>
+          <a:bodyPr anchor="b">
+            <a:normAutofit/>
+          </a:bodyPr>
           <a:lstStyle>
-            <a:lvl1pPr>
-              <a:defRPr sz="6000"/>
+            <a:lvl1pPr algn="r">
+              <a:defRPr sz="4000"/>
             </a:lvl1pPr>
           </a:lstStyle>
           <a:p>
@@ -985,18 +3606,13 @@
               <a:rPr lang="en-US"/>
               <a:t>Click to edit Master title style</a:t>
             </a:r>
-          </a:p>
-        </p:txBody>
-      </p:sp>
-      <p:sp>
-        <p:nvSpPr>
-          <p:cNvPr id="3" name="Text Placeholder 2">
-            <a:extLst>
-              <a:ext uri="{FF2B5EF4-FFF2-40B4-BE49-F238E27FC236}">
-                <a16:creationId xmlns:a16="http://schemas.microsoft.com/office/drawing/2014/main" id="{0D44B55F-DE6C-489E-AC6E-F18F930AE640}"/>
-              </a:ext>
-            </a:extLst>
-          </p:cNvPr>
+            <a:endParaRPr lang="en-US" dirty="0"/>
+          </a:p>
+        </p:txBody>
+      </p:sp>
+      <p:sp>
+        <p:nvSpPr>
+          <p:cNvPr id="3" name="Text Placeholder 2"/>
           <p:cNvSpPr>
             <a:spLocks noGrp="1"/>
           </p:cNvSpPr>
@@ -1006,16 +3622,18 @@
         </p:nvSpPr>
         <p:spPr>
           <a:xfrm>
-            <a:off x="831850" y="4589463"/>
-            <a:ext cx="10515600" cy="1500187"/>
-          </a:xfrm>
-        </p:spPr>
-        <p:txBody>
-          <a:bodyPr/>
+            <a:off x="1024467" y="3641725"/>
+            <a:ext cx="10490200" cy="955675"/>
+          </a:xfrm>
+        </p:spPr>
+        <p:txBody>
+          <a:bodyPr>
+            <a:normAutofit/>
+          </a:bodyPr>
           <a:lstStyle>
-            <a:lvl1pPr marL="0" indent="0">
-              <a:buNone/>
-              <a:defRPr sz="2400">
+            <a:lvl1pPr marL="0" indent="0" algn="r">
+              <a:buNone/>
+              <a:defRPr sz="2200">
                 <a:solidFill>
                   <a:schemeClr val="tx1">
                     <a:tint val="75000"/>
@@ -1115,13 +3733,7 @@
       </p:sp>
       <p:sp>
         <p:nvSpPr>
-          <p:cNvPr id="4" name="Date Placeholder 3">
-            <a:extLst>
-              <a:ext uri="{FF2B5EF4-FFF2-40B4-BE49-F238E27FC236}">
-                <a16:creationId xmlns:a16="http://schemas.microsoft.com/office/drawing/2014/main" id="{A10C7D33-6AF3-450D-84BC-5C7383888753}"/>
-              </a:ext>
-            </a:extLst>
-          </p:cNvPr>
+          <p:cNvPr id="4" name="Date Placeholder 3"/>
           <p:cNvSpPr>
             <a:spLocks noGrp="1"/>
           </p:cNvSpPr>
@@ -1129,10 +3741,19 @@
             <p:ph type="dt" sz="half" idx="10"/>
           </p:nvPr>
         </p:nvSpPr>
-        <p:spPr/>
-        <p:txBody>
-          <a:bodyPr/>
-          <a:lstStyle/>
+        <p:spPr>
+          <a:xfrm>
+            <a:off x="7814452" y="381000"/>
+            <a:ext cx="2910840" cy="365125"/>
+          </a:xfrm>
+        </p:spPr>
+        <p:txBody>
+          <a:bodyPr/>
+          <a:lstStyle>
+            <a:lvl1pPr algn="r">
+              <a:defRPr/>
+            </a:lvl1pPr>
+          </a:lstStyle>
           <a:p>
             <a:fld id="{553551EB-DD49-45C1-979F-B89F2B3F3E67}" type="datetimeFigureOut">
               <a:rPr lang="en-US" smtClean="0"/>
@@ -1144,13 +3765,7 @@
       </p:sp>
       <p:sp>
         <p:nvSpPr>
-          <p:cNvPr id="5" name="Footer Placeholder 4">
-            <a:extLst>
-              <a:ext uri="{FF2B5EF4-FFF2-40B4-BE49-F238E27FC236}">
-                <a16:creationId xmlns:a16="http://schemas.microsoft.com/office/drawing/2014/main" id="{CB376AE7-26EA-4A32-A212-95C85E55F239}"/>
-              </a:ext>
-            </a:extLst>
-          </p:cNvPr>
+          <p:cNvPr id="5" name="Footer Placeholder 4"/>
           <p:cNvSpPr>
             <a:spLocks noGrp="1"/>
           </p:cNvSpPr>
@@ -1158,7 +3773,12 @@
             <p:ph type="ftr" sz="quarter" idx="11"/>
           </p:nvPr>
         </p:nvSpPr>
-        <p:spPr/>
+        <p:spPr>
+          <a:xfrm>
+            <a:off x="685800" y="381001"/>
+            <a:ext cx="6991492" cy="364065"/>
+          </a:xfrm>
+        </p:spPr>
         <p:txBody>
           <a:bodyPr/>
           <a:lstStyle/>
@@ -1169,13 +3789,7 @@
       </p:sp>
       <p:sp>
         <p:nvSpPr>
-          <p:cNvPr id="6" name="Slide Number Placeholder 5">
-            <a:extLst>
-              <a:ext uri="{FF2B5EF4-FFF2-40B4-BE49-F238E27FC236}">
-                <a16:creationId xmlns:a16="http://schemas.microsoft.com/office/drawing/2014/main" id="{A6C787BB-A381-4E42-8266-46EC0B1CB4B6}"/>
-              </a:ext>
-            </a:extLst>
-          </p:cNvPr>
+          <p:cNvPr id="6" name="Slide Number Placeholder 5"/>
           <p:cNvSpPr>
             <a:spLocks noGrp="1"/>
           </p:cNvSpPr>
@@ -1183,7 +3797,12 @@
             <p:ph type="sldNum" sz="quarter" idx="12"/>
           </p:nvPr>
         </p:nvSpPr>
-        <p:spPr/>
+        <p:spPr>
+          <a:xfrm>
+            <a:off x="10862452" y="381000"/>
+            <a:ext cx="643748" cy="365125"/>
+          </a:xfrm>
+        </p:spPr>
         <p:txBody>
           <a:bodyPr/>
           <a:lstStyle/>
@@ -1199,7 +3818,7 @@
     </p:spTree>
     <p:extLst>
       <p:ext uri="{BB962C8B-B14F-4D97-AF65-F5344CB8AC3E}">
-        <p14:creationId xmlns:p14="http://schemas.microsoft.com/office/powerpoint/2010/main" val="435828664"/>
+        <p14:creationId xmlns:p14="http://schemas.microsoft.com/office/powerpoint/2010/main" val="1835539941"/>
       </p:ext>
     </p:extLst>
   </p:cSld>
@@ -1228,13 +3847,7 @@
       </p:grpSpPr>
       <p:sp>
         <p:nvSpPr>
-          <p:cNvPr id="2" name="Title 1">
-            <a:extLst>
-              <a:ext uri="{FF2B5EF4-FFF2-40B4-BE49-F238E27FC236}">
-                <a16:creationId xmlns:a16="http://schemas.microsoft.com/office/drawing/2014/main" id="{827BF620-21D1-4184-BE77-55D6A1F69871}"/>
-              </a:ext>
-            </a:extLst>
-          </p:cNvPr>
+          <p:cNvPr id="2" name="Title 1"/>
           <p:cNvSpPr>
             <a:spLocks noGrp="1"/>
           </p:cNvSpPr>
@@ -1251,18 +3864,13 @@
               <a:rPr lang="en-US"/>
               <a:t>Click to edit Master title style</a:t>
             </a:r>
-          </a:p>
-        </p:txBody>
-      </p:sp>
-      <p:sp>
-        <p:nvSpPr>
-          <p:cNvPr id="3" name="Content Placeholder 2">
-            <a:extLst>
-              <a:ext uri="{FF2B5EF4-FFF2-40B4-BE49-F238E27FC236}">
-                <a16:creationId xmlns:a16="http://schemas.microsoft.com/office/drawing/2014/main" id="{A55CF4C5-067D-424A-A7FA-4DE0A2BD5B5A}"/>
-              </a:ext>
-            </a:extLst>
-          </p:cNvPr>
+            <a:endParaRPr lang="en-US" dirty="0"/>
+          </a:p>
+        </p:txBody>
+      </p:sp>
+      <p:sp>
+        <p:nvSpPr>
+          <p:cNvPr id="3" name="Content Placeholder 2"/>
           <p:cNvSpPr>
             <a:spLocks noGrp="1"/>
           </p:cNvSpPr>
@@ -1272,8 +3880,8 @@
         </p:nvSpPr>
         <p:spPr>
           <a:xfrm>
-            <a:off x="838200" y="1825625"/>
-            <a:ext cx="5181600" cy="4351338"/>
+            <a:off x="685800" y="2194559"/>
+            <a:ext cx="5334000" cy="4024125"/>
           </a:xfrm>
         </p:spPr>
         <p:txBody>
@@ -1313,18 +3921,13 @@
               <a:rPr lang="en-US"/>
               <a:t>Fifth level</a:t>
             </a:r>
-          </a:p>
-        </p:txBody>
-      </p:sp>
-      <p:sp>
-        <p:nvSpPr>
-          <p:cNvPr id="4" name="Content Placeholder 3">
-            <a:extLst>
-              <a:ext uri="{FF2B5EF4-FFF2-40B4-BE49-F238E27FC236}">
-                <a16:creationId xmlns:a16="http://schemas.microsoft.com/office/drawing/2014/main" id="{F89F76CD-5DFA-45FA-9D4B-B8F4CA9FFCEE}"/>
-              </a:ext>
-            </a:extLst>
-          </p:cNvPr>
+            <a:endParaRPr lang="en-US" dirty="0"/>
+          </a:p>
+        </p:txBody>
+      </p:sp>
+      <p:sp>
+        <p:nvSpPr>
+          <p:cNvPr id="4" name="Content Placeholder 3"/>
           <p:cNvSpPr>
             <a:spLocks noGrp="1"/>
           </p:cNvSpPr>
@@ -1334,8 +3937,8 @@
         </p:nvSpPr>
         <p:spPr>
           <a:xfrm>
-            <a:off x="6172200" y="1825625"/>
-            <a:ext cx="5181600" cy="4351338"/>
+            <a:off x="6172200" y="2194559"/>
+            <a:ext cx="5334000" cy="4024125"/>
           </a:xfrm>
         </p:spPr>
         <p:txBody>
@@ -1375,18 +3978,13 @@
               <a:rPr lang="en-US"/>
               <a:t>Fifth level</a:t>
             </a:r>
-          </a:p>
-        </p:txBody>
-      </p:sp>
-      <p:sp>
-        <p:nvSpPr>
-          <p:cNvPr id="5" name="Date Placeholder 4">
-            <a:extLst>
-              <a:ext uri="{FF2B5EF4-FFF2-40B4-BE49-F238E27FC236}">
-                <a16:creationId xmlns:a16="http://schemas.microsoft.com/office/drawing/2014/main" id="{802BE662-77FA-41D5-A2B6-A48E09C05EEA}"/>
-              </a:ext>
-            </a:extLst>
-          </p:cNvPr>
+            <a:endParaRPr lang="en-US" dirty="0"/>
+          </a:p>
+        </p:txBody>
+      </p:sp>
+      <p:sp>
+        <p:nvSpPr>
+          <p:cNvPr id="5" name="Date Placeholder 4"/>
           <p:cNvSpPr>
             <a:spLocks noGrp="1"/>
           </p:cNvSpPr>
@@ -1409,13 +4007,7 @@
       </p:sp>
       <p:sp>
         <p:nvSpPr>
-          <p:cNvPr id="6" name="Footer Placeholder 5">
-            <a:extLst>
-              <a:ext uri="{FF2B5EF4-FFF2-40B4-BE49-F238E27FC236}">
-                <a16:creationId xmlns:a16="http://schemas.microsoft.com/office/drawing/2014/main" id="{06D101F4-B1E5-484C-997E-38EF1A5FD5B2}"/>
-              </a:ext>
-            </a:extLst>
-          </p:cNvPr>
+          <p:cNvPr id="6" name="Footer Placeholder 5"/>
           <p:cNvSpPr>
             <a:spLocks noGrp="1"/>
           </p:cNvSpPr>
@@ -1434,13 +4026,7 @@
       </p:sp>
       <p:sp>
         <p:nvSpPr>
-          <p:cNvPr id="7" name="Slide Number Placeholder 6">
-            <a:extLst>
-              <a:ext uri="{FF2B5EF4-FFF2-40B4-BE49-F238E27FC236}">
-                <a16:creationId xmlns:a16="http://schemas.microsoft.com/office/drawing/2014/main" id="{AF216272-F9EE-4AEA-875A-27CE4DA3BCE3}"/>
-              </a:ext>
-            </a:extLst>
-          </p:cNvPr>
+          <p:cNvPr id="7" name="Slide Number Placeholder 6"/>
           <p:cNvSpPr>
             <a:spLocks noGrp="1"/>
           </p:cNvSpPr>
@@ -1464,7 +4050,7 @@
     </p:spTree>
     <p:extLst>
       <p:ext uri="{BB962C8B-B14F-4D97-AF65-F5344CB8AC3E}">
-        <p14:creationId xmlns:p14="http://schemas.microsoft.com/office/powerpoint/2010/main" val="2985505611"/>
+        <p14:creationId xmlns:p14="http://schemas.microsoft.com/office/powerpoint/2010/main" val="2024974387"/>
       </p:ext>
     </p:extLst>
   </p:cSld>
@@ -1493,13 +4079,7 @@
       </p:grpSpPr>
       <p:sp>
         <p:nvSpPr>
-          <p:cNvPr id="2" name="Title 1">
-            <a:extLst>
-              <a:ext uri="{FF2B5EF4-FFF2-40B4-BE49-F238E27FC236}">
-                <a16:creationId xmlns:a16="http://schemas.microsoft.com/office/drawing/2014/main" id="{286E277A-9177-460D-917A-F5C53D292608}"/>
-              </a:ext>
-            </a:extLst>
-          </p:cNvPr>
+          <p:cNvPr id="2" name="Title 1"/>
           <p:cNvSpPr>
             <a:spLocks noGrp="1"/>
           </p:cNvSpPr>
@@ -1509,8 +4089,8 @@
         </p:nvSpPr>
         <p:spPr>
           <a:xfrm>
-            <a:off x="839788" y="365125"/>
-            <a:ext cx="10515600" cy="1325563"/>
+            <a:off x="2895600" y="762000"/>
+            <a:ext cx="8610600" cy="1295400"/>
           </a:xfrm>
         </p:spPr>
         <p:txBody>
@@ -1521,18 +4101,13 @@
               <a:rPr lang="en-US"/>
               <a:t>Click to edit Master title style</a:t>
             </a:r>
-          </a:p>
-        </p:txBody>
-      </p:sp>
-      <p:sp>
-        <p:nvSpPr>
-          <p:cNvPr id="3" name="Text Placeholder 2">
-            <a:extLst>
-              <a:ext uri="{FF2B5EF4-FFF2-40B4-BE49-F238E27FC236}">
-                <a16:creationId xmlns:a16="http://schemas.microsoft.com/office/drawing/2014/main" id="{02DB9F2D-A76E-41C6-AC9F-B36948E79C43}"/>
-              </a:ext>
-            </a:extLst>
-          </p:cNvPr>
+            <a:endParaRPr lang="en-US" dirty="0"/>
+          </a:p>
+        </p:txBody>
+      </p:sp>
+      <p:sp>
+        <p:nvSpPr>
+          <p:cNvPr id="3" name="Text Placeholder 2"/>
           <p:cNvSpPr>
             <a:spLocks noGrp="1"/>
           </p:cNvSpPr>
@@ -1542,16 +4117,22 @@
         </p:nvSpPr>
         <p:spPr>
           <a:xfrm>
-            <a:off x="839788" y="1681163"/>
-            <a:ext cx="5157787" cy="823912"/>
-          </a:xfrm>
-        </p:spPr>
-        <p:txBody>
-          <a:bodyPr anchor="b"/>
+            <a:off x="914409" y="2183802"/>
+            <a:ext cx="5079991" cy="823912"/>
+          </a:xfrm>
+        </p:spPr>
+        <p:txBody>
+          <a:bodyPr anchor="b">
+            <a:normAutofit/>
+          </a:bodyPr>
           <a:lstStyle>
             <a:lvl1pPr marL="0" indent="0">
               <a:buNone/>
-              <a:defRPr sz="2400" b="1"/>
+              <a:defRPr sz="2800" b="0">
+                <a:solidFill>
+                  <a:schemeClr val="tx1"/>
+                </a:solidFill>
+              </a:defRPr>
             </a:lvl1pPr>
             <a:lvl2pPr marL="457200" indent="0">
               <a:buNone/>
@@ -1597,13 +4178,7 @@
       </p:sp>
       <p:sp>
         <p:nvSpPr>
-          <p:cNvPr id="4" name="Content Placeholder 3">
-            <a:extLst>
-              <a:ext uri="{FF2B5EF4-FFF2-40B4-BE49-F238E27FC236}">
-                <a16:creationId xmlns:a16="http://schemas.microsoft.com/office/drawing/2014/main" id="{DAE4DC3B-6401-4291-8942-E14C3758EC4E}"/>
-              </a:ext>
-            </a:extLst>
-          </p:cNvPr>
+          <p:cNvPr id="4" name="Content Placeholder 3"/>
           <p:cNvSpPr>
             <a:spLocks noGrp="1"/>
           </p:cNvSpPr>
@@ -1613,8 +4188,8 @@
         </p:nvSpPr>
         <p:spPr>
           <a:xfrm>
-            <a:off x="839788" y="2505075"/>
-            <a:ext cx="5157787" cy="3684588"/>
+            <a:off x="685800" y="3132666"/>
+            <a:ext cx="5311775" cy="3086019"/>
           </a:xfrm>
         </p:spPr>
         <p:txBody>
@@ -1654,18 +4229,13 @@
               <a:rPr lang="en-US"/>
               <a:t>Fifth level</a:t>
             </a:r>
-          </a:p>
-        </p:txBody>
-      </p:sp>
-      <p:sp>
-        <p:nvSpPr>
-          <p:cNvPr id="5" name="Text Placeholder 4">
-            <a:extLst>
-              <a:ext uri="{FF2B5EF4-FFF2-40B4-BE49-F238E27FC236}">
-                <a16:creationId xmlns:a16="http://schemas.microsoft.com/office/drawing/2014/main" id="{3C463D93-15BE-4830-9AE1-43A76053145B}"/>
-              </a:ext>
-            </a:extLst>
-          </p:cNvPr>
+            <a:endParaRPr lang="en-US" dirty="0"/>
+          </a:p>
+        </p:txBody>
+      </p:sp>
+      <p:sp>
+        <p:nvSpPr>
+          <p:cNvPr id="5" name="Text Placeholder 4"/>
           <p:cNvSpPr>
             <a:spLocks noGrp="1"/>
           </p:cNvSpPr>
@@ -1675,16 +4245,22 @@
         </p:nvSpPr>
         <p:spPr>
           <a:xfrm>
-            <a:off x="6172200" y="1681163"/>
-            <a:ext cx="5183188" cy="823912"/>
-          </a:xfrm>
-        </p:spPr>
-        <p:txBody>
-          <a:bodyPr anchor="b"/>
+            <a:off x="6400800" y="2183802"/>
+            <a:ext cx="5105400" cy="823912"/>
+          </a:xfrm>
+        </p:spPr>
+        <p:txBody>
+          <a:bodyPr anchor="b">
+            <a:normAutofit/>
+          </a:bodyPr>
           <a:lstStyle>
             <a:lvl1pPr marL="0" indent="0">
               <a:buNone/>
-              <a:defRPr sz="2400" b="1"/>
+              <a:defRPr sz="2800" b="0">
+                <a:solidFill>
+                  <a:schemeClr val="tx1"/>
+                </a:solidFill>
+              </a:defRPr>
             </a:lvl1pPr>
             <a:lvl2pPr marL="457200" indent="0">
               <a:buNone/>
@@ -1730,13 +4306,7 @@
       </p:sp>
       <p:sp>
         <p:nvSpPr>
-          <p:cNvPr id="6" name="Content Placeholder 5">
-            <a:extLst>
-              <a:ext uri="{FF2B5EF4-FFF2-40B4-BE49-F238E27FC236}">
-                <a16:creationId xmlns:a16="http://schemas.microsoft.com/office/drawing/2014/main" id="{208DE090-536D-4D08-8BC3-A3EAAA17CBAE}"/>
-              </a:ext>
-            </a:extLst>
-          </p:cNvPr>
+          <p:cNvPr id="6" name="Content Placeholder 5"/>
           <p:cNvSpPr>
             <a:spLocks noGrp="1"/>
           </p:cNvSpPr>
@@ -1746,8 +4316,8 @@
         </p:nvSpPr>
         <p:spPr>
           <a:xfrm>
-            <a:off x="6172200" y="2505075"/>
-            <a:ext cx="5183188" cy="3684588"/>
+            <a:off x="6172200" y="3132666"/>
+            <a:ext cx="5334000" cy="3086019"/>
           </a:xfrm>
         </p:spPr>
         <p:txBody>
@@ -1787,18 +4357,13 @@
               <a:rPr lang="en-US"/>
               <a:t>Fifth level</a:t>
             </a:r>
-          </a:p>
-        </p:txBody>
-      </p:sp>
-      <p:sp>
-        <p:nvSpPr>
-          <p:cNvPr id="7" name="Date Placeholder 6">
-            <a:extLst>
-              <a:ext uri="{FF2B5EF4-FFF2-40B4-BE49-F238E27FC236}">
-                <a16:creationId xmlns:a16="http://schemas.microsoft.com/office/drawing/2014/main" id="{8965BE28-1AD4-420B-8544-D33F1DFD1AD5}"/>
-              </a:ext>
-            </a:extLst>
-          </p:cNvPr>
+            <a:endParaRPr lang="en-US" dirty="0"/>
+          </a:p>
+        </p:txBody>
+      </p:sp>
+      <p:sp>
+        <p:nvSpPr>
+          <p:cNvPr id="7" name="Date Placeholder 6"/>
           <p:cNvSpPr>
             <a:spLocks noGrp="1"/>
           </p:cNvSpPr>
@@ -1821,13 +4386,7 @@
       </p:sp>
       <p:sp>
         <p:nvSpPr>
-          <p:cNvPr id="8" name="Footer Placeholder 7">
-            <a:extLst>
-              <a:ext uri="{FF2B5EF4-FFF2-40B4-BE49-F238E27FC236}">
-                <a16:creationId xmlns:a16="http://schemas.microsoft.com/office/drawing/2014/main" id="{A1FD99AE-7DAE-418F-BDF7-947294972CBB}"/>
-              </a:ext>
-            </a:extLst>
-          </p:cNvPr>
+          <p:cNvPr id="8" name="Footer Placeholder 7"/>
           <p:cNvSpPr>
             <a:spLocks noGrp="1"/>
           </p:cNvSpPr>
@@ -1846,13 +4405,7 @@
       </p:sp>
       <p:sp>
         <p:nvSpPr>
-          <p:cNvPr id="9" name="Slide Number Placeholder 8">
-            <a:extLst>
-              <a:ext uri="{FF2B5EF4-FFF2-40B4-BE49-F238E27FC236}">
-                <a16:creationId xmlns:a16="http://schemas.microsoft.com/office/drawing/2014/main" id="{DBE19192-BD26-4763-A8E5-FD6B72A87123}"/>
-              </a:ext>
-            </a:extLst>
-          </p:cNvPr>
+          <p:cNvPr id="9" name="Slide Number Placeholder 8"/>
           <p:cNvSpPr>
             <a:spLocks noGrp="1"/>
           </p:cNvSpPr>
@@ -1876,7 +4429,7 @@
     </p:spTree>
     <p:extLst>
       <p:ext uri="{BB962C8B-B14F-4D97-AF65-F5344CB8AC3E}">
-        <p14:creationId xmlns:p14="http://schemas.microsoft.com/office/powerpoint/2010/main" val="3579861120"/>
+        <p14:creationId xmlns:p14="http://schemas.microsoft.com/office/powerpoint/2010/main" val="2522021764"/>
       </p:ext>
     </p:extLst>
   </p:cSld>
@@ -1905,13 +4458,7 @@
       </p:grpSpPr>
       <p:sp>
         <p:nvSpPr>
-          <p:cNvPr id="2" name="Title 1">
-            <a:extLst>
-              <a:ext uri="{FF2B5EF4-FFF2-40B4-BE49-F238E27FC236}">
-                <a16:creationId xmlns:a16="http://schemas.microsoft.com/office/drawing/2014/main" id="{7AEEBD19-77F8-44EF-BF7B-5DCE472CDC38}"/>
-              </a:ext>
-            </a:extLst>
-          </p:cNvPr>
+          <p:cNvPr id="2" name="Title 1"/>
           <p:cNvSpPr>
             <a:spLocks noGrp="1"/>
           </p:cNvSpPr>
@@ -1928,18 +4475,13 @@
               <a:rPr lang="en-US"/>
               <a:t>Click to edit Master title style</a:t>
             </a:r>
-          </a:p>
-        </p:txBody>
-      </p:sp>
-      <p:sp>
-        <p:nvSpPr>
-          <p:cNvPr id="3" name="Date Placeholder 2">
-            <a:extLst>
-              <a:ext uri="{FF2B5EF4-FFF2-40B4-BE49-F238E27FC236}">
-                <a16:creationId xmlns:a16="http://schemas.microsoft.com/office/drawing/2014/main" id="{2A07A99C-1DB8-448D-8AD8-93470667545F}"/>
-              </a:ext>
-            </a:extLst>
-          </p:cNvPr>
+            <a:endParaRPr lang="en-US" dirty="0"/>
+          </a:p>
+        </p:txBody>
+      </p:sp>
+      <p:sp>
+        <p:nvSpPr>
+          <p:cNvPr id="3" name="Date Placeholder 2"/>
           <p:cNvSpPr>
             <a:spLocks noGrp="1"/>
           </p:cNvSpPr>
@@ -1962,13 +4504,7 @@
       </p:sp>
       <p:sp>
         <p:nvSpPr>
-          <p:cNvPr id="4" name="Footer Placeholder 3">
-            <a:extLst>
-              <a:ext uri="{FF2B5EF4-FFF2-40B4-BE49-F238E27FC236}">
-                <a16:creationId xmlns:a16="http://schemas.microsoft.com/office/drawing/2014/main" id="{6BEA45B9-2B70-4AC4-A6F9-EDC0127AE255}"/>
-              </a:ext>
-            </a:extLst>
-          </p:cNvPr>
+          <p:cNvPr id="4" name="Footer Placeholder 3"/>
           <p:cNvSpPr>
             <a:spLocks noGrp="1"/>
           </p:cNvSpPr>
@@ -1987,13 +4523,7 @@
       </p:sp>
       <p:sp>
         <p:nvSpPr>
-          <p:cNvPr id="5" name="Slide Number Placeholder 4">
-            <a:extLst>
-              <a:ext uri="{FF2B5EF4-FFF2-40B4-BE49-F238E27FC236}">
-                <a16:creationId xmlns:a16="http://schemas.microsoft.com/office/drawing/2014/main" id="{D6BFE143-054B-4BEB-AC67-0DE68A84CBB7}"/>
-              </a:ext>
-            </a:extLst>
-          </p:cNvPr>
+          <p:cNvPr id="5" name="Slide Number Placeholder 4"/>
           <p:cNvSpPr>
             <a:spLocks noGrp="1"/>
           </p:cNvSpPr>
@@ -2017,7 +4547,7 @@
     </p:spTree>
     <p:extLst>
       <p:ext uri="{BB962C8B-B14F-4D97-AF65-F5344CB8AC3E}">
-        <p14:creationId xmlns:p14="http://schemas.microsoft.com/office/powerpoint/2010/main" val="3764961665"/>
+        <p14:creationId xmlns:p14="http://schemas.microsoft.com/office/powerpoint/2010/main" val="2220482810"/>
       </p:ext>
     </p:extLst>
   </p:cSld>
@@ -2046,13 +4576,7 @@
       </p:grpSpPr>
       <p:sp>
         <p:nvSpPr>
-          <p:cNvPr id="2" name="Date Placeholder 1">
-            <a:extLst>
-              <a:ext uri="{FF2B5EF4-FFF2-40B4-BE49-F238E27FC236}">
-                <a16:creationId xmlns:a16="http://schemas.microsoft.com/office/drawing/2014/main" id="{D352F1C6-BC32-4D15-A082-42C832D4EFB9}"/>
-              </a:ext>
-            </a:extLst>
-          </p:cNvPr>
+          <p:cNvPr id="2" name="Date Placeholder 1"/>
           <p:cNvSpPr>
             <a:spLocks noGrp="1"/>
           </p:cNvSpPr>
@@ -2075,13 +4599,7 @@
       </p:sp>
       <p:sp>
         <p:nvSpPr>
-          <p:cNvPr id="3" name="Footer Placeholder 2">
-            <a:extLst>
-              <a:ext uri="{FF2B5EF4-FFF2-40B4-BE49-F238E27FC236}">
-                <a16:creationId xmlns:a16="http://schemas.microsoft.com/office/drawing/2014/main" id="{949AD78F-1958-48D2-A0A8-F8CA4A02F7C8}"/>
-              </a:ext>
-            </a:extLst>
-          </p:cNvPr>
+          <p:cNvPr id="3" name="Footer Placeholder 2"/>
           <p:cNvSpPr>
             <a:spLocks noGrp="1"/>
           </p:cNvSpPr>
@@ -2100,13 +4618,7 @@
       </p:sp>
       <p:sp>
         <p:nvSpPr>
-          <p:cNvPr id="4" name="Slide Number Placeholder 3">
-            <a:extLst>
-              <a:ext uri="{FF2B5EF4-FFF2-40B4-BE49-F238E27FC236}">
-                <a16:creationId xmlns:a16="http://schemas.microsoft.com/office/drawing/2014/main" id="{B06B6178-1DBF-4E15-A095-5EB69C4E5FC1}"/>
-              </a:ext>
-            </a:extLst>
-          </p:cNvPr>
+          <p:cNvPr id="4" name="Slide Number Placeholder 3"/>
           <p:cNvSpPr>
             <a:spLocks noGrp="1"/>
           </p:cNvSpPr>
@@ -2130,7 +4642,7 @@
     </p:spTree>
     <p:extLst>
       <p:ext uri="{BB962C8B-B14F-4D97-AF65-F5344CB8AC3E}">
-        <p14:creationId xmlns:p14="http://schemas.microsoft.com/office/powerpoint/2010/main" val="1447202963"/>
+        <p14:creationId xmlns:p14="http://schemas.microsoft.com/office/powerpoint/2010/main" val="3066389186"/>
       </p:ext>
     </p:extLst>
   </p:cSld>
@@ -2159,13 +4671,7 @@
       </p:grpSpPr>
       <p:sp>
         <p:nvSpPr>
-          <p:cNvPr id="2" name="Title 1">
-            <a:extLst>
-              <a:ext uri="{FF2B5EF4-FFF2-40B4-BE49-F238E27FC236}">
-                <a16:creationId xmlns:a16="http://schemas.microsoft.com/office/drawing/2014/main" id="{36259A4A-3705-4A23-A51B-28757F8255EE}"/>
-              </a:ext>
-            </a:extLst>
-          </p:cNvPr>
+          <p:cNvPr id="2" name="Title 1"/>
           <p:cNvSpPr>
             <a:spLocks noGrp="1"/>
           </p:cNvSpPr>
@@ -2175,14 +4681,14 @@
         </p:nvSpPr>
         <p:spPr>
           <a:xfrm>
-            <a:off x="839788" y="457200"/>
-            <a:ext cx="3932237" cy="1600200"/>
+            <a:off x="685800" y="1524000"/>
+            <a:ext cx="4114800" cy="1600200"/>
           </a:xfrm>
         </p:spPr>
         <p:txBody>
           <a:bodyPr anchor="b"/>
           <a:lstStyle>
-            <a:lvl1pPr>
+            <a:lvl1pPr algn="l">
               <a:defRPr sz="3200"/>
             </a:lvl1pPr>
           </a:lstStyle>
@@ -2191,18 +4697,13 @@
               <a:rPr lang="en-US"/>
               <a:t>Click to edit Master title style</a:t>
             </a:r>
-          </a:p>
-        </p:txBody>
-      </p:sp>
-      <p:sp>
-        <p:nvSpPr>
-          <p:cNvPr id="3" name="Content Placeholder 2">
-            <a:extLst>
-              <a:ext uri="{FF2B5EF4-FFF2-40B4-BE49-F238E27FC236}">
-                <a16:creationId xmlns:a16="http://schemas.microsoft.com/office/drawing/2014/main" id="{9F709F1E-FD87-4142-935C-EC98896C752C}"/>
-              </a:ext>
-            </a:extLst>
-          </p:cNvPr>
+            <a:endParaRPr lang="en-US" dirty="0"/>
+          </a:p>
+        </p:txBody>
+      </p:sp>
+      <p:sp>
+        <p:nvSpPr>
+          <p:cNvPr id="3" name="Content Placeholder 2"/>
           <p:cNvSpPr>
             <a:spLocks noGrp="1"/>
           </p:cNvSpPr>
@@ -2212,41 +4713,13 @@
         </p:nvSpPr>
         <p:spPr>
           <a:xfrm>
-            <a:off x="5183188" y="987425"/>
-            <a:ext cx="6172200" cy="4873625"/>
-          </a:xfrm>
-        </p:spPr>
-        <p:txBody>
-          <a:bodyPr/>
-          <a:lstStyle>
-            <a:lvl1pPr>
-              <a:defRPr sz="3200"/>
-            </a:lvl1pPr>
-            <a:lvl2pPr>
-              <a:defRPr sz="2800"/>
-            </a:lvl2pPr>
-            <a:lvl3pPr>
-              <a:defRPr sz="2400"/>
-            </a:lvl3pPr>
-            <a:lvl4pPr>
-              <a:defRPr sz="2000"/>
-            </a:lvl4pPr>
-            <a:lvl5pPr>
-              <a:defRPr sz="2000"/>
-            </a:lvl5pPr>
-            <a:lvl6pPr>
-              <a:defRPr sz="2000"/>
-            </a:lvl6pPr>
-            <a:lvl7pPr>
-              <a:defRPr sz="2000"/>
-            </a:lvl7pPr>
-            <a:lvl8pPr>
-              <a:defRPr sz="2000"/>
-            </a:lvl8pPr>
-            <a:lvl9pPr>
-              <a:defRPr sz="2000"/>
-            </a:lvl9pPr>
-          </a:lstStyle>
+            <a:off x="4995582" y="746759"/>
+            <a:ext cx="6510618" cy="5471925"/>
+          </a:xfrm>
+        </p:spPr>
+        <p:txBody>
+          <a:bodyPr anchor="ctr"/>
+          <a:lstStyle/>
           <a:p>
             <a:pPr lvl="0"/>
             <a:r>
@@ -2281,18 +4754,13 @@
               <a:rPr lang="en-US"/>
               <a:t>Fifth level</a:t>
             </a:r>
-          </a:p>
-        </p:txBody>
-      </p:sp>
-      <p:sp>
-        <p:nvSpPr>
-          <p:cNvPr id="4" name="Text Placeholder 3">
-            <a:extLst>
-              <a:ext uri="{FF2B5EF4-FFF2-40B4-BE49-F238E27FC236}">
-                <a16:creationId xmlns:a16="http://schemas.microsoft.com/office/drawing/2014/main" id="{5ACB9B4A-AF20-41D5-B6E8-795417704351}"/>
-              </a:ext>
-            </a:extLst>
-          </p:cNvPr>
+            <a:endParaRPr lang="en-US" dirty="0"/>
+          </a:p>
+        </p:txBody>
+      </p:sp>
+      <p:sp>
+        <p:nvSpPr>
+          <p:cNvPr id="4" name="Text Placeholder 3"/>
           <p:cNvSpPr>
             <a:spLocks noGrp="1"/>
           </p:cNvSpPr>
@@ -2302,8 +4770,8 @@
         </p:nvSpPr>
         <p:spPr>
           <a:xfrm>
-            <a:off x="839788" y="2057400"/>
-            <a:ext cx="3932237" cy="3811588"/>
+            <a:off x="685800" y="3124199"/>
+            <a:ext cx="4114800" cy="3094485"/>
           </a:xfrm>
         </p:spPr>
         <p:txBody>
@@ -2357,13 +4825,7 @@
       </p:sp>
       <p:sp>
         <p:nvSpPr>
-          <p:cNvPr id="5" name="Date Placeholder 4">
-            <a:extLst>
-              <a:ext uri="{FF2B5EF4-FFF2-40B4-BE49-F238E27FC236}">
-                <a16:creationId xmlns:a16="http://schemas.microsoft.com/office/drawing/2014/main" id="{DD29384A-0ABF-45ED-84BA-131B593FFECF}"/>
-              </a:ext>
-            </a:extLst>
-          </p:cNvPr>
+          <p:cNvPr id="5" name="Date Placeholder 4"/>
           <p:cNvSpPr>
             <a:spLocks noGrp="1"/>
           </p:cNvSpPr>
@@ -2386,13 +4848,7 @@
       </p:sp>
       <p:sp>
         <p:nvSpPr>
-          <p:cNvPr id="6" name="Footer Placeholder 5">
-            <a:extLst>
-              <a:ext uri="{FF2B5EF4-FFF2-40B4-BE49-F238E27FC236}">
-                <a16:creationId xmlns:a16="http://schemas.microsoft.com/office/drawing/2014/main" id="{5E6F0E65-46CE-4143-968C-4561903A13A0}"/>
-              </a:ext>
-            </a:extLst>
-          </p:cNvPr>
+          <p:cNvPr id="6" name="Footer Placeholder 5"/>
           <p:cNvSpPr>
             <a:spLocks noGrp="1"/>
           </p:cNvSpPr>
@@ -2411,13 +4867,7 @@
       </p:sp>
       <p:sp>
         <p:nvSpPr>
-          <p:cNvPr id="7" name="Slide Number Placeholder 6">
-            <a:extLst>
-              <a:ext uri="{FF2B5EF4-FFF2-40B4-BE49-F238E27FC236}">
-                <a16:creationId xmlns:a16="http://schemas.microsoft.com/office/drawing/2014/main" id="{55234D8A-33FE-4A1B-9D0C-196F5CBC3C15}"/>
-              </a:ext>
-            </a:extLst>
-          </p:cNvPr>
+          <p:cNvPr id="7" name="Slide Number Placeholder 6"/>
           <p:cNvSpPr>
             <a:spLocks noGrp="1"/>
           </p:cNvSpPr>
@@ -2441,7 +4891,7 @@
     </p:spTree>
     <p:extLst>
       <p:ext uri="{BB962C8B-B14F-4D97-AF65-F5344CB8AC3E}">
-        <p14:creationId xmlns:p14="http://schemas.microsoft.com/office/powerpoint/2010/main" val="1754491369"/>
+        <p14:creationId xmlns:p14="http://schemas.microsoft.com/office/powerpoint/2010/main" val="521292685"/>
       </p:ext>
     </p:extLst>
   </p:cSld>
@@ -2470,13 +4920,7 @@
       </p:grpSpPr>
       <p:sp>
         <p:nvSpPr>
-          <p:cNvPr id="2" name="Title 1">
-            <a:extLst>
-              <a:ext uri="{FF2B5EF4-FFF2-40B4-BE49-F238E27FC236}">
-                <a16:creationId xmlns:a16="http://schemas.microsoft.com/office/drawing/2014/main" id="{C3AECA03-F93A-48BC-87B6-305A5CB6A2CA}"/>
-              </a:ext>
-            </a:extLst>
-          </p:cNvPr>
+          <p:cNvPr id="2" name="Title 1"/>
           <p:cNvSpPr>
             <a:spLocks noGrp="1"/>
           </p:cNvSpPr>
@@ -2486,14 +4930,14 @@
         </p:nvSpPr>
         <p:spPr>
           <a:xfrm>
-            <a:off x="839788" y="457200"/>
-            <a:ext cx="3932237" cy="1600200"/>
+            <a:off x="685800" y="1524000"/>
+            <a:ext cx="6873240" cy="1600200"/>
           </a:xfrm>
         </p:spPr>
         <p:txBody>
           <a:bodyPr anchor="b"/>
           <a:lstStyle>
-            <a:lvl1pPr>
+            <a:lvl1pPr algn="l">
               <a:defRPr sz="3200"/>
             </a:lvl1pPr>
           </a:lstStyle>
@@ -2502,20 +4946,15 @@
               <a:rPr lang="en-US"/>
               <a:t>Click to edit Master title style</a:t>
             </a:r>
-          </a:p>
-        </p:txBody>
-      </p:sp>
-      <p:sp>
-        <p:nvSpPr>
-          <p:cNvPr id="3" name="Picture Placeholder 2">
-            <a:extLst>
-              <a:ext uri="{FF2B5EF4-FFF2-40B4-BE49-F238E27FC236}">
-                <a16:creationId xmlns:a16="http://schemas.microsoft.com/office/drawing/2014/main" id="{B675E4D7-E217-402C-BC14-87C241EB30D1}"/>
-              </a:ext>
-            </a:extLst>
-          </p:cNvPr>
-          <p:cNvSpPr>
-            <a:spLocks noGrp="1"/>
+            <a:endParaRPr lang="en-US" dirty="0"/>
+          </a:p>
+        </p:txBody>
+      </p:sp>
+      <p:sp>
+        <p:nvSpPr>
+          <p:cNvPr id="3" name="Picture Placeholder 2"/>
+          <p:cNvSpPr>
+            <a:spLocks noGrp="1" noChangeAspect="1"/>
           </p:cNvSpPr>
           <p:nvPr>
             <p:ph type="pic" idx="1"/>
@@ -2523,12 +4962,12 @@
         </p:nvSpPr>
         <p:spPr>
           <a:xfrm>
-            <a:off x="5183188" y="987425"/>
-            <a:ext cx="6172200" cy="4873625"/>
-          </a:xfrm>
-        </p:spPr>
-        <p:txBody>
-          <a:bodyPr/>
+            <a:off x="7861238" y="751241"/>
+            <a:ext cx="3644962" cy="5467443"/>
+          </a:xfrm>
+        </p:spPr>
+        <p:txBody>
+          <a:bodyPr anchor="t"/>
           <a:lstStyle>
             <a:lvl1pPr marL="0" indent="0">
               <a:buNone/>
@@ -2568,19 +5007,17 @@
             </a:lvl9pPr>
           </a:lstStyle>
           <a:p>
-            <a:endParaRPr lang="en-US"/>
-          </a:p>
-        </p:txBody>
-      </p:sp>
-      <p:sp>
-        <p:nvSpPr>
-          <p:cNvPr id="4" name="Text Placeholder 3">
-            <a:extLst>
-              <a:ext uri="{FF2B5EF4-FFF2-40B4-BE49-F238E27FC236}">
-                <a16:creationId xmlns:a16="http://schemas.microsoft.com/office/drawing/2014/main" id="{1C633F6D-E72E-4CB6-9533-DC702A34B599}"/>
-              </a:ext>
-            </a:extLst>
-          </p:cNvPr>
+            <a:r>
+              <a:rPr lang="en-US"/>
+              <a:t>Click icon to add picture</a:t>
+            </a:r>
+            <a:endParaRPr lang="en-US" dirty="0"/>
+          </a:p>
+        </p:txBody>
+      </p:sp>
+      <p:sp>
+        <p:nvSpPr>
+          <p:cNvPr id="4" name="Text Placeholder 3"/>
           <p:cNvSpPr>
             <a:spLocks noGrp="1"/>
           </p:cNvSpPr>
@@ -2590,8 +5027,8 @@
         </p:nvSpPr>
         <p:spPr>
           <a:xfrm>
-            <a:off x="839788" y="2057400"/>
-            <a:ext cx="3932237" cy="3811588"/>
+            <a:off x="685800" y="3124199"/>
+            <a:ext cx="6873240" cy="3094485"/>
           </a:xfrm>
         </p:spPr>
         <p:txBody>
@@ -2645,13 +5082,7 @@
       </p:sp>
       <p:sp>
         <p:nvSpPr>
-          <p:cNvPr id="5" name="Date Placeholder 4">
-            <a:extLst>
-              <a:ext uri="{FF2B5EF4-FFF2-40B4-BE49-F238E27FC236}">
-                <a16:creationId xmlns:a16="http://schemas.microsoft.com/office/drawing/2014/main" id="{456B295A-170C-4F54-8B53-99EA35CF092F}"/>
-              </a:ext>
-            </a:extLst>
-          </p:cNvPr>
+          <p:cNvPr id="5" name="Date Placeholder 4"/>
           <p:cNvSpPr>
             <a:spLocks noGrp="1"/>
           </p:cNvSpPr>
@@ -2674,13 +5105,7 @@
       </p:sp>
       <p:sp>
         <p:nvSpPr>
-          <p:cNvPr id="6" name="Footer Placeholder 5">
-            <a:extLst>
-              <a:ext uri="{FF2B5EF4-FFF2-40B4-BE49-F238E27FC236}">
-                <a16:creationId xmlns:a16="http://schemas.microsoft.com/office/drawing/2014/main" id="{638E0BF7-A26D-4068-8896-95D63B7397B3}"/>
-              </a:ext>
-            </a:extLst>
-          </p:cNvPr>
+          <p:cNvPr id="6" name="Footer Placeholder 5"/>
           <p:cNvSpPr>
             <a:spLocks noGrp="1"/>
           </p:cNvSpPr>
@@ -2699,13 +5124,7 @@
       </p:sp>
       <p:sp>
         <p:nvSpPr>
-          <p:cNvPr id="7" name="Slide Number Placeholder 6">
-            <a:extLst>
-              <a:ext uri="{FF2B5EF4-FFF2-40B4-BE49-F238E27FC236}">
-                <a16:creationId xmlns:a16="http://schemas.microsoft.com/office/drawing/2014/main" id="{AA6C5B53-644C-4DBF-AF79-2D04B4B16190}"/>
-              </a:ext>
-            </a:extLst>
-          </p:cNvPr>
+          <p:cNvPr id="7" name="Slide Number Placeholder 6"/>
           <p:cNvSpPr>
             <a:spLocks noGrp="1"/>
           </p:cNvSpPr>
@@ -2729,7 +5148,7 @@
     </p:spTree>
     <p:extLst>
       <p:ext uri="{BB962C8B-B14F-4D97-AF65-F5344CB8AC3E}">
-        <p14:creationId xmlns:p14="http://schemas.microsoft.com/office/powerpoint/2010/main" val="3412533415"/>
+        <p14:creationId xmlns:p14="http://schemas.microsoft.com/office/powerpoint/2010/main" val="4288467633"/>
       </p:ext>
     </p:extLst>
   </p:cSld>
@@ -2761,31 +5180,55 @@
           <a:chExt cx="0" cy="0"/>
         </a:xfrm>
       </p:grpSpPr>
-      <p:sp>
-        <p:nvSpPr>
-          <p:cNvPr id="2" name="Title Placeholder 1">
+      <p:pic>
+        <p:nvPicPr>
+          <p:cNvPr id="7" name="Picture 6" descr="C0-HD-TOP.png"/>
+          <p:cNvPicPr>
+            <a:picLocks noChangeAspect="1"/>
+          </p:cNvPicPr>
+          <p:nvPr/>
+        </p:nvPicPr>
+        <p:blipFill>
+          <a:blip r:embed="rId19">
             <a:extLst>
-              <a:ext uri="{FF2B5EF4-FFF2-40B4-BE49-F238E27FC236}">
-                <a16:creationId xmlns:a16="http://schemas.microsoft.com/office/drawing/2014/main" id="{EF246972-77AB-4989-8D7F-9CFD3254F4B4}"/>
+              <a:ext uri="{28A0092B-C50C-407E-A947-70E740481C1C}">
+                <a14:useLocalDpi xmlns:a14="http://schemas.microsoft.com/office/drawing/2010/main" val="0"/>
               </a:ext>
             </a:extLst>
-          </p:cNvPr>
-          <p:cNvSpPr>
-            <a:spLocks noGrp="1"/>
-          </p:cNvSpPr>
-          <p:nvPr>
-            <p:ph type="title"/>
-          </p:nvPr>
-        </p:nvSpPr>
-        <p:spPr>
-          <a:xfrm>
-            <a:off x="838200" y="365125"/>
-            <a:ext cx="10515600" cy="1325563"/>
+          </a:blip>
+          <a:stretch>
+            <a:fillRect/>
+          </a:stretch>
+        </p:blipFill>
+        <p:spPr>
+          <a:xfrm>
+            <a:off x="0" y="0"/>
+            <a:ext cx="12192000" cy="1441450"/>
           </a:xfrm>
           <a:prstGeom prst="rect">
             <a:avLst/>
           </a:prstGeom>
         </p:spPr>
+      </p:pic>
+      <p:sp>
+        <p:nvSpPr>
+          <p:cNvPr id="2" name="Title Placeholder 1"/>
+          <p:cNvSpPr>
+            <a:spLocks noGrp="1"/>
+          </p:cNvSpPr>
+          <p:nvPr>
+            <p:ph type="title"/>
+          </p:nvPr>
+        </p:nvSpPr>
+        <p:spPr>
+          <a:xfrm>
+            <a:off x="2895600" y="764373"/>
+            <a:ext cx="8610600" cy="1293028"/>
+          </a:xfrm>
+          <a:prstGeom prst="rect">
+            <a:avLst/>
+          </a:prstGeom>
+        </p:spPr>
         <p:txBody>
           <a:bodyPr vert="horz" lIns="91440" tIns="45720" rIns="91440" bIns="45720" rtlCol="0" anchor="ctr">
             <a:normAutofit/>
@@ -2796,18 +5239,13 @@
               <a:rPr lang="en-US"/>
               <a:t>Click to edit Master title style</a:t>
             </a:r>
-          </a:p>
-        </p:txBody>
-      </p:sp>
-      <p:sp>
-        <p:nvSpPr>
-          <p:cNvPr id="3" name="Text Placeholder 2">
-            <a:extLst>
-              <a:ext uri="{FF2B5EF4-FFF2-40B4-BE49-F238E27FC236}">
-                <a16:creationId xmlns:a16="http://schemas.microsoft.com/office/drawing/2014/main" id="{C40375F9-381F-4224-9A9B-4E077AFACEA7}"/>
-              </a:ext>
-            </a:extLst>
-          </p:cNvPr>
+            <a:endParaRPr lang="en-US" dirty="0"/>
+          </a:p>
+        </p:txBody>
+      </p:sp>
+      <p:sp>
+        <p:nvSpPr>
+          <p:cNvPr id="3" name="Text Placeholder 2"/>
           <p:cNvSpPr>
             <a:spLocks noGrp="1"/>
           </p:cNvSpPr>
@@ -2817,8 +5255,8 @@
         </p:nvSpPr>
         <p:spPr>
           <a:xfrm>
-            <a:off x="838200" y="1825625"/>
-            <a:ext cx="10515600" cy="4351338"/>
+            <a:off x="685800" y="2194560"/>
+            <a:ext cx="10820400" cy="4024125"/>
           </a:xfrm>
           <a:prstGeom prst="rect">
             <a:avLst/>
@@ -2863,18 +5301,13 @@
               <a:rPr lang="en-US"/>
               <a:t>Fifth level</a:t>
             </a:r>
-          </a:p>
-        </p:txBody>
-      </p:sp>
-      <p:sp>
-        <p:nvSpPr>
-          <p:cNvPr id="4" name="Date Placeholder 3">
-            <a:extLst>
-              <a:ext uri="{FF2B5EF4-FFF2-40B4-BE49-F238E27FC236}">
-                <a16:creationId xmlns:a16="http://schemas.microsoft.com/office/drawing/2014/main" id="{9107C0A8-4CB3-45DC-B6B7-9EC1A794753D}"/>
-              </a:ext>
-            </a:extLst>
-          </p:cNvPr>
+            <a:endParaRPr lang="en-US" dirty="0"/>
+          </a:p>
+        </p:txBody>
+      </p:sp>
+      <p:sp>
+        <p:nvSpPr>
+          <p:cNvPr id="4" name="Date Placeholder 3"/>
           <p:cNvSpPr>
             <a:spLocks noGrp="1"/>
           </p:cNvSpPr>
@@ -2884,8 +5317,8 @@
         </p:nvSpPr>
         <p:spPr>
           <a:xfrm>
-            <a:off x="838200" y="6356350"/>
-            <a:ext cx="2743200" cy="365125"/>
+            <a:off x="8595360" y="6356350"/>
+            <a:ext cx="2910840" cy="365125"/>
           </a:xfrm>
           <a:prstGeom prst="rect">
             <a:avLst/>
@@ -2894,8 +5327,8 @@
         <p:txBody>
           <a:bodyPr vert="horz" lIns="91440" tIns="45720" rIns="91440" bIns="45720" rtlCol="0" anchor="ctr"/>
           <a:lstStyle>
-            <a:lvl1pPr algn="l">
-              <a:defRPr sz="1200">
+            <a:lvl1pPr algn="r">
+              <a:defRPr sz="1050">
                 <a:solidFill>
                   <a:schemeClr val="tx1">
                     <a:tint val="75000"/>
@@ -2915,13 +5348,7 @@
       </p:sp>
       <p:sp>
         <p:nvSpPr>
-          <p:cNvPr id="5" name="Footer Placeholder 4">
-            <a:extLst>
-              <a:ext uri="{FF2B5EF4-FFF2-40B4-BE49-F238E27FC236}">
-                <a16:creationId xmlns:a16="http://schemas.microsoft.com/office/drawing/2014/main" id="{75C5BFF5-FA89-430A-B3D0-60CC6FB2AB62}"/>
-              </a:ext>
-            </a:extLst>
-          </p:cNvPr>
+          <p:cNvPr id="5" name="Footer Placeholder 4"/>
           <p:cNvSpPr>
             <a:spLocks noGrp="1"/>
           </p:cNvSpPr>
@@ -2931,8 +5358,8 @@
         </p:nvSpPr>
         <p:spPr>
           <a:xfrm>
-            <a:off x="4038600" y="6356350"/>
-            <a:ext cx="4114800" cy="365125"/>
+            <a:off x="685800" y="6355845"/>
+            <a:ext cx="7772400" cy="365125"/>
           </a:xfrm>
           <a:prstGeom prst="rect">
             <a:avLst/>
@@ -2941,8 +5368,8 @@
         <p:txBody>
           <a:bodyPr vert="horz" lIns="91440" tIns="45720" rIns="91440" bIns="45720" rtlCol="0" anchor="ctr"/>
           <a:lstStyle>
-            <a:lvl1pPr algn="ctr">
-              <a:defRPr sz="1200">
+            <a:lvl1pPr algn="l">
+              <a:defRPr sz="1050">
                 <a:solidFill>
                   <a:schemeClr val="tx1">
                     <a:tint val="75000"/>
@@ -2958,13 +5385,7 @@
       </p:sp>
       <p:sp>
         <p:nvSpPr>
-          <p:cNvPr id="6" name="Slide Number Placeholder 5">
-            <a:extLst>
-              <a:ext uri="{FF2B5EF4-FFF2-40B4-BE49-F238E27FC236}">
-                <a16:creationId xmlns:a16="http://schemas.microsoft.com/office/drawing/2014/main" id="{9288F0E6-A2D6-49A4-AAAB-B13DA712B404}"/>
-              </a:ext>
-            </a:extLst>
-          </p:cNvPr>
+          <p:cNvPr id="6" name="Slide Number Placeholder 5"/>
           <p:cNvSpPr>
             <a:spLocks noGrp="1"/>
           </p:cNvSpPr>
@@ -2974,7 +5395,7 @@
         </p:nvSpPr>
         <p:spPr>
           <a:xfrm>
-            <a:off x="8610600" y="6356350"/>
+            <a:off x="8763000" y="381000"/>
             <a:ext cx="2743200" cy="365125"/>
           </a:xfrm>
           <a:prstGeom prst="rect">
@@ -2985,7 +5406,7 @@
           <a:bodyPr vert="horz" lIns="91440" tIns="45720" rIns="91440" bIns="45720" rtlCol="0" anchor="ctr"/>
           <a:lstStyle>
             <a:lvl1pPr algn="r">
-              <a:defRPr sz="1200">
+              <a:defRPr sz="1050">
                 <a:solidFill>
                   <a:schemeClr val="tx1">
                     <a:tint val="75000"/>
@@ -3006,27 +5427,33 @@
     </p:spTree>
     <p:extLst>
       <p:ext uri="{BB962C8B-B14F-4D97-AF65-F5344CB8AC3E}">
-        <p14:creationId xmlns:p14="http://schemas.microsoft.com/office/powerpoint/2010/main" val="3753718398"/>
+        <p14:creationId xmlns:p14="http://schemas.microsoft.com/office/powerpoint/2010/main" val="3511709423"/>
       </p:ext>
     </p:extLst>
   </p:cSld>
-  <p:clrMap bg1="lt1" tx1="dk1" bg2="lt2" tx2="dk2" accent1="accent1" accent2="accent2" accent3="accent3" accent4="accent4" accent5="accent5" accent6="accent6" hlink="hlink" folHlink="folHlink"/>
+  <p:clrMap bg1="dk1" tx1="lt1" bg2="dk2" tx2="lt2" accent1="accent1" accent2="accent2" accent3="accent3" accent4="accent4" accent5="accent5" accent6="accent6" hlink="hlink" folHlink="folHlink"/>
   <p:sldLayoutIdLst>
-    <p:sldLayoutId id="2147483649" r:id="rId1"/>
-    <p:sldLayoutId id="2147483650" r:id="rId2"/>
-    <p:sldLayoutId id="2147483651" r:id="rId3"/>
-    <p:sldLayoutId id="2147483652" r:id="rId4"/>
-    <p:sldLayoutId id="2147483653" r:id="rId5"/>
-    <p:sldLayoutId id="2147483654" r:id="rId6"/>
-    <p:sldLayoutId id="2147483655" r:id="rId7"/>
-    <p:sldLayoutId id="2147483656" r:id="rId8"/>
-    <p:sldLayoutId id="2147483657" r:id="rId9"/>
-    <p:sldLayoutId id="2147483658" r:id="rId10"/>
-    <p:sldLayoutId id="2147483659" r:id="rId11"/>
+    <p:sldLayoutId id="2147483702" r:id="rId1"/>
+    <p:sldLayoutId id="2147483703" r:id="rId2"/>
+    <p:sldLayoutId id="2147483704" r:id="rId3"/>
+    <p:sldLayoutId id="2147483705" r:id="rId4"/>
+    <p:sldLayoutId id="2147483706" r:id="rId5"/>
+    <p:sldLayoutId id="2147483707" r:id="rId6"/>
+    <p:sldLayoutId id="2147483708" r:id="rId7"/>
+    <p:sldLayoutId id="2147483709" r:id="rId8"/>
+    <p:sldLayoutId id="2147483710" r:id="rId9"/>
+    <p:sldLayoutId id="2147483711" r:id="rId10"/>
+    <p:sldLayoutId id="2147483712" r:id="rId11"/>
+    <p:sldLayoutId id="2147483713" r:id="rId12"/>
+    <p:sldLayoutId id="2147483714" r:id="rId13"/>
+    <p:sldLayoutId id="2147483715" r:id="rId14"/>
+    <p:sldLayoutId id="2147483716" r:id="rId15"/>
+    <p:sldLayoutId id="2147483717" r:id="rId16"/>
+    <p:sldLayoutId id="2147483718" r:id="rId17"/>
   </p:sldLayoutIdLst>
   <p:txStyles>
     <p:titleStyle>
-      <a:lvl1pPr algn="l" defTabSz="914400" rtl="0" eaLnBrk="1" latinLnBrk="0" hangingPunct="1">
+      <a:lvl1pPr algn="r" defTabSz="914400" rtl="0" eaLnBrk="1" latinLnBrk="0" hangingPunct="1">
         <a:lnSpc>
           <a:spcPct val="90000"/>
         </a:lnSpc>
@@ -3034,7 +5461,7 @@
           <a:spcPct val="0"/>
         </a:spcBef>
         <a:buNone/>
-        <a:defRPr sz="4400" kern="1200">
+        <a:defRPr sz="4000" kern="1200" cap="all" baseline="0">
           <a:solidFill>
             <a:schemeClr val="tx1"/>
           </a:solidFill>
@@ -3054,7 +5481,7 @@
         </a:spcBef>
         <a:buFont typeface="Arial" panose="020B0604020202020204" pitchFamily="34" charset="0"/>
         <a:buChar char="•"/>
-        <a:defRPr sz="2800" kern="1200">
+        <a:defRPr sz="2200" kern="1200">
           <a:solidFill>
             <a:schemeClr val="tx1"/>
           </a:solidFill>
@@ -3072,7 +5499,7 @@
         </a:spcBef>
         <a:buFont typeface="Arial" panose="020B0604020202020204" pitchFamily="34" charset="0"/>
         <a:buChar char="•"/>
-        <a:defRPr sz="2400" kern="1200">
+        <a:defRPr sz="2000" kern="1200">
           <a:solidFill>
             <a:schemeClr val="tx1"/>
           </a:solidFill>
@@ -3090,7 +5517,7 @@
         </a:spcBef>
         <a:buFont typeface="Arial" panose="020B0604020202020204" pitchFamily="34" charset="0"/>
         <a:buChar char="•"/>
-        <a:defRPr sz="2000" kern="1200">
+        <a:defRPr sz="1800" kern="1200">
           <a:solidFill>
             <a:schemeClr val="tx1"/>
           </a:solidFill>
@@ -3108,7 +5535,7 @@
         </a:spcBef>
         <a:buFont typeface="Arial" panose="020B0604020202020204" pitchFamily="34" charset="0"/>
         <a:buChar char="•"/>
-        <a:defRPr sz="1800" kern="1200">
+        <a:defRPr sz="1600" kern="1200">
           <a:solidFill>
             <a:schemeClr val="tx1"/>
           </a:solidFill>
@@ -3126,7 +5553,7 @@
         </a:spcBef>
         <a:buFont typeface="Arial" panose="020B0604020202020204" pitchFamily="34" charset="0"/>
         <a:buChar char="•"/>
-        <a:defRPr sz="1800" kern="1200">
+        <a:defRPr sz="1600" kern="1200">
           <a:solidFill>
             <a:schemeClr val="tx1"/>
           </a:solidFill>
@@ -3144,7 +5571,7 @@
         </a:spcBef>
         <a:buFont typeface="Arial" panose="020B0604020202020204" pitchFamily="34" charset="0"/>
         <a:buChar char="•"/>
-        <a:defRPr sz="1800" kern="1200">
+        <a:defRPr sz="1600" kern="1200">
           <a:solidFill>
             <a:schemeClr val="tx1"/>
           </a:solidFill>
@@ -3162,7 +5589,7 @@
         </a:spcBef>
         <a:buFont typeface="Arial" panose="020B0604020202020204" pitchFamily="34" charset="0"/>
         <a:buChar char="•"/>
-        <a:defRPr sz="1800" kern="1200">
+        <a:defRPr sz="1600" kern="1200">
           <a:solidFill>
             <a:schemeClr val="tx1"/>
           </a:solidFill>
@@ -3180,7 +5607,7 @@
         </a:spcBef>
         <a:buFont typeface="Arial" panose="020B0604020202020204" pitchFamily="34" charset="0"/>
         <a:buChar char="•"/>
-        <a:defRPr sz="1800" kern="1200">
+        <a:defRPr sz="1600" kern="1200">
           <a:solidFill>
             <a:schemeClr val="tx1"/>
           </a:solidFill>
@@ -3198,7 +5625,7 @@
         </a:spcBef>
         <a:buFont typeface="Arial" panose="020B0604020202020204" pitchFamily="34" charset="0"/>
         <a:buChar char="•"/>
-        <a:defRPr sz="1800" kern="1200">
+        <a:defRPr sz="1600" kern="1200">
           <a:solidFill>
             <a:schemeClr val="tx1"/>
           </a:solidFill>
@@ -3343,7 +5770,7 @@
         <p:spPr/>
         <p:txBody>
           <a:bodyPr>
-            <a:normAutofit/>
+            <a:normAutofit fontScale="90000"/>
           </a:bodyPr>
           <a:lstStyle/>
           <a:p>
@@ -3380,7 +5807,9 @@
         </p:nvSpPr>
         <p:spPr/>
         <p:txBody>
-          <a:bodyPr/>
+          <a:bodyPr>
+            <a:normAutofit fontScale="47500" lnSpcReduction="20000"/>
+          </a:bodyPr>
           <a:lstStyle/>
           <a:p>
             <a:r>
@@ -3445,7 +5874,12 @@
             <p:ph type="title"/>
           </p:nvPr>
         </p:nvSpPr>
-        <p:spPr/>
+        <p:spPr>
+          <a:xfrm>
+            <a:off x="2895600" y="764373"/>
+            <a:ext cx="8610600" cy="1293028"/>
+          </a:xfrm>
+        </p:spPr>
         <p:txBody>
           <a:bodyPr/>
           <a:lstStyle/>
@@ -3657,6 +6091,395 @@
           <p:cNvPr id="2" name="Title 1">
             <a:extLst>
               <a:ext uri="{FF2B5EF4-FFF2-40B4-BE49-F238E27FC236}">
+                <a16:creationId xmlns:a16="http://schemas.microsoft.com/office/drawing/2014/main" id="{7C19197E-407F-4BFC-9A69-C84FD8EBC85B}"/>
+              </a:ext>
+            </a:extLst>
+          </p:cNvPr>
+          <p:cNvSpPr>
+            <a:spLocks noGrp="1"/>
+          </p:cNvSpPr>
+          <p:nvPr>
+            <p:ph type="title"/>
+          </p:nvPr>
+        </p:nvSpPr>
+        <p:spPr/>
+        <p:txBody>
+          <a:bodyPr/>
+          <a:lstStyle/>
+          <a:p>
+            <a:r>
+              <a:rPr lang="en-US" dirty="0"/>
+              <a:t>Approach</a:t>
+            </a:r>
+          </a:p>
+        </p:txBody>
+      </p:sp>
+      <p:sp>
+        <p:nvSpPr>
+          <p:cNvPr id="3" name="Text Placeholder 2">
+            <a:extLst>
+              <a:ext uri="{FF2B5EF4-FFF2-40B4-BE49-F238E27FC236}">
+                <a16:creationId xmlns:a16="http://schemas.microsoft.com/office/drawing/2014/main" id="{9EF163E7-5ECC-44A9-B7CE-1B05A45147F1}"/>
+              </a:ext>
+            </a:extLst>
+          </p:cNvPr>
+          <p:cNvSpPr>
+            <a:spLocks noGrp="1"/>
+          </p:cNvSpPr>
+          <p:nvPr>
+            <p:ph type="body" idx="1"/>
+          </p:nvPr>
+        </p:nvSpPr>
+        <p:spPr/>
+        <p:txBody>
+          <a:bodyPr/>
+          <a:lstStyle/>
+          <a:p>
+            <a:endParaRPr lang="en-US"/>
+          </a:p>
+        </p:txBody>
+      </p:sp>
+    </p:spTree>
+    <p:extLst>
+      <p:ext uri="{BB962C8B-B14F-4D97-AF65-F5344CB8AC3E}">
+        <p14:creationId xmlns:p14="http://schemas.microsoft.com/office/powerpoint/2010/main" val="4285818982"/>
+      </p:ext>
+    </p:extLst>
+  </p:cSld>
+  <p:clrMapOvr>
+    <a:masterClrMapping/>
+  </p:clrMapOvr>
+</p:sld>
+</file>
+
+<file path=ppt/slides/slide5.xml><?xml version="1.0" encoding="utf-8"?>
+<p:sld xmlns:a="http://schemas.openxmlformats.org/drawingml/2006/main" xmlns:r="http://schemas.openxmlformats.org/officeDocument/2006/relationships" xmlns:p="http://schemas.openxmlformats.org/presentationml/2006/main">
+  <p:cSld>
+    <p:spTree>
+      <p:nvGrpSpPr>
+        <p:cNvPr id="1" name=""/>
+        <p:cNvGrpSpPr/>
+        <p:nvPr/>
+      </p:nvGrpSpPr>
+      <p:grpSpPr>
+        <a:xfrm>
+          <a:off x="0" y="0"/>
+          <a:ext cx="0" cy="0"/>
+          <a:chOff x="0" y="0"/>
+          <a:chExt cx="0" cy="0"/>
+        </a:xfrm>
+      </p:grpSpPr>
+      <p:sp>
+        <p:nvSpPr>
+          <p:cNvPr id="2" name="Title 1">
+            <a:extLst>
+              <a:ext uri="{FF2B5EF4-FFF2-40B4-BE49-F238E27FC236}">
+                <a16:creationId xmlns:a16="http://schemas.microsoft.com/office/drawing/2014/main" id="{6920EB47-572D-4F9A-8FA9-F5A8DC5D8094}"/>
+              </a:ext>
+            </a:extLst>
+          </p:cNvPr>
+          <p:cNvSpPr>
+            <a:spLocks noGrp="1"/>
+          </p:cNvSpPr>
+          <p:nvPr>
+            <p:ph type="title"/>
+          </p:nvPr>
+        </p:nvSpPr>
+        <p:spPr/>
+        <p:txBody>
+          <a:bodyPr/>
+          <a:lstStyle/>
+          <a:p>
+            <a:r>
+              <a:rPr lang="en-US" dirty="0"/>
+              <a:t>Vision</a:t>
+            </a:r>
+          </a:p>
+        </p:txBody>
+      </p:sp>
+      <p:sp>
+        <p:nvSpPr>
+          <p:cNvPr id="3" name="Content Placeholder 2">
+            <a:extLst>
+              <a:ext uri="{FF2B5EF4-FFF2-40B4-BE49-F238E27FC236}">
+                <a16:creationId xmlns:a16="http://schemas.microsoft.com/office/drawing/2014/main" id="{2AC9B974-5BFD-4C73-A83B-F8FB98B6BC73}"/>
+              </a:ext>
+            </a:extLst>
+          </p:cNvPr>
+          <p:cNvSpPr>
+            <a:spLocks noGrp="1"/>
+          </p:cNvSpPr>
+          <p:nvPr>
+            <p:ph idx="1"/>
+          </p:nvPr>
+        </p:nvSpPr>
+        <p:spPr/>
+        <p:txBody>
+          <a:bodyPr/>
+          <a:lstStyle/>
+          <a:p>
+            <a:pPr marL="457200" indent="-457200">
+              <a:buAutoNum type="arabicPeriod"/>
+            </a:pPr>
+            <a:r>
+              <a:rPr lang="en-US" dirty="0"/>
+              <a:t>Customer owns dashcam and wants data processed: they purchase an image processing product on the i3 marketplace</a:t>
+            </a:r>
+          </a:p>
+          <a:p>
+            <a:pPr marL="457200" indent="-457200">
+              <a:buAutoNum type="arabicPeriod"/>
+            </a:pPr>
+            <a:r>
+              <a:rPr lang="en-US" dirty="0"/>
+              <a:t>An event (an accident or hard breaking) occurs and triggers the camera to publish an image of the car in front and/or behind</a:t>
+            </a:r>
+          </a:p>
+          <a:p>
+            <a:pPr marL="457200" indent="-457200">
+              <a:buAutoNum type="arabicPeriod"/>
+            </a:pPr>
+            <a:r>
+              <a:rPr lang="en-US" dirty="0"/>
+              <a:t>The image is processed by the server and sends back information such as plate number vehicle type, speed, </a:t>
+            </a:r>
+            <a:r>
+              <a:rPr lang="en-US" dirty="0" err="1"/>
+              <a:t>gps</a:t>
+            </a:r>
+            <a:r>
+              <a:rPr lang="en-US" dirty="0"/>
+              <a:t> location, etc.</a:t>
+            </a:r>
+          </a:p>
+          <a:p>
+            <a:pPr marL="914400" lvl="1" indent="-457200">
+              <a:buAutoNum type="arabicPeriod"/>
+            </a:pPr>
+            <a:r>
+              <a:rPr lang="en-US" dirty="0"/>
+              <a:t>Can also send data to customer’s insurance company and automatically make claim</a:t>
+            </a:r>
+          </a:p>
+          <a:p>
+            <a:pPr marL="914400" lvl="1" indent="-457200">
+              <a:buAutoNum type="arabicPeriod"/>
+            </a:pPr>
+            <a:r>
+              <a:rPr lang="en-US" dirty="0"/>
+              <a:t>Can send data to police department</a:t>
+            </a:r>
+          </a:p>
+          <a:p>
+            <a:pPr marL="457200" indent="-457200">
+              <a:buAutoNum type="arabicPeriod"/>
+            </a:pPr>
+            <a:r>
+              <a:rPr lang="en-US" dirty="0"/>
+              <a:t>Can also sell dashcam data to other 3</a:t>
+            </a:r>
+            <a:r>
+              <a:rPr lang="en-US" baseline="30000" dirty="0"/>
+              <a:t>rd</a:t>
+            </a:r>
+            <a:r>
+              <a:rPr lang="en-US" dirty="0"/>
+              <a:t> parties</a:t>
+            </a:r>
+          </a:p>
+          <a:p>
+            <a:pPr marL="457200" indent="-457200">
+              <a:buAutoNum type="arabicPeriod"/>
+            </a:pPr>
+            <a:endParaRPr lang="en-US" dirty="0"/>
+          </a:p>
+        </p:txBody>
+      </p:sp>
+    </p:spTree>
+    <p:extLst>
+      <p:ext uri="{BB962C8B-B14F-4D97-AF65-F5344CB8AC3E}">
+        <p14:creationId xmlns:p14="http://schemas.microsoft.com/office/powerpoint/2010/main" val="3661420611"/>
+      </p:ext>
+    </p:extLst>
+  </p:cSld>
+  <p:clrMapOvr>
+    <a:masterClrMapping/>
+  </p:clrMapOvr>
+</p:sld>
+</file>
+
+<file path=ppt/slides/slide6.xml><?xml version="1.0" encoding="utf-8"?>
+<p:sld xmlns:a="http://schemas.openxmlformats.org/drawingml/2006/main" xmlns:r="http://schemas.openxmlformats.org/officeDocument/2006/relationships" xmlns:p="http://schemas.openxmlformats.org/presentationml/2006/main">
+  <p:cSld>
+    <p:spTree>
+      <p:nvGrpSpPr>
+        <p:cNvPr id="1" name=""/>
+        <p:cNvGrpSpPr/>
+        <p:nvPr/>
+      </p:nvGrpSpPr>
+      <p:grpSpPr>
+        <a:xfrm>
+          <a:off x="0" y="0"/>
+          <a:ext cx="0" cy="0"/>
+          <a:chOff x="0" y="0"/>
+          <a:chExt cx="0" cy="0"/>
+        </a:xfrm>
+      </p:grpSpPr>
+      <p:sp>
+        <p:nvSpPr>
+          <p:cNvPr id="2" name="Title 1">
+            <a:extLst>
+              <a:ext uri="{FF2B5EF4-FFF2-40B4-BE49-F238E27FC236}">
+                <a16:creationId xmlns:a16="http://schemas.microsoft.com/office/drawing/2014/main" id="{2EC119F1-D8BB-4A65-9AD0-9044813A2546}"/>
+              </a:ext>
+            </a:extLst>
+          </p:cNvPr>
+          <p:cNvSpPr>
+            <a:spLocks noGrp="1"/>
+          </p:cNvSpPr>
+          <p:nvPr>
+            <p:ph type="title"/>
+          </p:nvPr>
+        </p:nvSpPr>
+        <p:spPr/>
+        <p:txBody>
+          <a:bodyPr/>
+          <a:lstStyle/>
+          <a:p>
+            <a:r>
+              <a:rPr lang="en-US" dirty="0"/>
+              <a:t>approach</a:t>
+            </a:r>
+          </a:p>
+        </p:txBody>
+      </p:sp>
+      <p:sp>
+        <p:nvSpPr>
+          <p:cNvPr id="3" name="Content Placeholder 2">
+            <a:extLst>
+              <a:ext uri="{FF2B5EF4-FFF2-40B4-BE49-F238E27FC236}">
+                <a16:creationId xmlns:a16="http://schemas.microsoft.com/office/drawing/2014/main" id="{25E00975-D7E4-4075-8C1D-991AF2ADE217}"/>
+              </a:ext>
+            </a:extLst>
+          </p:cNvPr>
+          <p:cNvSpPr>
+            <a:spLocks noGrp="1"/>
+          </p:cNvSpPr>
+          <p:nvPr>
+            <p:ph idx="1"/>
+          </p:nvPr>
+        </p:nvSpPr>
+        <p:spPr/>
+        <p:txBody>
+          <a:bodyPr/>
+          <a:lstStyle/>
+          <a:p>
+            <a:pPr marL="457200" indent="-457200">
+              <a:buAutoNum type="arabicPeriod"/>
+            </a:pPr>
+            <a:r>
+              <a:rPr lang="en-US" dirty="0"/>
+              <a:t>Grab image from </a:t>
+            </a:r>
+            <a:r>
+              <a:rPr lang="en-US" dirty="0" err="1"/>
+              <a:t>rPi</a:t>
+            </a:r>
+            <a:endParaRPr lang="en-US" dirty="0"/>
+          </a:p>
+          <a:p>
+            <a:pPr marL="457200" indent="-457200">
+              <a:buAutoNum type="arabicPeriod"/>
+            </a:pPr>
+            <a:r>
+              <a:rPr lang="en-US" dirty="0"/>
+              <a:t>Publish image to a i3 marketplace using </a:t>
+            </a:r>
+            <a:r>
+              <a:rPr lang="en-US" dirty="0" err="1"/>
+              <a:t>mqtt</a:t>
+            </a:r>
+            <a:r>
+              <a:rPr lang="en-US" dirty="0"/>
+              <a:t> publish method</a:t>
+            </a:r>
+          </a:p>
+          <a:p>
+            <a:pPr marL="457200" indent="-457200">
+              <a:buAutoNum type="arabicPeriod"/>
+            </a:pPr>
+            <a:r>
+              <a:rPr lang="en-US" dirty="0"/>
+              <a:t>Server subscribed to client topic, pulls image and processes</a:t>
+            </a:r>
+          </a:p>
+          <a:p>
+            <a:pPr marL="457200" indent="-457200">
+              <a:buAutoNum type="arabicPeriod"/>
+            </a:pPr>
+            <a:r>
+              <a:rPr lang="en-US" dirty="0"/>
+              <a:t>License plate is isolated and characters are identified</a:t>
+            </a:r>
+          </a:p>
+          <a:p>
+            <a:pPr marL="457200" indent="-457200">
+              <a:buAutoNum type="arabicPeriod"/>
+            </a:pPr>
+            <a:r>
+              <a:rPr lang="en-US" dirty="0"/>
+              <a:t>License plate image is saved and sent back to the customer</a:t>
+            </a:r>
+          </a:p>
+          <a:p>
+            <a:pPr marL="457200" indent="-457200">
+              <a:buAutoNum type="arabicPeriod"/>
+            </a:pPr>
+            <a:endParaRPr lang="en-US" dirty="0"/>
+          </a:p>
+          <a:p>
+            <a:pPr marL="457200" indent="-457200">
+              <a:buAutoNum type="arabicPeriod"/>
+            </a:pPr>
+            <a:endParaRPr lang="en-US" dirty="0"/>
+          </a:p>
+        </p:txBody>
+      </p:sp>
+    </p:spTree>
+    <p:extLst>
+      <p:ext uri="{BB962C8B-B14F-4D97-AF65-F5344CB8AC3E}">
+        <p14:creationId xmlns:p14="http://schemas.microsoft.com/office/powerpoint/2010/main" val="742645756"/>
+      </p:ext>
+    </p:extLst>
+  </p:cSld>
+  <p:clrMapOvr>
+    <a:masterClrMapping/>
+  </p:clrMapOvr>
+</p:sld>
+</file>
+
+<file path=ppt/slides/slide7.xml><?xml version="1.0" encoding="utf-8"?>
+<p:sld xmlns:a="http://schemas.openxmlformats.org/drawingml/2006/main" xmlns:r="http://schemas.openxmlformats.org/officeDocument/2006/relationships" xmlns:p="http://schemas.openxmlformats.org/presentationml/2006/main">
+  <p:cSld>
+    <p:spTree>
+      <p:nvGrpSpPr>
+        <p:cNvPr id="1" name=""/>
+        <p:cNvGrpSpPr/>
+        <p:nvPr/>
+      </p:nvGrpSpPr>
+      <p:grpSpPr>
+        <a:xfrm>
+          <a:off x="0" y="0"/>
+          <a:ext cx="0" cy="0"/>
+          <a:chOff x="0" y="0"/>
+          <a:chExt cx="0" cy="0"/>
+        </a:xfrm>
+      </p:grpSpPr>
+      <p:sp>
+        <p:nvSpPr>
+          <p:cNvPr id="2" name="Title 1">
+            <a:extLst>
+              <a:ext uri="{FF2B5EF4-FFF2-40B4-BE49-F238E27FC236}">
                 <a16:creationId xmlns:a16="http://schemas.microsoft.com/office/drawing/2014/main" id="{742F2F88-9C09-4C28-9337-554358EF639F}"/>
               </a:ext>
             </a:extLst>
@@ -3765,9 +6588,9 @@
 </file>
 
 <file path=ppt/theme/theme1.xml><?xml version="1.0" encoding="utf-8"?>
-<a:theme xmlns:a="http://schemas.openxmlformats.org/drawingml/2006/main" name="Office Theme">
+<a:theme xmlns:a="http://schemas.openxmlformats.org/drawingml/2006/main" name="Vapor Trail">
   <a:themeElements>
-    <a:clrScheme name="Office">
+    <a:clrScheme name="Vapor Trail">
       <a:dk1>
         <a:sysClr val="windowText" lastClr="000000"/>
       </a:dk1>
@@ -3775,44 +6598,44 @@
         <a:sysClr val="window" lastClr="FFFFFF"/>
       </a:lt1>
       <a:dk2>
-        <a:srgbClr val="44546A"/>
+        <a:srgbClr val="454545"/>
       </a:dk2>
       <a:lt2>
-        <a:srgbClr val="E7E6E6"/>
+        <a:srgbClr val="DADADA"/>
       </a:lt2>
       <a:accent1>
-        <a:srgbClr val="4472C4"/>
+        <a:srgbClr val="DF2E28"/>
       </a:accent1>
       <a:accent2>
-        <a:srgbClr val="ED7D31"/>
+        <a:srgbClr val="FE801A"/>
       </a:accent2>
       <a:accent3>
-        <a:srgbClr val="A5A5A5"/>
+        <a:srgbClr val="E9BF35"/>
       </a:accent3>
       <a:accent4>
-        <a:srgbClr val="FFC000"/>
+        <a:srgbClr val="81BB42"/>
       </a:accent4>
       <a:accent5>
-        <a:srgbClr val="5B9BD5"/>
+        <a:srgbClr val="32C7A9"/>
       </a:accent5>
       <a:accent6>
-        <a:srgbClr val="70AD47"/>
+        <a:srgbClr val="4A9BDC"/>
       </a:accent6>
       <a:hlink>
-        <a:srgbClr val="0563C1"/>
+        <a:srgbClr val="F0532B"/>
       </a:hlink>
       <a:folHlink>
-        <a:srgbClr val="954F72"/>
+        <a:srgbClr val="F38B53"/>
       </a:folHlink>
     </a:clrScheme>
-    <a:fontScheme name="Office">
+    <a:fontScheme name="Vapor Trail">
       <a:majorFont>
-        <a:latin typeface="Calibri Light" panose="020F0302020204030204"/>
+        <a:latin typeface="Century Gothic" panose="020B0502020202020204"/>
         <a:ea typeface=""/>
         <a:cs typeface=""/>
-        <a:font script="Jpan" typeface="游ゴシック Light"/>
+        <a:font script="Jpan" typeface="ＭＳ Ｐゴシック"/>
         <a:font script="Hang" typeface="맑은 고딕"/>
-        <a:font script="Hans" typeface="等线 Light"/>
+        <a:font script="Hans" typeface="宋体"/>
         <a:font script="Hant" typeface="新細明體"/>
         <a:font script="Arab" typeface="Times New Roman"/>
         <a:font script="Hebr" typeface="Times New Roman"/>
@@ -3840,31 +6663,14 @@
         <a:font script="Viet" typeface="Times New Roman"/>
         <a:font script="Uigh" typeface="Microsoft Uighur"/>
         <a:font script="Geor" typeface="Sylfaen"/>
-        <a:font script="Armn" typeface="Arial"/>
-        <a:font script="Bugi" typeface="Leelawadee UI"/>
-        <a:font script="Bopo" typeface="Microsoft JhengHei"/>
-        <a:font script="Java" typeface="Javanese Text"/>
-        <a:font script="Lisu" typeface="Segoe UI"/>
-        <a:font script="Mymr" typeface="Myanmar Text"/>
-        <a:font script="Nkoo" typeface="Ebrima"/>
-        <a:font script="Olck" typeface="Nirmala UI"/>
-        <a:font script="Osma" typeface="Ebrima"/>
-        <a:font script="Phag" typeface="Phagspa"/>
-        <a:font script="Syrn" typeface="Estrangelo Edessa"/>
-        <a:font script="Syrj" typeface="Estrangelo Edessa"/>
-        <a:font script="Syre" typeface="Estrangelo Edessa"/>
-        <a:font script="Sora" typeface="Nirmala UI"/>
-        <a:font script="Tale" typeface="Microsoft Tai Le"/>
-        <a:font script="Talu" typeface="Microsoft New Tai Lue"/>
-        <a:font script="Tfng" typeface="Ebrima"/>
       </a:majorFont>
       <a:minorFont>
-        <a:latin typeface="Calibri" panose="020F0502020204030204"/>
+        <a:latin typeface="Century Gothic" panose="020B0502020202020204"/>
         <a:ea typeface=""/>
         <a:cs typeface=""/>
-        <a:font script="Jpan" typeface="游ゴシック"/>
+        <a:font script="Jpan" typeface="ＭＳ Ｐゴシック"/>
         <a:font script="Hang" typeface="맑은 고딕"/>
-        <a:font script="Hans" typeface="等线"/>
+        <a:font script="Hans" typeface="宋体"/>
         <a:font script="Hant" typeface="新細明體"/>
         <a:font script="Arab" typeface="Arial"/>
         <a:font script="Hebr" typeface="Arial"/>
@@ -3892,26 +6698,9 @@
         <a:font script="Viet" typeface="Arial"/>
         <a:font script="Uigh" typeface="Microsoft Uighur"/>
         <a:font script="Geor" typeface="Sylfaen"/>
-        <a:font script="Armn" typeface="Arial"/>
-        <a:font script="Bugi" typeface="Leelawadee UI"/>
-        <a:font script="Bopo" typeface="Microsoft JhengHei"/>
-        <a:font script="Java" typeface="Javanese Text"/>
-        <a:font script="Lisu" typeface="Segoe UI"/>
-        <a:font script="Mymr" typeface="Myanmar Text"/>
-        <a:font script="Nkoo" typeface="Ebrima"/>
-        <a:font script="Olck" typeface="Nirmala UI"/>
-        <a:font script="Osma" typeface="Ebrima"/>
-        <a:font script="Phag" typeface="Phagspa"/>
-        <a:font script="Syrn" typeface="Estrangelo Edessa"/>
-        <a:font script="Syrj" typeface="Estrangelo Edessa"/>
-        <a:font script="Syre" typeface="Estrangelo Edessa"/>
-        <a:font script="Sora" typeface="Nirmala UI"/>
-        <a:font script="Tale" typeface="Microsoft Tai Le"/>
-        <a:font script="Talu" typeface="Microsoft New Tai Lue"/>
-        <a:font script="Tfng" typeface="Ebrima"/>
       </a:minorFont>
     </a:fontScheme>
-    <a:fmtScheme name="Office">
+    <a:fmtScheme name="Vapor Trail">
       <a:fillStyleLst>
         <a:solidFill>
           <a:schemeClr val="phClr"/>
@@ -3920,23 +6709,24 @@
           <a:gsLst>
             <a:gs pos="0">
               <a:schemeClr val="phClr">
+                <a:tint val="69000"/>
+                <a:alpha val="100000"/>
+                <a:satMod val="109000"/>
                 <a:lumMod val="110000"/>
-                <a:satMod val="105000"/>
-                <a:tint val="67000"/>
               </a:schemeClr>
             </a:gs>
-            <a:gs pos="50000">
+            <a:gs pos="52000">
               <a:schemeClr val="phClr">
-                <a:lumMod val="105000"/>
-                <a:satMod val="103000"/>
-                <a:tint val="73000"/>
+                <a:tint val="74000"/>
+                <a:satMod val="100000"/>
+                <a:lumMod val="104000"/>
               </a:schemeClr>
             </a:gs>
             <a:gs pos="100000">
               <a:schemeClr val="phClr">
-                <a:lumMod val="105000"/>
-                <a:satMod val="109000"/>
-                <a:tint val="81000"/>
+                <a:tint val="78000"/>
+                <a:satMod val="100000"/>
+                <a:lumMod val="100000"/>
               </a:schemeClr>
             </a:gs>
           </a:gsLst>
@@ -3946,23 +6736,16 @@
           <a:gsLst>
             <a:gs pos="0">
               <a:schemeClr val="phClr">
-                <a:satMod val="103000"/>
-                <a:lumMod val="102000"/>
-                <a:tint val="94000"/>
+                <a:tint val="96000"/>
+                <a:satMod val="100000"/>
+                <a:lumMod val="104000"/>
               </a:schemeClr>
             </a:gs>
-            <a:gs pos="50000">
+            <a:gs pos="78000">
               <a:schemeClr val="phClr">
+                <a:shade val="100000"/>
                 <a:satMod val="110000"/>
                 <a:lumMod val="100000"/>
-                <a:shade val="100000"/>
-              </a:schemeClr>
-            </a:gs>
-            <a:gs pos="100000">
-              <a:schemeClr val="phClr">
-                <a:lumMod val="99000"/>
-                <a:satMod val="120000"/>
-                <a:shade val="78000"/>
               </a:schemeClr>
             </a:gs>
           </a:gsLst>
@@ -3970,26 +6753,23 @@
         </a:gradFill>
       </a:fillStyleLst>
       <a:lnStyleLst>
-        <a:ln w="6350" cap="flat" cmpd="sng" algn="ctr">
+        <a:ln w="9525" cap="flat" cmpd="sng" algn="ctr">
           <a:solidFill>
             <a:schemeClr val="phClr"/>
           </a:solidFill>
           <a:prstDash val="solid"/>
-          <a:miter lim="800000"/>
         </a:ln>
         <a:ln w="12700" cap="flat" cmpd="sng" algn="ctr">
           <a:solidFill>
             <a:schemeClr val="phClr"/>
           </a:solidFill>
           <a:prstDash val="solid"/>
-          <a:miter lim="800000"/>
         </a:ln>
         <a:ln w="19050" cap="flat" cmpd="sng" algn="ctr">
           <a:solidFill>
             <a:schemeClr val="phClr"/>
           </a:solidFill>
           <a:prstDash val="solid"/>
-          <a:miter lim="800000"/>
         </a:ln>
       </a:lnStyleLst>
       <a:effectStyleLst>
@@ -3998,15 +6778,33 @@
         </a:effectStyle>
         <a:effectStyle>
           <a:effectLst/>
+          <a:scene3d>
+            <a:camera prst="orthographicFront">
+              <a:rot lat="0" lon="0" rev="0"/>
+            </a:camera>
+            <a:lightRig rig="threePt" dir="t"/>
+          </a:scene3d>
+          <a:sp3d>
+            <a:bevelT w="25400" h="12700"/>
+          </a:sp3d>
         </a:effectStyle>
         <a:effectStyle>
           <a:effectLst>
             <a:outerShdw blurRad="57150" dist="19050" dir="5400000" algn="ctr" rotWithShape="0">
               <a:srgbClr val="000000">
-                <a:alpha val="63000"/>
+                <a:alpha val="48000"/>
               </a:srgbClr>
             </a:outerShdw>
           </a:effectLst>
+          <a:scene3d>
+            <a:camera prst="orthographicFront">
+              <a:rot lat="0" lon="0" rev="0"/>
+            </a:camera>
+            <a:lightRig rig="threePt" dir="t"/>
+          </a:scene3d>
+          <a:sp3d>
+            <a:bevelT w="50800" h="25400"/>
+          </a:sp3d>
         </a:effectStyle>
       </a:effectStyleLst>
       <a:bgFillStyleLst>
@@ -4024,16 +6822,16 @@
             <a:gs pos="0">
               <a:schemeClr val="phClr">
                 <a:tint val="93000"/>
+                <a:shade val="98000"/>
                 <a:satMod val="150000"/>
-                <a:shade val="98000"/>
                 <a:lumMod val="102000"/>
               </a:schemeClr>
             </a:gs>
             <a:gs pos="50000">
               <a:schemeClr val="phClr">
                 <a:tint val="98000"/>
+                <a:shade val="90000"/>
                 <a:satMod val="130000"/>
-                <a:shade val="90000"/>
                 <a:lumMod val="103000"/>
               </a:schemeClr>
             </a:gs>
@@ -4053,7 +6851,7 @@
   <a:extraClrSchemeLst/>
   <a:extLst>
     <a:ext uri="{05A4C25C-085E-4340-85A3-A5531E510DB2}">
-      <thm15:themeFamily xmlns:thm15="http://schemas.microsoft.com/office/thememl/2012/main" name="Office Theme" id="{62F939B6-93AF-4DB8-9C6B-D6C7DFDC589F}" vid="{4A3C46E8-61CC-4603-A589-7422A47A8E4A}"/>
+      <thm15:themeFamily xmlns:thm15="http://schemas.microsoft.com/office/thememl/2012/main" name="Vapor Trail" id="{4FDF2955-7D9C-493C-B9F9-C205151B46CD}" vid="{8F31A783-2159-4870-BC29-2BA7D038EA44}"/>
     </a:ext>
   </a:extLst>
 </a:theme>
